--- a/軟體工程_期中報告.pptx
+++ b/軟體工程_期中報告.pptx
@@ -5,23 +5,25 @@
     <p:sldMasterId id="2147483648" r:id="rId1"/>
   </p:sldMasterIdLst>
   <p:notesMasterIdLst>
-    <p:notesMasterId r:id="rId11"/>
+    <p:notesMasterId r:id="rId13"/>
   </p:notesMasterIdLst>
   <p:sldIdLst>
     <p:sldId id="427" r:id="rId2"/>
     <p:sldId id="407" r:id="rId3"/>
     <p:sldId id="395" r:id="rId4"/>
     <p:sldId id="434" r:id="rId5"/>
-    <p:sldId id="438" r:id="rId6"/>
-    <p:sldId id="436" r:id="rId7"/>
-    <p:sldId id="437" r:id="rId8"/>
-    <p:sldId id="439" r:id="rId9"/>
-    <p:sldId id="341" r:id="rId10"/>
+    <p:sldId id="441" r:id="rId6"/>
+    <p:sldId id="442" r:id="rId7"/>
+    <p:sldId id="443" r:id="rId8"/>
+    <p:sldId id="444" r:id="rId9"/>
+    <p:sldId id="437" r:id="rId10"/>
+    <p:sldId id="439" r:id="rId11"/>
+    <p:sldId id="341" r:id="rId12"/>
   </p:sldIdLst>
   <p:sldSz cx="9144000" cy="5143500" type="screen16x9"/>
   <p:notesSz cx="6858000" cy="9144000"/>
   <p:custDataLst>
-    <p:tags r:id="rId12"/>
+    <p:tags r:id="rId14"/>
   </p:custDataLst>
   <p:defaultTextStyle>
     <a:defPPr>
@@ -258,7 +260,7 @@
             <a:fld id="{673B58EF-4ABD-40F4-ACA4-FE81D742E6DD}" type="datetimeFigureOut">
               <a:rPr lang="zh-CN" altLang="en-US" smtClean="0"/>
               <a:pPr/>
-              <a:t>2019/11/5</a:t>
+              <a:t>2019/11/27</a:t>
             </a:fld>
             <a:endParaRPr lang="zh-CN" altLang="en-US" dirty="0"/>
           </a:p>
@@ -615,6 +617,175 @@
 </p:notes>
 </file>
 
+<file path=ppt/notesSlides/notesSlide10.xml><?xml version="1.0" encoding="utf-8"?>
+<p:notes xmlns:a="http://schemas.openxmlformats.org/drawingml/2006/main" xmlns:r="http://schemas.openxmlformats.org/officeDocument/2006/relationships" xmlns:p="http://schemas.openxmlformats.org/presentationml/2006/main">
+  <p:cSld>
+    <p:spTree>
+      <p:nvGrpSpPr>
+        <p:cNvPr id="1" name=""/>
+        <p:cNvGrpSpPr/>
+        <p:nvPr/>
+      </p:nvGrpSpPr>
+      <p:grpSpPr>
+        <a:xfrm>
+          <a:off x="0" y="0"/>
+          <a:ext cx="0" cy="0"/>
+          <a:chOff x="0" y="0"/>
+          <a:chExt cx="0" cy="0"/>
+        </a:xfrm>
+      </p:grpSpPr>
+      <p:sp>
+        <p:nvSpPr>
+          <p:cNvPr id="2" name="幻灯片图像占位符 1"/>
+          <p:cNvSpPr>
+            <a:spLocks noGrp="1" noRot="1" noChangeAspect="1"/>
+          </p:cNvSpPr>
+          <p:nvPr>
+            <p:ph type="sldImg"/>
+          </p:nvPr>
+        </p:nvSpPr>
+        <p:spPr/>
+      </p:sp>
+      <p:sp>
+        <p:nvSpPr>
+          <p:cNvPr id="3" name="备注占位符 2"/>
+          <p:cNvSpPr>
+            <a:spLocks noGrp="1"/>
+          </p:cNvSpPr>
+          <p:nvPr>
+            <p:ph type="body" idx="1"/>
+          </p:nvPr>
+        </p:nvSpPr>
+        <p:spPr/>
+        <p:txBody>
+          <a:bodyPr/>
+          <a:lstStyle/>
+          <a:p>
+            <a:endParaRPr lang="zh-CN" altLang="en-US"/>
+          </a:p>
+        </p:txBody>
+      </p:sp>
+      <p:sp>
+        <p:nvSpPr>
+          <p:cNvPr id="4" name="灯片编号占位符 3"/>
+          <p:cNvSpPr>
+            <a:spLocks noGrp="1"/>
+          </p:cNvSpPr>
+          <p:nvPr>
+            <p:ph type="sldNum" sz="quarter" idx="10"/>
+          </p:nvPr>
+        </p:nvSpPr>
+        <p:spPr/>
+        <p:txBody>
+          <a:bodyPr/>
+          <a:lstStyle/>
+          <a:p>
+            <a:fld id="{A11FC198-2D83-4DFC-8CDD-7D23AF44D411}" type="slidenum">
+              <a:rPr lang="zh-CN" altLang="en-US" smtClean="0"/>
+              <a:pPr/>
+              <a:t>10</a:t>
+            </a:fld>
+            <a:endParaRPr lang="zh-CN" altLang="en-US" dirty="0"/>
+          </a:p>
+        </p:txBody>
+      </p:sp>
+    </p:spTree>
+    <p:extLst>
+      <p:ext uri="{BB962C8B-B14F-4D97-AF65-F5344CB8AC3E}">
+        <p14:creationId xmlns:p14="http://schemas.microsoft.com/office/powerpoint/2010/main" val="3160590099"/>
+      </p:ext>
+    </p:extLst>
+  </p:cSld>
+  <p:clrMapOvr>
+    <a:masterClrMapping/>
+  </p:clrMapOvr>
+</p:notes>
+</file>
+
+<file path=ppt/notesSlides/notesSlide11.xml><?xml version="1.0" encoding="utf-8"?>
+<p:notes xmlns:a="http://schemas.openxmlformats.org/drawingml/2006/main" xmlns:r="http://schemas.openxmlformats.org/officeDocument/2006/relationships" xmlns:p="http://schemas.openxmlformats.org/presentationml/2006/main">
+  <p:cSld>
+    <p:spTree>
+      <p:nvGrpSpPr>
+        <p:cNvPr id="1" name=""/>
+        <p:cNvGrpSpPr/>
+        <p:nvPr/>
+      </p:nvGrpSpPr>
+      <p:grpSpPr>
+        <a:xfrm>
+          <a:off x="0" y="0"/>
+          <a:ext cx="0" cy="0"/>
+          <a:chOff x="0" y="0"/>
+          <a:chExt cx="0" cy="0"/>
+        </a:xfrm>
+      </p:grpSpPr>
+      <p:sp>
+        <p:nvSpPr>
+          <p:cNvPr id="2" name="幻灯片图像占位符 1"/>
+          <p:cNvSpPr>
+            <a:spLocks noGrp="1" noRot="1" noChangeAspect="1"/>
+          </p:cNvSpPr>
+          <p:nvPr>
+            <p:ph type="sldImg"/>
+          </p:nvPr>
+        </p:nvSpPr>
+        <p:spPr/>
+      </p:sp>
+      <p:sp>
+        <p:nvSpPr>
+          <p:cNvPr id="3" name="备注占位符 2"/>
+          <p:cNvSpPr>
+            <a:spLocks noGrp="1"/>
+          </p:cNvSpPr>
+          <p:nvPr>
+            <p:ph type="body" idx="1"/>
+          </p:nvPr>
+        </p:nvSpPr>
+        <p:spPr/>
+        <p:txBody>
+          <a:bodyPr/>
+          <a:lstStyle/>
+          <a:p>
+            <a:endParaRPr lang="zh-CN" altLang="en-US"/>
+          </a:p>
+        </p:txBody>
+      </p:sp>
+      <p:sp>
+        <p:nvSpPr>
+          <p:cNvPr id="4" name="灯片编号占位符 3"/>
+          <p:cNvSpPr>
+            <a:spLocks noGrp="1"/>
+          </p:cNvSpPr>
+          <p:nvPr>
+            <p:ph type="sldNum" sz="quarter" idx="10"/>
+          </p:nvPr>
+        </p:nvSpPr>
+        <p:spPr/>
+        <p:txBody>
+          <a:bodyPr/>
+          <a:lstStyle/>
+          <a:p>
+            <a:fld id="{621F41D1-EB0D-4857-8E93-8C1C831E6153}" type="slidenum">
+              <a:rPr lang="zh-CN" altLang="en-US" smtClean="0"/>
+              <a:t>11</a:t>
+            </a:fld>
+            <a:endParaRPr lang="zh-CN" altLang="en-US"/>
+          </a:p>
+        </p:txBody>
+      </p:sp>
+    </p:spTree>
+    <p:extLst>
+      <p:ext uri="{BB962C8B-B14F-4D97-AF65-F5344CB8AC3E}">
+        <p14:creationId xmlns:p14="http://schemas.microsoft.com/office/powerpoint/2010/main" val="3384288223"/>
+      </p:ext>
+    </p:extLst>
+  </p:cSld>
+  <p:clrMapOvr>
+    <a:masterClrMapping/>
+  </p:clrMapOvr>
+</p:notes>
+</file>
+
 <file path=ppt/notesSlides/notesSlide2.xml><?xml version="1.0" encoding="utf-8"?>
 <p:notes xmlns:a="http://schemas.openxmlformats.org/drawingml/2006/main" xmlns:r="http://schemas.openxmlformats.org/officeDocument/2006/relationships" xmlns:p="http://schemas.openxmlformats.org/presentationml/2006/main">
   <p:cSld>
@@ -945,7 +1116,7 @@
     </p:spTree>
     <p:extLst>
       <p:ext uri="{BB962C8B-B14F-4D97-AF65-F5344CB8AC3E}">
-        <p14:creationId xmlns:p14="http://schemas.microsoft.com/office/powerpoint/2010/main" val="1831125231"/>
+        <p14:creationId xmlns:p14="http://schemas.microsoft.com/office/powerpoint/2010/main" val="1403966951"/>
       </p:ext>
     </p:extLst>
   </p:cSld>
@@ -1030,7 +1201,7 @@
     </p:spTree>
     <p:extLst>
       <p:ext uri="{BB962C8B-B14F-4D97-AF65-F5344CB8AC3E}">
-        <p14:creationId xmlns:p14="http://schemas.microsoft.com/office/powerpoint/2010/main" val="1831125231"/>
+        <p14:creationId xmlns:p14="http://schemas.microsoft.com/office/powerpoint/2010/main" val="821514576"/>
       </p:ext>
     </p:extLst>
   </p:cSld>
@@ -1115,7 +1286,7 @@
     </p:spTree>
     <p:extLst>
       <p:ext uri="{BB962C8B-B14F-4D97-AF65-F5344CB8AC3E}">
-        <p14:creationId xmlns:p14="http://schemas.microsoft.com/office/powerpoint/2010/main" val="1831125231"/>
+        <p14:creationId xmlns:p14="http://schemas.microsoft.com/office/powerpoint/2010/main" val="1958839766"/>
       </p:ext>
     </p:extLst>
   </p:cSld>
@@ -1200,7 +1371,7 @@
     </p:spTree>
     <p:extLst>
       <p:ext uri="{BB962C8B-B14F-4D97-AF65-F5344CB8AC3E}">
-        <p14:creationId xmlns:p14="http://schemas.microsoft.com/office/powerpoint/2010/main" val="3160590099"/>
+        <p14:creationId xmlns:p14="http://schemas.microsoft.com/office/powerpoint/2010/main" val="4163289990"/>
       </p:ext>
     </p:extLst>
   </p:cSld>
@@ -1273,18 +1444,19 @@
           <a:bodyPr/>
           <a:lstStyle/>
           <a:p>
-            <a:fld id="{621F41D1-EB0D-4857-8E93-8C1C831E6153}" type="slidenum">
+            <a:fld id="{A11FC198-2D83-4DFC-8CDD-7D23AF44D411}" type="slidenum">
               <a:rPr lang="zh-CN" altLang="en-US" smtClean="0"/>
+              <a:pPr/>
               <a:t>9</a:t>
             </a:fld>
-            <a:endParaRPr lang="zh-CN" altLang="en-US"/>
+            <a:endParaRPr lang="zh-CN" altLang="en-US" dirty="0"/>
           </a:p>
         </p:txBody>
       </p:sp>
     </p:spTree>
     <p:extLst>
       <p:ext uri="{BB962C8B-B14F-4D97-AF65-F5344CB8AC3E}">
-        <p14:creationId xmlns:p14="http://schemas.microsoft.com/office/powerpoint/2010/main" val="3384288223"/>
+        <p14:creationId xmlns:p14="http://schemas.microsoft.com/office/powerpoint/2010/main" val="1831125231"/>
       </p:ext>
     </p:extLst>
   </p:cSld>
@@ -2221,7 +2393,16 @@
                 </a:solidFill>
                 <a:ea typeface="微软雅黑" panose="020B0503020204020204" pitchFamily="34" charset="-122"/>
               </a:rPr>
-              <a:t>聲控飲料機</a:t>
+              <a:t>聲控</a:t>
+            </a:r>
+            <a:r>
+              <a:rPr kumimoji="1" lang="zh-TW" altLang="en-US" sz="4400" b="1" dirty="0" smtClean="0">
+                <a:solidFill>
+                  <a:srgbClr val="3B3B3B"/>
+                </a:solidFill>
+                <a:ea typeface="微软雅黑" panose="020B0503020204020204" pitchFamily="34" charset="-122"/>
+              </a:rPr>
+              <a:t>飲料系統</a:t>
             </a:r>
             <a:endParaRPr kumimoji="1" lang="zh-CN" altLang="en-US" sz="4400" b="1" dirty="0">
               <a:solidFill>
@@ -3105,6 +3286,1325 @@
 </p:sld>
 </file>
 
+<file path=ppt/slides/slide10.xml><?xml version="1.0" encoding="utf-8"?>
+<p:sld xmlns:a="http://schemas.openxmlformats.org/drawingml/2006/main" xmlns:r="http://schemas.openxmlformats.org/officeDocument/2006/relationships" xmlns:p="http://schemas.openxmlformats.org/presentationml/2006/main">
+  <p:cSld>
+    <p:spTree>
+      <p:nvGrpSpPr>
+        <p:cNvPr id="1" name=""/>
+        <p:cNvGrpSpPr/>
+        <p:nvPr/>
+      </p:nvGrpSpPr>
+      <p:grpSpPr>
+        <a:xfrm>
+          <a:off x="0" y="0"/>
+          <a:ext cx="0" cy="0"/>
+          <a:chOff x="0" y="0"/>
+          <a:chExt cx="0" cy="0"/>
+        </a:xfrm>
+      </p:grpSpPr>
+      <p:sp>
+        <p:nvSpPr>
+          <p:cNvPr id="2" name="矩形 1">
+            <a:extLst>
+              <a:ext uri="{FF2B5EF4-FFF2-40B4-BE49-F238E27FC236}">
+                <a16:creationId xmlns:a16="http://schemas.microsoft.com/office/drawing/2014/main" id="{BCF36AA9-468E-47A2-B525-114DDEAA5E0D}"/>
+              </a:ext>
+            </a:extLst>
+          </p:cNvPr>
+          <p:cNvSpPr/>
+          <p:nvPr/>
+        </p:nvSpPr>
+        <p:spPr>
+          <a:xfrm>
+            <a:off x="0" y="0"/>
+            <a:ext cx="9144000" cy="5143500"/>
+          </a:xfrm>
+          <a:prstGeom prst="rect">
+            <a:avLst/>
+          </a:prstGeom>
+          <a:solidFill>
+            <a:schemeClr val="bg1"/>
+          </a:solidFill>
+          <a:ln>
+            <a:noFill/>
+          </a:ln>
+        </p:spPr>
+        <p:style>
+          <a:lnRef idx="2">
+            <a:schemeClr val="accent1">
+              <a:shade val="50000"/>
+            </a:schemeClr>
+          </a:lnRef>
+          <a:fillRef idx="1">
+            <a:schemeClr val="accent1"/>
+          </a:fillRef>
+          <a:effectRef idx="0">
+            <a:schemeClr val="accent1"/>
+          </a:effectRef>
+          <a:fontRef idx="minor">
+            <a:schemeClr val="lt1"/>
+          </a:fontRef>
+        </p:style>
+        <p:txBody>
+          <a:bodyPr rtlCol="0" anchor="ctr"/>
+          <a:lstStyle/>
+          <a:p>
+            <a:pPr algn="ctr"/>
+            <a:endParaRPr lang="zh-CN" altLang="en-US" dirty="0">
+              <a:ea typeface="微软雅黑" panose="020B0503020204020204" pitchFamily="34" charset="-122"/>
+            </a:endParaRPr>
+          </a:p>
+        </p:txBody>
+      </p:sp>
+      <p:sp>
+        <p:nvSpPr>
+          <p:cNvPr id="24" name="等腰三角形 23">
+            <a:extLst>
+              <a:ext uri="{FF2B5EF4-FFF2-40B4-BE49-F238E27FC236}">
+                <a16:creationId xmlns:a16="http://schemas.microsoft.com/office/drawing/2014/main" id="{8087D682-B836-4596-BB63-5A28F72470B4}"/>
+              </a:ext>
+            </a:extLst>
+          </p:cNvPr>
+          <p:cNvSpPr/>
+          <p:nvPr/>
+        </p:nvSpPr>
+        <p:spPr>
+          <a:xfrm rot="10800000">
+            <a:off x="6876255" y="-1"/>
+            <a:ext cx="2267743" cy="2330941"/>
+          </a:xfrm>
+          <a:prstGeom prst="triangle">
+            <a:avLst>
+              <a:gd name="adj" fmla="val 0"/>
+            </a:avLst>
+          </a:prstGeom>
+          <a:blipFill dpi="0" rotWithShape="1">
+            <a:blip r:embed="rId3">
+              <a:extLst>
+                <a:ext uri="{28A0092B-C50C-407E-A947-70E740481C1C}">
+                  <a14:useLocalDpi xmlns:a14="http://schemas.microsoft.com/office/drawing/2010/main" val="0"/>
+                </a:ext>
+              </a:extLst>
+            </a:blip>
+            <a:srcRect/>
+            <a:stretch>
+              <a:fillRect/>
+            </a:stretch>
+          </a:blipFill>
+          <a:ln>
+            <a:noFill/>
+          </a:ln>
+        </p:spPr>
+        <p:style>
+          <a:lnRef idx="2">
+            <a:schemeClr val="accent1">
+              <a:shade val="50000"/>
+            </a:schemeClr>
+          </a:lnRef>
+          <a:fillRef idx="1">
+            <a:schemeClr val="accent1"/>
+          </a:fillRef>
+          <a:effectRef idx="0">
+            <a:schemeClr val="accent1"/>
+          </a:effectRef>
+          <a:fontRef idx="minor">
+            <a:schemeClr val="lt1"/>
+          </a:fontRef>
+        </p:style>
+        <p:txBody>
+          <a:bodyPr rtlCol="0" anchor="ctr"/>
+          <a:lstStyle/>
+          <a:p>
+            <a:pPr algn="ctr"/>
+            <a:endParaRPr lang="zh-CN" altLang="en-US" dirty="0">
+              <a:ea typeface="微软雅黑" panose="020B0503020204020204" pitchFamily="34" charset="-122"/>
+            </a:endParaRPr>
+          </a:p>
+        </p:txBody>
+      </p:sp>
+      <p:sp>
+        <p:nvSpPr>
+          <p:cNvPr id="12" name="等腰三角形 11">
+            <a:extLst>
+              <a:ext uri="{FF2B5EF4-FFF2-40B4-BE49-F238E27FC236}">
+                <a16:creationId xmlns:a16="http://schemas.microsoft.com/office/drawing/2014/main" id="{FEE2F73E-2FF5-487D-9244-4EFDA0A0563D}"/>
+              </a:ext>
+            </a:extLst>
+          </p:cNvPr>
+          <p:cNvSpPr/>
+          <p:nvPr/>
+        </p:nvSpPr>
+        <p:spPr>
+          <a:xfrm>
+            <a:off x="0" y="0"/>
+            <a:ext cx="5004048" cy="5143500"/>
+          </a:xfrm>
+          <a:prstGeom prst="triangle">
+            <a:avLst>
+              <a:gd name="adj" fmla="val 0"/>
+            </a:avLst>
+          </a:prstGeom>
+          <a:solidFill>
+            <a:schemeClr val="bg1">
+              <a:lumMod val="95000"/>
+            </a:schemeClr>
+          </a:solidFill>
+          <a:ln>
+            <a:noFill/>
+          </a:ln>
+        </p:spPr>
+        <p:style>
+          <a:lnRef idx="2">
+            <a:schemeClr val="accent1">
+              <a:shade val="50000"/>
+            </a:schemeClr>
+          </a:lnRef>
+          <a:fillRef idx="1">
+            <a:schemeClr val="accent1"/>
+          </a:fillRef>
+          <a:effectRef idx="0">
+            <a:schemeClr val="accent1"/>
+          </a:effectRef>
+          <a:fontRef idx="minor">
+            <a:schemeClr val="lt1"/>
+          </a:fontRef>
+        </p:style>
+        <p:txBody>
+          <a:bodyPr rtlCol="0" anchor="ctr"/>
+          <a:lstStyle/>
+          <a:p>
+            <a:pPr algn="ctr"/>
+            <a:endParaRPr lang="zh-CN" altLang="en-US" dirty="0">
+              <a:ea typeface="微软雅黑" panose="020B0503020204020204" pitchFamily="34" charset="-122"/>
+            </a:endParaRPr>
+          </a:p>
+        </p:txBody>
+      </p:sp>
+      <p:sp>
+        <p:nvSpPr>
+          <p:cNvPr id="21" name="TextBox 7">
+            <a:extLst>
+              <a:ext uri="{FF2B5EF4-FFF2-40B4-BE49-F238E27FC236}">
+                <a16:creationId xmlns:a16="http://schemas.microsoft.com/office/drawing/2014/main" id="{DD1FF2C8-2F57-46BD-8AA8-E9BEF4EE2C43}"/>
+              </a:ext>
+            </a:extLst>
+          </p:cNvPr>
+          <p:cNvSpPr>
+            <a:spLocks noChangeArrowheads="1"/>
+          </p:cNvSpPr>
+          <p:nvPr/>
+        </p:nvSpPr>
+        <p:spPr bwMode="auto">
+          <a:xfrm>
+            <a:off x="1212578" y="1347614"/>
+            <a:ext cx="6288304" cy="2154436"/>
+          </a:xfrm>
+          <a:prstGeom prst="rect">
+            <a:avLst/>
+          </a:prstGeom>
+          <a:noFill/>
+          <a:ln>
+            <a:noFill/>
+          </a:ln>
+          <a:effectLst/>
+          <a:extLst>
+            <a:ext uri="{909E8E84-426E-40DD-AFC4-6F175D3DCCD1}">
+              <a14:hiddenFill xmlns:a14="http://schemas.microsoft.com/office/drawing/2010/main">
+                <a:solidFill>
+                  <a:srgbClr val="FFFFFF"/>
+                </a:solidFill>
+              </a14:hiddenFill>
+            </a:ext>
+            <a:ext uri="{91240B29-F687-4F45-9708-019B960494DF}">
+              <a14:hiddenLine xmlns:a14="http://schemas.microsoft.com/office/drawing/2010/main" w="9525">
+                <a:solidFill>
+                  <a:srgbClr val="000000"/>
+                </a:solidFill>
+                <a:miter lim="800000"/>
+                <a:headEnd/>
+                <a:tailEnd/>
+              </a14:hiddenLine>
+            </a:ext>
+          </a:extLst>
+        </p:spPr>
+        <p:txBody>
+          <a:bodyPr wrap="square" lIns="0" tIns="0" rIns="0" bIns="0">
+            <a:spAutoFit/>
+          </a:bodyPr>
+          <a:lstStyle/>
+          <a:p>
+            <a:pPr algn="just">
+              <a:defRPr/>
+            </a:pPr>
+            <a:r>
+              <a:rPr lang="zh-TW" altLang="en-US" sz="2800" b="1" dirty="0">
+                <a:solidFill>
+                  <a:srgbClr val="3B3B3B"/>
+                </a:solidFill>
+                <a:latin typeface="微软雅黑" panose="020B0503020204020204" pitchFamily="34" charset="-122"/>
+                <a:ea typeface="微软雅黑" panose="020B0503020204020204" pitchFamily="34" charset="-122"/>
+                <a:cs typeface="+mn-ea"/>
+                <a:sym typeface="+mn-lt"/>
+              </a:rPr>
+              <a:t>身為電通系的一員，除了具備一定的知識以外，更重要的是擁有足夠的科技意識。為了實現更加便捷的生活，發展的過程時刻觀察生活，真正的需求或許就隱藏在我們周遭。</a:t>
+            </a:r>
+            <a:endParaRPr lang="zh-CN" altLang="en-US" sz="2800" b="1" dirty="0">
+              <a:solidFill>
+                <a:srgbClr val="3B3B3B"/>
+              </a:solidFill>
+              <a:latin typeface="微软雅黑" panose="020B0503020204020204" pitchFamily="34" charset="-122"/>
+              <a:ea typeface="微软雅黑" panose="020B0503020204020204" pitchFamily="34" charset="-122"/>
+              <a:cs typeface="+mn-ea"/>
+              <a:sym typeface="+mn-lt"/>
+            </a:endParaRPr>
+          </a:p>
+        </p:txBody>
+      </p:sp>
+      <p:sp>
+        <p:nvSpPr>
+          <p:cNvPr id="22" name="矩形 21">
+            <a:extLst>
+              <a:ext uri="{FF2B5EF4-FFF2-40B4-BE49-F238E27FC236}">
+                <a16:creationId xmlns:a16="http://schemas.microsoft.com/office/drawing/2014/main" id="{10001072-4841-420C-B165-B7257D71E421}"/>
+              </a:ext>
+            </a:extLst>
+          </p:cNvPr>
+          <p:cNvSpPr/>
+          <p:nvPr/>
+        </p:nvSpPr>
+        <p:spPr>
+          <a:xfrm>
+            <a:off x="539552" y="475587"/>
+            <a:ext cx="3337092" cy="707886"/>
+          </a:xfrm>
+          <a:prstGeom prst="rect">
+            <a:avLst/>
+          </a:prstGeom>
+        </p:spPr>
+        <p:txBody>
+          <a:bodyPr wrap="square">
+            <a:spAutoFit/>
+          </a:bodyPr>
+          <a:lstStyle/>
+          <a:p>
+            <a:pPr fontAlgn="auto">
+              <a:spcBef>
+                <a:spcPts val="0"/>
+              </a:spcBef>
+              <a:spcAft>
+                <a:spcPts val="0"/>
+              </a:spcAft>
+              <a:defRPr/>
+            </a:pPr>
+            <a:r>
+              <a:rPr lang="zh-TW" altLang="en-US" sz="4000" spc="300" dirty="0" smtClean="0">
+                <a:solidFill>
+                  <a:srgbClr val="3B3B3B"/>
+                </a:solidFill>
+                <a:latin typeface="Bernard MT Condensed" panose="02050806060905020404" pitchFamily="18" charset="0"/>
+                <a:ea typeface="微软雅黑" panose="020B0503020204020204" pitchFamily="34" charset="-122"/>
+                <a:cs typeface="+mn-ea"/>
+                <a:sym typeface="+mn-lt"/>
+              </a:rPr>
+              <a:t>結語</a:t>
+            </a:r>
+            <a:endParaRPr lang="zh-CN" altLang="en-US" sz="4000" spc="300" dirty="0">
+              <a:solidFill>
+                <a:srgbClr val="3B3B3B"/>
+              </a:solidFill>
+              <a:latin typeface="Bernard MT Condensed" panose="02050806060905020404" pitchFamily="18" charset="0"/>
+              <a:ea typeface="微软雅黑" panose="020B0503020204020204" pitchFamily="34" charset="-122"/>
+              <a:cs typeface="+mn-ea"/>
+              <a:sym typeface="+mn-lt"/>
+            </a:endParaRPr>
+          </a:p>
+        </p:txBody>
+      </p:sp>
+      <p:sp>
+        <p:nvSpPr>
+          <p:cNvPr id="23" name="矩形 22">
+            <a:extLst>
+              <a:ext uri="{FF2B5EF4-FFF2-40B4-BE49-F238E27FC236}">
+                <a16:creationId xmlns:a16="http://schemas.microsoft.com/office/drawing/2014/main" id="{B3390856-A54F-47A8-9CF0-4D6BF200AA28}"/>
+              </a:ext>
+            </a:extLst>
+          </p:cNvPr>
+          <p:cNvSpPr/>
+          <p:nvPr/>
+        </p:nvSpPr>
+        <p:spPr>
+          <a:xfrm>
+            <a:off x="251520" y="267494"/>
+            <a:ext cx="8640960" cy="4608512"/>
+          </a:xfrm>
+          <a:prstGeom prst="rect">
+            <a:avLst/>
+          </a:prstGeom>
+          <a:noFill/>
+          <a:ln w="38100">
+            <a:solidFill>
+              <a:schemeClr val="tx1"/>
+            </a:solidFill>
+          </a:ln>
+        </p:spPr>
+        <p:style>
+          <a:lnRef idx="2">
+            <a:schemeClr val="accent1">
+              <a:shade val="50000"/>
+            </a:schemeClr>
+          </a:lnRef>
+          <a:fillRef idx="1">
+            <a:schemeClr val="accent1"/>
+          </a:fillRef>
+          <a:effectRef idx="0">
+            <a:schemeClr val="accent1"/>
+          </a:effectRef>
+          <a:fontRef idx="minor">
+            <a:schemeClr val="lt1"/>
+          </a:fontRef>
+        </p:style>
+        <p:txBody>
+          <a:bodyPr rtlCol="0" anchor="ctr"/>
+          <a:lstStyle/>
+          <a:p>
+            <a:pPr algn="ctr"/>
+            <a:endParaRPr lang="zh-CN" altLang="en-US" dirty="0">
+              <a:ea typeface="微软雅黑" panose="020B0503020204020204" pitchFamily="34" charset="-122"/>
+            </a:endParaRPr>
+          </a:p>
+        </p:txBody>
+      </p:sp>
+    </p:spTree>
+    <p:extLst>
+      <p:ext uri="{BB962C8B-B14F-4D97-AF65-F5344CB8AC3E}">
+        <p14:creationId xmlns:p14="http://schemas.microsoft.com/office/powerpoint/2010/main" val="1666640777"/>
+      </p:ext>
+    </p:extLst>
+  </p:cSld>
+  <p:clrMapOvr>
+    <a:masterClrMapping/>
+  </p:clrMapOvr>
+  <mc:AlternateContent xmlns:mc="http://schemas.openxmlformats.org/markup-compatibility/2006" xmlns:p14="http://schemas.microsoft.com/office/powerpoint/2010/main">
+    <mc:Choice Requires="p14">
+      <p:transition p14:dur="10"/>
+    </mc:Choice>
+    <mc:Fallback xmlns="">
+      <p:transition/>
+    </mc:Fallback>
+  </mc:AlternateContent>
+  <p:timing>
+    <p:tnLst>
+      <p:par>
+        <p:cTn id="1" dur="indefinite" restart="never" nodeType="tmRoot">
+          <p:childTnLst>
+            <p:seq concurrent="1" nextAc="seek">
+              <p:cTn id="2" dur="indefinite" nodeType="mainSeq">
+                <p:childTnLst>
+                  <p:par>
+                    <p:cTn id="3" fill="hold">
+                      <p:stCondLst>
+                        <p:cond delay="indefinite"/>
+                        <p:cond evt="onBegin" delay="0">
+                          <p:tn val="2"/>
+                        </p:cond>
+                      </p:stCondLst>
+                      <p:childTnLst>
+                        <p:par>
+                          <p:cTn id="4" fill="hold">
+                            <p:stCondLst>
+                              <p:cond delay="0"/>
+                            </p:stCondLst>
+                            <p:childTnLst>
+                              <p:par>
+                                <p:cTn id="5" presetID="42" presetClass="entr" presetSubtype="0" fill="hold" grpId="0" nodeType="withEffect">
+                                  <p:stCondLst>
+                                    <p:cond delay="0"/>
+                                  </p:stCondLst>
+                                  <p:childTnLst>
+                                    <p:set>
+                                      <p:cBhvr>
+                                        <p:cTn id="6" dur="1" fill="hold">
+                                          <p:stCondLst>
+                                            <p:cond delay="0"/>
+                                          </p:stCondLst>
+                                        </p:cTn>
+                                        <p:tgtEl>
+                                          <p:spTgt spid="12"/>
+                                        </p:tgtEl>
+                                        <p:attrNameLst>
+                                          <p:attrName>style.visibility</p:attrName>
+                                        </p:attrNameLst>
+                                      </p:cBhvr>
+                                      <p:to>
+                                        <p:strVal val="visible"/>
+                                      </p:to>
+                                    </p:set>
+                                    <p:animEffect transition="in" filter="fade">
+                                      <p:cBhvr>
+                                        <p:cTn id="7" dur="1000"/>
+                                        <p:tgtEl>
+                                          <p:spTgt spid="12"/>
+                                        </p:tgtEl>
+                                      </p:cBhvr>
+                                    </p:animEffect>
+                                    <p:anim calcmode="lin" valueType="num">
+                                      <p:cBhvr>
+                                        <p:cTn id="8" dur="1000" fill="hold"/>
+                                        <p:tgtEl>
+                                          <p:spTgt spid="12"/>
+                                        </p:tgtEl>
+                                        <p:attrNameLst>
+                                          <p:attrName>ppt_x</p:attrName>
+                                        </p:attrNameLst>
+                                      </p:cBhvr>
+                                      <p:tavLst>
+                                        <p:tav tm="0">
+                                          <p:val>
+                                            <p:strVal val="#ppt_x"/>
+                                          </p:val>
+                                        </p:tav>
+                                        <p:tav tm="100000">
+                                          <p:val>
+                                            <p:strVal val="#ppt_x"/>
+                                          </p:val>
+                                        </p:tav>
+                                      </p:tavLst>
+                                    </p:anim>
+                                    <p:anim calcmode="lin" valueType="num">
+                                      <p:cBhvr>
+                                        <p:cTn id="9" dur="1000" fill="hold"/>
+                                        <p:tgtEl>
+                                          <p:spTgt spid="12"/>
+                                        </p:tgtEl>
+                                        <p:attrNameLst>
+                                          <p:attrName>ppt_y</p:attrName>
+                                        </p:attrNameLst>
+                                      </p:cBhvr>
+                                      <p:tavLst>
+                                        <p:tav tm="0">
+                                          <p:val>
+                                            <p:strVal val="#ppt_y+.1"/>
+                                          </p:val>
+                                        </p:tav>
+                                        <p:tav tm="100000">
+                                          <p:val>
+                                            <p:strVal val="#ppt_y"/>
+                                          </p:val>
+                                        </p:tav>
+                                      </p:tavLst>
+                                    </p:anim>
+                                  </p:childTnLst>
+                                </p:cTn>
+                              </p:par>
+                              <p:par>
+                                <p:cTn id="10" presetID="22" presetClass="entr" presetSubtype="8" fill="hold" grpId="0" nodeType="withEffect">
+                                  <p:stCondLst>
+                                    <p:cond delay="0"/>
+                                  </p:stCondLst>
+                                  <p:childTnLst>
+                                    <p:set>
+                                      <p:cBhvr>
+                                        <p:cTn id="11" dur="1" fill="hold">
+                                          <p:stCondLst>
+                                            <p:cond delay="0"/>
+                                          </p:stCondLst>
+                                        </p:cTn>
+                                        <p:tgtEl>
+                                          <p:spTgt spid="23"/>
+                                        </p:tgtEl>
+                                        <p:attrNameLst>
+                                          <p:attrName>style.visibility</p:attrName>
+                                        </p:attrNameLst>
+                                      </p:cBhvr>
+                                      <p:to>
+                                        <p:strVal val="visible"/>
+                                      </p:to>
+                                    </p:set>
+                                    <p:animEffect transition="in" filter="wipe(left)">
+                                      <p:cBhvr>
+                                        <p:cTn id="12" dur="500"/>
+                                        <p:tgtEl>
+                                          <p:spTgt spid="23"/>
+                                        </p:tgtEl>
+                                      </p:cBhvr>
+                                    </p:animEffect>
+                                  </p:childTnLst>
+                                </p:cTn>
+                              </p:par>
+                              <p:par>
+                                <p:cTn id="13" presetID="2" presetClass="entr" presetSubtype="1" fill="hold" grpId="0" nodeType="withEffect">
+                                  <p:stCondLst>
+                                    <p:cond delay="0"/>
+                                  </p:stCondLst>
+                                  <p:childTnLst>
+                                    <p:set>
+                                      <p:cBhvr>
+                                        <p:cTn id="14" dur="1" fill="hold">
+                                          <p:stCondLst>
+                                            <p:cond delay="0"/>
+                                          </p:stCondLst>
+                                        </p:cTn>
+                                        <p:tgtEl>
+                                          <p:spTgt spid="24"/>
+                                        </p:tgtEl>
+                                        <p:attrNameLst>
+                                          <p:attrName>style.visibility</p:attrName>
+                                        </p:attrNameLst>
+                                      </p:cBhvr>
+                                      <p:to>
+                                        <p:strVal val="visible"/>
+                                      </p:to>
+                                    </p:set>
+                                    <p:anim calcmode="lin" valueType="num">
+                                      <p:cBhvr additive="base">
+                                        <p:cTn id="15" dur="500" fill="hold"/>
+                                        <p:tgtEl>
+                                          <p:spTgt spid="24"/>
+                                        </p:tgtEl>
+                                        <p:attrNameLst>
+                                          <p:attrName>ppt_x</p:attrName>
+                                        </p:attrNameLst>
+                                      </p:cBhvr>
+                                      <p:tavLst>
+                                        <p:tav tm="0">
+                                          <p:val>
+                                            <p:strVal val="#ppt_x"/>
+                                          </p:val>
+                                        </p:tav>
+                                        <p:tav tm="100000">
+                                          <p:val>
+                                            <p:strVal val="#ppt_x"/>
+                                          </p:val>
+                                        </p:tav>
+                                      </p:tavLst>
+                                    </p:anim>
+                                    <p:anim calcmode="lin" valueType="num">
+                                      <p:cBhvr additive="base">
+                                        <p:cTn id="16" dur="500" fill="hold"/>
+                                        <p:tgtEl>
+                                          <p:spTgt spid="24"/>
+                                        </p:tgtEl>
+                                        <p:attrNameLst>
+                                          <p:attrName>ppt_y</p:attrName>
+                                        </p:attrNameLst>
+                                      </p:cBhvr>
+                                      <p:tavLst>
+                                        <p:tav tm="0">
+                                          <p:val>
+                                            <p:strVal val="0-#ppt_h/2"/>
+                                          </p:val>
+                                        </p:tav>
+                                        <p:tav tm="100000">
+                                          <p:val>
+                                            <p:strVal val="#ppt_y"/>
+                                          </p:val>
+                                        </p:tav>
+                                      </p:tavLst>
+                                    </p:anim>
+                                  </p:childTnLst>
+                                </p:cTn>
+                              </p:par>
+                              <p:par>
+                                <p:cTn id="17" presetID="14" presetClass="entr" presetSubtype="10" fill="hold" grpId="0" nodeType="withEffect">
+                                  <p:stCondLst>
+                                    <p:cond delay="0"/>
+                                  </p:stCondLst>
+                                  <p:childTnLst>
+                                    <p:set>
+                                      <p:cBhvr>
+                                        <p:cTn id="18" dur="1" fill="hold">
+                                          <p:stCondLst>
+                                            <p:cond delay="0"/>
+                                          </p:stCondLst>
+                                        </p:cTn>
+                                        <p:tgtEl>
+                                          <p:spTgt spid="22"/>
+                                        </p:tgtEl>
+                                        <p:attrNameLst>
+                                          <p:attrName>style.visibility</p:attrName>
+                                        </p:attrNameLst>
+                                      </p:cBhvr>
+                                      <p:to>
+                                        <p:strVal val="visible"/>
+                                      </p:to>
+                                    </p:set>
+                                    <p:animEffect transition="in" filter="randombar(horizontal)">
+                                      <p:cBhvr>
+                                        <p:cTn id="19" dur="500"/>
+                                        <p:tgtEl>
+                                          <p:spTgt spid="22"/>
+                                        </p:tgtEl>
+                                      </p:cBhvr>
+                                    </p:animEffect>
+                                  </p:childTnLst>
+                                </p:cTn>
+                              </p:par>
+                            </p:childTnLst>
+                          </p:cTn>
+                        </p:par>
+                      </p:childTnLst>
+                    </p:cTn>
+                  </p:par>
+                  <p:par>
+                    <p:cTn id="20" fill="hold">
+                      <p:stCondLst>
+                        <p:cond delay="indefinite"/>
+                      </p:stCondLst>
+                      <p:childTnLst>
+                        <p:par>
+                          <p:cTn id="21" fill="hold">
+                            <p:stCondLst>
+                              <p:cond delay="0"/>
+                            </p:stCondLst>
+                            <p:childTnLst>
+                              <p:par>
+                                <p:cTn id="22" presetID="14" presetClass="entr" presetSubtype="10" fill="hold" grpId="0" nodeType="clickEffect">
+                                  <p:stCondLst>
+                                    <p:cond delay="0"/>
+                                  </p:stCondLst>
+                                  <p:childTnLst>
+                                    <p:set>
+                                      <p:cBhvr>
+                                        <p:cTn id="23" dur="1" fill="hold">
+                                          <p:stCondLst>
+                                            <p:cond delay="0"/>
+                                          </p:stCondLst>
+                                        </p:cTn>
+                                        <p:tgtEl>
+                                          <p:spTgt spid="21"/>
+                                        </p:tgtEl>
+                                        <p:attrNameLst>
+                                          <p:attrName>style.visibility</p:attrName>
+                                        </p:attrNameLst>
+                                      </p:cBhvr>
+                                      <p:to>
+                                        <p:strVal val="visible"/>
+                                      </p:to>
+                                    </p:set>
+                                    <p:animEffect transition="in" filter="randombar(horizontal)">
+                                      <p:cBhvr>
+                                        <p:cTn id="24" dur="500"/>
+                                        <p:tgtEl>
+                                          <p:spTgt spid="21"/>
+                                        </p:tgtEl>
+                                      </p:cBhvr>
+                                    </p:animEffect>
+                                  </p:childTnLst>
+                                </p:cTn>
+                              </p:par>
+                            </p:childTnLst>
+                          </p:cTn>
+                        </p:par>
+                      </p:childTnLst>
+                    </p:cTn>
+                  </p:par>
+                </p:childTnLst>
+              </p:cTn>
+              <p:prevCondLst>
+                <p:cond evt="onPrev" delay="0">
+                  <p:tgtEl>
+                    <p:sldTgt/>
+                  </p:tgtEl>
+                </p:cond>
+              </p:prevCondLst>
+              <p:nextCondLst>
+                <p:cond evt="onNext" delay="0">
+                  <p:tgtEl>
+                    <p:sldTgt/>
+                  </p:tgtEl>
+                </p:cond>
+              </p:nextCondLst>
+            </p:seq>
+          </p:childTnLst>
+        </p:cTn>
+      </p:par>
+    </p:tnLst>
+    <p:bldLst>
+      <p:bldP spid="24" grpId="0" animBg="1"/>
+      <p:bldP spid="12" grpId="0" animBg="1"/>
+      <p:bldP spid="21" grpId="0"/>
+      <p:bldP spid="22" grpId="0"/>
+      <p:bldP spid="23" grpId="0" animBg="1"/>
+    </p:bldLst>
+  </p:timing>
+</p:sld>
+</file>
+
+<file path=ppt/slides/slide11.xml><?xml version="1.0" encoding="utf-8"?>
+<p:sld xmlns:a="http://schemas.openxmlformats.org/drawingml/2006/main" xmlns:r="http://schemas.openxmlformats.org/officeDocument/2006/relationships" xmlns:p="http://schemas.openxmlformats.org/presentationml/2006/main">
+  <p:cSld>
+    <p:spTree>
+      <p:nvGrpSpPr>
+        <p:cNvPr id="1" name=""/>
+        <p:cNvGrpSpPr/>
+        <p:nvPr/>
+      </p:nvGrpSpPr>
+      <p:grpSpPr>
+        <a:xfrm>
+          <a:off x="0" y="0"/>
+          <a:ext cx="0" cy="0"/>
+          <a:chOff x="0" y="0"/>
+          <a:chExt cx="0" cy="0"/>
+        </a:xfrm>
+      </p:grpSpPr>
+      <p:sp>
+        <p:nvSpPr>
+          <p:cNvPr id="27" name="TextBox 26"/>
+          <p:cNvSpPr txBox="1"/>
+          <p:nvPr/>
+        </p:nvSpPr>
+        <p:spPr>
+          <a:xfrm>
+            <a:off x="10609990" y="6382589"/>
+            <a:ext cx="877163" cy="369332"/>
+          </a:xfrm>
+          <a:prstGeom prst="rect">
+            <a:avLst/>
+          </a:prstGeom>
+          <a:noFill/>
+        </p:spPr>
+        <p:txBody>
+          <a:bodyPr wrap="none" rtlCol="0">
+            <a:spAutoFit/>
+          </a:bodyPr>
+          <a:lstStyle/>
+          <a:p>
+            <a:r>
+              <a:rPr lang="zh-CN" altLang="en-US" dirty="0">
+                <a:ea typeface="微软雅黑" panose="020B0503020204020204" pitchFamily="34" charset="-122"/>
+              </a:rPr>
+              <a:t>延时符</a:t>
+            </a:r>
+          </a:p>
+        </p:txBody>
+      </p:sp>
+      <p:sp>
+        <p:nvSpPr>
+          <p:cNvPr id="19" name="等腰三角形 18">
+            <a:extLst>
+              <a:ext uri="{FF2B5EF4-FFF2-40B4-BE49-F238E27FC236}">
+                <a16:creationId xmlns:a16="http://schemas.microsoft.com/office/drawing/2014/main" id="{E17498E9-E604-42BA-A071-71FC27707E9C}"/>
+              </a:ext>
+            </a:extLst>
+          </p:cNvPr>
+          <p:cNvSpPr/>
+          <p:nvPr/>
+        </p:nvSpPr>
+        <p:spPr>
+          <a:xfrm>
+            <a:off x="0" y="0"/>
+            <a:ext cx="5004048" cy="5143500"/>
+          </a:xfrm>
+          <a:prstGeom prst="triangle">
+            <a:avLst>
+              <a:gd name="adj" fmla="val 0"/>
+            </a:avLst>
+          </a:prstGeom>
+          <a:blipFill dpi="0" rotWithShape="1">
+            <a:blip r:embed="rId5">
+              <a:extLst>
+                <a:ext uri="{28A0092B-C50C-407E-A947-70E740481C1C}">
+                  <a14:useLocalDpi xmlns:a14="http://schemas.microsoft.com/office/drawing/2010/main" val="0"/>
+                </a:ext>
+              </a:extLst>
+            </a:blip>
+            <a:srcRect/>
+            <a:stretch>
+              <a:fillRect l="-27090" r="-27090"/>
+            </a:stretch>
+          </a:blipFill>
+          <a:ln>
+            <a:noFill/>
+          </a:ln>
+        </p:spPr>
+        <p:style>
+          <a:lnRef idx="2">
+            <a:schemeClr val="accent1">
+              <a:shade val="50000"/>
+            </a:schemeClr>
+          </a:lnRef>
+          <a:fillRef idx="1">
+            <a:schemeClr val="accent1"/>
+          </a:fillRef>
+          <a:effectRef idx="0">
+            <a:schemeClr val="accent1"/>
+          </a:effectRef>
+          <a:fontRef idx="minor">
+            <a:schemeClr val="lt1"/>
+          </a:fontRef>
+        </p:style>
+        <p:txBody>
+          <a:bodyPr rtlCol="0" anchor="ctr"/>
+          <a:lstStyle/>
+          <a:p>
+            <a:pPr algn="ctr"/>
+            <a:endParaRPr lang="zh-CN" altLang="en-US" dirty="0">
+              <a:ea typeface="微软雅黑" panose="020B0503020204020204" pitchFamily="34" charset="-122"/>
+            </a:endParaRPr>
+          </a:p>
+        </p:txBody>
+      </p:sp>
+      <p:sp>
+        <p:nvSpPr>
+          <p:cNvPr id="20" name="矩形 19">
+            <a:extLst>
+              <a:ext uri="{FF2B5EF4-FFF2-40B4-BE49-F238E27FC236}">
+                <a16:creationId xmlns:a16="http://schemas.microsoft.com/office/drawing/2014/main" id="{43FDBE16-5EB1-435D-9BF8-591C3ED57218}"/>
+              </a:ext>
+            </a:extLst>
+          </p:cNvPr>
+          <p:cNvSpPr/>
+          <p:nvPr/>
+        </p:nvSpPr>
+        <p:spPr>
+          <a:xfrm>
+            <a:off x="251520" y="267494"/>
+            <a:ext cx="8640960" cy="4608512"/>
+          </a:xfrm>
+          <a:prstGeom prst="rect">
+            <a:avLst/>
+          </a:prstGeom>
+          <a:noFill/>
+          <a:ln w="38100">
+            <a:solidFill>
+              <a:schemeClr val="tx1"/>
+            </a:solidFill>
+          </a:ln>
+        </p:spPr>
+        <p:style>
+          <a:lnRef idx="2">
+            <a:schemeClr val="accent1">
+              <a:shade val="50000"/>
+            </a:schemeClr>
+          </a:lnRef>
+          <a:fillRef idx="1">
+            <a:schemeClr val="accent1"/>
+          </a:fillRef>
+          <a:effectRef idx="0">
+            <a:schemeClr val="accent1"/>
+          </a:effectRef>
+          <a:fontRef idx="minor">
+            <a:schemeClr val="lt1"/>
+          </a:fontRef>
+        </p:style>
+        <p:txBody>
+          <a:bodyPr rtlCol="0" anchor="ctr"/>
+          <a:lstStyle/>
+          <a:p>
+            <a:pPr algn="ctr"/>
+            <a:endParaRPr lang="zh-CN" altLang="en-US" dirty="0">
+              <a:ea typeface="微软雅黑" panose="020B0503020204020204" pitchFamily="34" charset="-122"/>
+            </a:endParaRPr>
+          </a:p>
+        </p:txBody>
+      </p:sp>
+      <p:cxnSp>
+        <p:nvCxnSpPr>
+          <p:cNvPr id="23" name="直接连接符 22">
+            <a:extLst>
+              <a:ext uri="{FF2B5EF4-FFF2-40B4-BE49-F238E27FC236}">
+                <a16:creationId xmlns:a16="http://schemas.microsoft.com/office/drawing/2014/main" id="{7899A7EC-0348-40F0-B2C7-11BC169FDBBE}"/>
+              </a:ext>
+            </a:extLst>
+          </p:cNvPr>
+          <p:cNvCxnSpPr>
+            <a:cxnSpLocks/>
+          </p:cNvCxnSpPr>
+          <p:nvPr/>
+        </p:nvCxnSpPr>
+        <p:spPr>
+          <a:xfrm>
+            <a:off x="5076056" y="2434859"/>
+            <a:ext cx="2448272" cy="0"/>
+          </a:xfrm>
+          <a:prstGeom prst="line">
+            <a:avLst/>
+          </a:prstGeom>
+          <a:ln w="28575">
+            <a:solidFill>
+              <a:srgbClr val="3B3B3B"/>
+            </a:solidFill>
+          </a:ln>
+        </p:spPr>
+        <p:style>
+          <a:lnRef idx="1">
+            <a:schemeClr val="accent1"/>
+          </a:lnRef>
+          <a:fillRef idx="0">
+            <a:schemeClr val="accent1"/>
+          </a:fillRef>
+          <a:effectRef idx="0">
+            <a:schemeClr val="accent1"/>
+          </a:effectRef>
+          <a:fontRef idx="minor">
+            <a:schemeClr val="tx1"/>
+          </a:fontRef>
+        </p:style>
+      </p:cxnSp>
+      <p:sp>
+        <p:nvSpPr>
+          <p:cNvPr id="24" name="文本框 23">
+            <a:extLst>
+              <a:ext uri="{FF2B5EF4-FFF2-40B4-BE49-F238E27FC236}">
+                <a16:creationId xmlns:a16="http://schemas.microsoft.com/office/drawing/2014/main" id="{08D4E9CB-AB84-4DF1-9822-59FD1C48A639}"/>
+              </a:ext>
+            </a:extLst>
+          </p:cNvPr>
+          <p:cNvSpPr txBox="1"/>
+          <p:nvPr/>
+        </p:nvSpPr>
+        <p:spPr>
+          <a:xfrm>
+            <a:off x="2267744" y="1452126"/>
+            <a:ext cx="6372701" cy="854080"/>
+          </a:xfrm>
+          <a:prstGeom prst="rect">
+            <a:avLst/>
+          </a:prstGeom>
+          <a:noFill/>
+        </p:spPr>
+        <p:txBody>
+          <a:bodyPr wrap="square" rtlCol="0">
+            <a:spAutoFit/>
+          </a:bodyPr>
+          <a:lstStyle/>
+          <a:p>
+            <a:pPr algn="ctr" fontAlgn="auto">
+              <a:lnSpc>
+                <a:spcPct val="100000"/>
+              </a:lnSpc>
+            </a:pPr>
+            <a:r>
+              <a:rPr lang="en-US" altLang="zh-CN" sz="4950" dirty="0">
+                <a:solidFill>
+                  <a:srgbClr val="3B3B3B"/>
+                </a:solidFill>
+                <a:latin typeface="华文细黑" panose="02010600040101010101" charset="-122"/>
+                <a:ea typeface="华文细黑" panose="02010600040101010101" charset="-122"/>
+              </a:rPr>
+              <a:t>THANK YOU</a:t>
+            </a:r>
+          </a:p>
+        </p:txBody>
+      </p:sp>
+    </p:spTree>
+    <p:custDataLst>
+      <p:tags r:id="rId2"/>
+    </p:custDataLst>
+    <p:extLst>
+      <p:ext uri="{BB962C8B-B14F-4D97-AF65-F5344CB8AC3E}">
+        <p14:creationId xmlns:p14="http://schemas.microsoft.com/office/powerpoint/2010/main" val="1228628852"/>
+      </p:ext>
+    </p:extLst>
+  </p:cSld>
+  <p:clrMapOvr>
+    <a:masterClrMapping/>
+  </p:clrMapOvr>
+  <mc:AlternateContent xmlns:mc="http://schemas.openxmlformats.org/markup-compatibility/2006" xmlns:p14="http://schemas.microsoft.com/office/powerpoint/2010/main">
+    <mc:Choice Requires="p14">
+      <p:transition p14:dur="10"/>
+    </mc:Choice>
+    <mc:Fallback xmlns="">
+      <p:transition/>
+    </mc:Fallback>
+  </mc:AlternateContent>
+  <p:timing>
+    <p:tnLst>
+      <p:par>
+        <p:cTn id="1" dur="indefinite" restart="never" nodeType="tmRoot">
+          <p:childTnLst>
+            <p:seq concurrent="1" nextAc="seek">
+              <p:cTn id="2" dur="indefinite" nodeType="mainSeq">
+                <p:childTnLst>
+                  <p:par>
+                    <p:cTn id="3" fill="hold">
+                      <p:stCondLst>
+                        <p:cond delay="indefinite"/>
+                        <p:cond evt="onBegin" delay="0">
+                          <p:tn val="2"/>
+                        </p:cond>
+                      </p:stCondLst>
+                      <p:childTnLst>
+                        <p:par>
+                          <p:cTn id="4" fill="hold">
+                            <p:stCondLst>
+                              <p:cond delay="0"/>
+                            </p:stCondLst>
+                            <p:childTnLst>
+                              <p:par>
+                                <p:cTn id="5" presetID="42" presetClass="entr" presetSubtype="0" fill="hold" grpId="0" nodeType="withEffect">
+                                  <p:stCondLst>
+                                    <p:cond delay="0"/>
+                                  </p:stCondLst>
+                                  <p:childTnLst>
+                                    <p:set>
+                                      <p:cBhvr>
+                                        <p:cTn id="6" dur="1" fill="hold">
+                                          <p:stCondLst>
+                                            <p:cond delay="0"/>
+                                          </p:stCondLst>
+                                        </p:cTn>
+                                        <p:tgtEl>
+                                          <p:spTgt spid="19"/>
+                                        </p:tgtEl>
+                                        <p:attrNameLst>
+                                          <p:attrName>style.visibility</p:attrName>
+                                        </p:attrNameLst>
+                                      </p:cBhvr>
+                                      <p:to>
+                                        <p:strVal val="visible"/>
+                                      </p:to>
+                                    </p:set>
+                                    <p:animEffect transition="in" filter="fade">
+                                      <p:cBhvr>
+                                        <p:cTn id="7" dur="1000"/>
+                                        <p:tgtEl>
+                                          <p:spTgt spid="19"/>
+                                        </p:tgtEl>
+                                      </p:cBhvr>
+                                    </p:animEffect>
+                                    <p:anim calcmode="lin" valueType="num">
+                                      <p:cBhvr>
+                                        <p:cTn id="8" dur="1000" fill="hold"/>
+                                        <p:tgtEl>
+                                          <p:spTgt spid="19"/>
+                                        </p:tgtEl>
+                                        <p:attrNameLst>
+                                          <p:attrName>ppt_x</p:attrName>
+                                        </p:attrNameLst>
+                                      </p:cBhvr>
+                                      <p:tavLst>
+                                        <p:tav tm="0">
+                                          <p:val>
+                                            <p:strVal val="#ppt_x"/>
+                                          </p:val>
+                                        </p:tav>
+                                        <p:tav tm="100000">
+                                          <p:val>
+                                            <p:strVal val="#ppt_x"/>
+                                          </p:val>
+                                        </p:tav>
+                                      </p:tavLst>
+                                    </p:anim>
+                                    <p:anim calcmode="lin" valueType="num">
+                                      <p:cBhvr>
+                                        <p:cTn id="9" dur="1000" fill="hold"/>
+                                        <p:tgtEl>
+                                          <p:spTgt spid="19"/>
+                                        </p:tgtEl>
+                                        <p:attrNameLst>
+                                          <p:attrName>ppt_y</p:attrName>
+                                        </p:attrNameLst>
+                                      </p:cBhvr>
+                                      <p:tavLst>
+                                        <p:tav tm="0">
+                                          <p:val>
+                                            <p:strVal val="#ppt_y+.1"/>
+                                          </p:val>
+                                        </p:tav>
+                                        <p:tav tm="100000">
+                                          <p:val>
+                                            <p:strVal val="#ppt_y"/>
+                                          </p:val>
+                                        </p:tav>
+                                      </p:tavLst>
+                                    </p:anim>
+                                  </p:childTnLst>
+                                </p:cTn>
+                              </p:par>
+                              <p:par>
+                                <p:cTn id="10" presetID="22" presetClass="entr" presetSubtype="8" fill="hold" grpId="0" nodeType="withEffect">
+                                  <p:stCondLst>
+                                    <p:cond delay="0"/>
+                                  </p:stCondLst>
+                                  <p:childTnLst>
+                                    <p:set>
+                                      <p:cBhvr>
+                                        <p:cTn id="11" dur="1" fill="hold">
+                                          <p:stCondLst>
+                                            <p:cond delay="0"/>
+                                          </p:stCondLst>
+                                        </p:cTn>
+                                        <p:tgtEl>
+                                          <p:spTgt spid="20"/>
+                                        </p:tgtEl>
+                                        <p:attrNameLst>
+                                          <p:attrName>style.visibility</p:attrName>
+                                        </p:attrNameLst>
+                                      </p:cBhvr>
+                                      <p:to>
+                                        <p:strVal val="visible"/>
+                                      </p:to>
+                                    </p:set>
+                                    <p:animEffect transition="in" filter="wipe(left)">
+                                      <p:cBhvr>
+                                        <p:cTn id="12" dur="500"/>
+                                        <p:tgtEl>
+                                          <p:spTgt spid="20"/>
+                                        </p:tgtEl>
+                                      </p:cBhvr>
+                                    </p:animEffect>
+                                  </p:childTnLst>
+                                </p:cTn>
+                              </p:par>
+                              <p:par>
+                                <p:cTn id="13" presetID="29" presetClass="entr" presetSubtype="0" fill="hold" grpId="2" nodeType="withEffect">
+                                  <p:stCondLst>
+                                    <p:cond delay="0"/>
+                                  </p:stCondLst>
+                                  <p:iterate type="lt">
+                                    <p:tmPct val="0"/>
+                                  </p:iterate>
+                                  <p:childTnLst>
+                                    <p:set>
+                                      <p:cBhvr>
+                                        <p:cTn id="14" dur="1" fill="hold">
+                                          <p:stCondLst>
+                                            <p:cond delay="0"/>
+                                          </p:stCondLst>
+                                        </p:cTn>
+                                        <p:tgtEl>
+                                          <p:spTgt spid="24"/>
+                                        </p:tgtEl>
+                                        <p:attrNameLst>
+                                          <p:attrName>style.visibility</p:attrName>
+                                        </p:attrNameLst>
+                                      </p:cBhvr>
+                                      <p:to>
+                                        <p:strVal val="visible"/>
+                                      </p:to>
+                                    </p:set>
+                                    <p:anim calcmode="lin" valueType="num">
+                                      <p:cBhvr>
+                                        <p:cTn id="15" dur="500" fill="hold"/>
+                                        <p:tgtEl>
+                                          <p:spTgt spid="24"/>
+                                        </p:tgtEl>
+                                        <p:attrNameLst>
+                                          <p:attrName>ppt_x</p:attrName>
+                                        </p:attrNameLst>
+                                      </p:cBhvr>
+                                      <p:tavLst>
+                                        <p:tav tm="0">
+                                          <p:val>
+                                            <p:strVal val="#ppt_x-.2"/>
+                                          </p:val>
+                                        </p:tav>
+                                        <p:tav tm="100000">
+                                          <p:val>
+                                            <p:strVal val="#ppt_x"/>
+                                          </p:val>
+                                        </p:tav>
+                                      </p:tavLst>
+                                    </p:anim>
+                                    <p:anim calcmode="lin" valueType="num">
+                                      <p:cBhvr>
+                                        <p:cTn id="16" dur="500" fill="hold"/>
+                                        <p:tgtEl>
+                                          <p:spTgt spid="24"/>
+                                        </p:tgtEl>
+                                        <p:attrNameLst>
+                                          <p:attrName>ppt_y</p:attrName>
+                                        </p:attrNameLst>
+                                      </p:cBhvr>
+                                      <p:tavLst>
+                                        <p:tav tm="0">
+                                          <p:val>
+                                            <p:strVal val="#ppt_y"/>
+                                          </p:val>
+                                        </p:tav>
+                                        <p:tav tm="100000">
+                                          <p:val>
+                                            <p:strVal val="#ppt_y"/>
+                                          </p:val>
+                                        </p:tav>
+                                      </p:tavLst>
+                                    </p:anim>
+                                    <p:animEffect transition="in" filter="wipe(right)" prLst="gradientSize: 0.1">
+                                      <p:cBhvr>
+                                        <p:cTn id="17" dur="500"/>
+                                        <p:tgtEl>
+                                          <p:spTgt spid="24"/>
+                                        </p:tgtEl>
+                                      </p:cBhvr>
+                                    </p:animEffect>
+                                  </p:childTnLst>
+                                </p:cTn>
+                              </p:par>
+                              <p:par>
+                                <p:cTn id="18" presetID="16" presetClass="entr" presetSubtype="21" fill="hold" nodeType="withEffect">
+                                  <p:stCondLst>
+                                    <p:cond delay="0"/>
+                                  </p:stCondLst>
+                                  <p:childTnLst>
+                                    <p:set>
+                                      <p:cBhvr>
+                                        <p:cTn id="19" dur="1" fill="hold">
+                                          <p:stCondLst>
+                                            <p:cond delay="0"/>
+                                          </p:stCondLst>
+                                        </p:cTn>
+                                        <p:tgtEl>
+                                          <p:spTgt spid="23"/>
+                                        </p:tgtEl>
+                                        <p:attrNameLst>
+                                          <p:attrName>style.visibility</p:attrName>
+                                        </p:attrNameLst>
+                                      </p:cBhvr>
+                                      <p:to>
+                                        <p:strVal val="visible"/>
+                                      </p:to>
+                                    </p:set>
+                                    <p:animEffect transition="in" filter="barn(inVertical)">
+                                      <p:cBhvr>
+                                        <p:cTn id="20" dur="500"/>
+                                        <p:tgtEl>
+                                          <p:spTgt spid="23"/>
+                                        </p:tgtEl>
+                                      </p:cBhvr>
+                                    </p:animEffect>
+                                  </p:childTnLst>
+                                </p:cTn>
+                              </p:par>
+                            </p:childTnLst>
+                          </p:cTn>
+                        </p:par>
+                      </p:childTnLst>
+                    </p:cTn>
+                  </p:par>
+                </p:childTnLst>
+              </p:cTn>
+              <p:prevCondLst>
+                <p:cond evt="onPrev" delay="0">
+                  <p:tgtEl>
+                    <p:sldTgt/>
+                  </p:tgtEl>
+                </p:cond>
+              </p:prevCondLst>
+              <p:nextCondLst>
+                <p:cond evt="onNext" delay="0">
+                  <p:tgtEl>
+                    <p:sldTgt/>
+                  </p:tgtEl>
+                </p:cond>
+              </p:nextCondLst>
+            </p:seq>
+          </p:childTnLst>
+        </p:cTn>
+      </p:par>
+    </p:tnLst>
+    <p:bldLst>
+      <p:bldP spid="19" grpId="0" animBg="1"/>
+      <p:bldP spid="20" grpId="0" animBg="1"/>
+      <p:bldP spid="24" grpId="0"/>
+      <p:bldP spid="24" grpId="1"/>
+      <p:bldP spid="24" grpId="2"/>
+    </p:bldLst>
+  </p:timing>
+</p:sld>
+</file>
+
 <file path=ppt/slides/slide2.xml><?xml version="1.0" encoding="utf-8"?>
 <p:sld xmlns:a="http://schemas.openxmlformats.org/drawingml/2006/main" xmlns:r="http://schemas.openxmlformats.org/officeDocument/2006/relationships" xmlns:p="http://schemas.openxmlformats.org/presentationml/2006/main">
   <p:cSld>
@@ -5171,9 +6671,9 @@
         <p:grpSpPr>
           <a:xfrm>
             <a:off x="4716016" y="2439959"/>
-            <a:ext cx="3192460" cy="460104"/>
+            <a:ext cx="3186180" cy="560416"/>
             <a:chOff x="1101987" y="3591716"/>
-            <a:chExt cx="3192460" cy="460104"/>
+            <a:chExt cx="3186180" cy="560416"/>
           </a:xfrm>
         </p:grpSpPr>
         <p:grpSp>
@@ -6058,7 +7558,7 @@
           </p:nvSpPr>
           <p:spPr>
             <a:xfrm>
-              <a:off x="1664588" y="3616003"/>
+              <a:off x="1658308" y="3732782"/>
               <a:ext cx="2629859" cy="419350"/>
             </a:xfrm>
             <a:prstGeom prst="rect">
@@ -6073,6 +7573,17 @@
             <a:lstStyle/>
             <a:p>
               <a:r>
+                <a:rPr lang="zh-TW" altLang="en-US" sz="1600" b="1" dirty="0" smtClean="0">
+                  <a:solidFill>
+                    <a:schemeClr val="accent4">
+                      <a:lumMod val="100000"/>
+                    </a:schemeClr>
+                  </a:solidFill>
+                  <a:ea typeface="微软雅黑" panose="020B0503020204020204" pitchFamily="34" charset="-122"/>
+                </a:rPr>
+                <a:t>描述</a:t>
+              </a:r>
+              <a:r>
                 <a:rPr lang="zh-TW" altLang="en-US" sz="1600" b="1" dirty="0">
                   <a:solidFill>
                     <a:schemeClr val="accent4">
@@ -6081,8 +7592,10 @@
                   </a:solidFill>
                   <a:ea typeface="微软雅黑" panose="020B0503020204020204" pitchFamily="34" charset="-122"/>
                 </a:rPr>
-                <a:t>需求分析</a:t>
+                <a:t>性項目與事件條列式</a:t>
               </a:r>
+            </a:p>
+            <a:p>
               <a:endParaRPr lang="zh-CN" altLang="en-US" sz="1600" b="1" dirty="0">
                 <a:solidFill>
                   <a:schemeClr val="accent4">
@@ -8768,8 +10281,8 @@
         </p:nvSpPr>
         <p:spPr bwMode="auto">
           <a:xfrm>
-            <a:off x="1212578" y="1347614"/>
-            <a:ext cx="6288304" cy="1723549"/>
+            <a:off x="1168860" y="1251943"/>
+            <a:ext cx="6696744" cy="1846659"/>
           </a:xfrm>
           <a:prstGeom prst="rect">
             <a:avLst/>
@@ -8805,11 +10318,11 @@
           </a:bodyPr>
           <a:lstStyle/>
           <a:p>
-            <a:pPr algn="ctr">
+            <a:pPr>
               <a:defRPr/>
             </a:pPr>
             <a:r>
-              <a:rPr lang="zh-TW" altLang="en-US" sz="2800" b="1" dirty="0">
+              <a:rPr lang="zh-TW" altLang="en-US" sz="2400" b="1" dirty="0" smtClean="0">
                 <a:solidFill>
                   <a:srgbClr val="3B3B3B"/>
                 </a:solidFill>
@@ -8818,10 +10331,10 @@
                 <a:cs typeface="+mn-ea"/>
                 <a:sym typeface="+mn-lt"/>
               </a:rPr>
-              <a:t>機器給予人類的改變隨著年月的演進而日以</a:t>
+              <a:t>近年來</a:t>
             </a:r>
             <a:r>
-              <a:rPr lang="zh-TW" altLang="en-US" sz="2800" b="1" dirty="0" smtClean="0">
+              <a:rPr lang="zh-TW" altLang="en-US" sz="2400" b="1" dirty="0">
                 <a:solidFill>
                   <a:srgbClr val="3B3B3B"/>
                 </a:solidFill>
@@ -8830,69 +10343,9 @@
                 <a:cs typeface="+mn-ea"/>
                 <a:sym typeface="+mn-lt"/>
               </a:rPr>
-              <a:t>躍進</a:t>
+              <a:t>許多員工超時且工作繁忙複雜，為了解決人力及更便利的生活，機器人給予人類的改變隨著年月的演進而日以躍進，但也還有許多科技尚未觸及到的產業，像速食店、飲料店，可利用便捷的點餐系統分擔員工部分的工作。</a:t>
             </a:r>
-            <a:r>
-              <a:rPr lang="zh-TW" altLang="en-US" sz="2800" b="1" dirty="0" smtClean="0">
-                <a:solidFill>
-                  <a:srgbClr val="3B3B3B"/>
-                </a:solidFill>
-                <a:latin typeface="微软雅黑" panose="020B0503020204020204" pitchFamily="34" charset="-122"/>
-                <a:ea typeface="微软雅黑" panose="020B0503020204020204" pitchFamily="34" charset="-122"/>
-                <a:cs typeface="+mn-ea"/>
-                <a:sym typeface="+mn-lt"/>
-              </a:rPr>
-              <a:t>，許許多多</a:t>
-            </a:r>
-            <a:r>
-              <a:rPr lang="zh-TW" altLang="en-US" sz="2800" b="1" dirty="0">
-                <a:solidFill>
-                  <a:srgbClr val="3B3B3B"/>
-                </a:solidFill>
-                <a:latin typeface="微软雅黑" panose="020B0503020204020204" pitchFamily="34" charset="-122"/>
-                <a:ea typeface="微软雅黑" panose="020B0503020204020204" pitchFamily="34" charset="-122"/>
-                <a:cs typeface="+mn-ea"/>
-                <a:sym typeface="+mn-lt"/>
-              </a:rPr>
-              <a:t>的人力也漸漸轉換為機器，但在生活的各個角落，依然有許多科技尚未觸及的地方，</a:t>
-            </a:r>
-            <a:r>
-              <a:rPr lang="zh-TW" altLang="en-US" sz="2800" b="1" dirty="0" smtClean="0">
-                <a:solidFill>
-                  <a:srgbClr val="3B3B3B"/>
-                </a:solidFill>
-                <a:latin typeface="微软雅黑" panose="020B0503020204020204" pitchFamily="34" charset="-122"/>
-                <a:ea typeface="微软雅黑" panose="020B0503020204020204" pitchFamily="34" charset="-122"/>
-                <a:cs typeface="+mn-ea"/>
-                <a:sym typeface="+mn-lt"/>
-              </a:rPr>
-              <a:t>像</a:t>
-            </a:r>
-            <a:r>
-              <a:rPr lang="zh-TW" altLang="en-US" sz="2800" b="1" dirty="0">
-                <a:solidFill>
-                  <a:srgbClr val="3B3B3B"/>
-                </a:solidFill>
-                <a:latin typeface="微软雅黑" panose="020B0503020204020204" pitchFamily="34" charset="-122"/>
-                <a:ea typeface="微软雅黑" panose="020B0503020204020204" pitchFamily="34" charset="-122"/>
-                <a:cs typeface="+mn-ea"/>
-                <a:sym typeface="+mn-lt"/>
-              </a:rPr>
-              <a:t>速食店</a:t>
-            </a:r>
-            <a:r>
-              <a:rPr lang="zh-TW" altLang="en-US" sz="2800" b="1" dirty="0" smtClean="0">
-                <a:solidFill>
-                  <a:srgbClr val="3B3B3B"/>
-                </a:solidFill>
-                <a:latin typeface="微软雅黑" panose="020B0503020204020204" pitchFamily="34" charset="-122"/>
-                <a:ea typeface="微软雅黑" panose="020B0503020204020204" pitchFamily="34" charset="-122"/>
-                <a:cs typeface="+mn-ea"/>
-                <a:sym typeface="+mn-lt"/>
-              </a:rPr>
-              <a:t>。</a:t>
-            </a:r>
-            <a:endParaRPr lang="zh-CN" altLang="en-US" sz="2800" b="1" dirty="0">
+            <a:endParaRPr lang="zh-CN" altLang="en-US" sz="2400" b="1" dirty="0">
               <a:solidFill>
                 <a:srgbClr val="3B3B3B"/>
               </a:solidFill>
@@ -9850,38 +11303,8 @@
         </p:blipFill>
         <p:spPr>
           <a:xfrm flipH="1">
-            <a:off x="683568" y="1871971"/>
+            <a:off x="683568" y="2624960"/>
             <a:ext cx="2016224" cy="1510663"/>
-          </a:xfrm>
-          <a:prstGeom prst="rect">
-            <a:avLst/>
-          </a:prstGeom>
-        </p:spPr>
-      </p:pic>
-      <p:pic>
-        <p:nvPicPr>
-          <p:cNvPr id="4" name="圖片 3"/>
-          <p:cNvPicPr>
-            <a:picLocks noChangeAspect="1"/>
-          </p:cNvPicPr>
-          <p:nvPr/>
-        </p:nvPicPr>
-        <p:blipFill>
-          <a:blip r:embed="rId6" cstate="print">
-            <a:extLst>
-              <a:ext uri="{28A0092B-C50C-407E-A947-70E740481C1C}">
-                <a14:useLocalDpi xmlns:a14="http://schemas.microsoft.com/office/drawing/2010/main" val="0"/>
-              </a:ext>
-            </a:extLst>
-          </a:blip>
-          <a:stretch>
-            <a:fillRect/>
-          </a:stretch>
-        </p:blipFill>
-        <p:spPr>
-          <a:xfrm>
-            <a:off x="3563887" y="2067694"/>
-            <a:ext cx="2114005" cy="1345276"/>
           </a:xfrm>
           <a:prstGeom prst="rect">
             <a:avLst/>
@@ -9897,11 +11320,11 @@
           <p:nvPr/>
         </p:nvPicPr>
         <p:blipFill>
-          <a:blip r:embed="rId7" cstate="print">
+          <a:blip r:embed="rId6" cstate="print">
             <a:extLst>
               <a:ext uri="{BEBA8EAE-BF5A-486C-A8C5-ECC9F3942E4B}">
                 <a14:imgProps xmlns:a14="http://schemas.microsoft.com/office/drawing/2010/main">
-                  <a14:imgLayer r:embed="rId8">
+                  <a14:imgLayer r:embed="rId7">
                     <a14:imgEffect>
                       <a14:backgroundRemoval t="2375" b="94375" l="0" r="95807">
                         <a14:foregroundMark x1="27044" y1="28375" x2="33962" y2="82000"/>
@@ -9936,7 +11359,7 @@
         </p:blipFill>
         <p:spPr>
           <a:xfrm>
-            <a:off x="6732240" y="1419622"/>
+            <a:off x="6732240" y="2172611"/>
             <a:ext cx="1440160" cy="2415363"/>
           </a:xfrm>
           <a:prstGeom prst="rect">
@@ -9953,7 +11376,7 @@
           <p:nvPr/>
         </p:nvPicPr>
         <p:blipFill>
-          <a:blip r:embed="rId9" cstate="print">
+          <a:blip r:embed="rId8" cstate="print">
             <a:extLst>
               <a:ext uri="{28A0092B-C50C-407E-A947-70E740481C1C}">
                 <a14:useLocalDpi xmlns:a14="http://schemas.microsoft.com/office/drawing/2010/main" val="0"/>
@@ -9966,7 +11389,7 @@
         </p:blipFill>
         <p:spPr>
           <a:xfrm>
-            <a:off x="2704910" y="2344288"/>
+            <a:off x="2704910" y="3097277"/>
             <a:ext cx="792087" cy="792087"/>
           </a:xfrm>
           <a:prstGeom prst="rect">
@@ -9983,7 +11406,7 @@
           <p:nvPr/>
         </p:nvPicPr>
         <p:blipFill>
-          <a:blip r:embed="rId9" cstate="print">
+          <a:blip r:embed="rId8" cstate="print">
             <a:extLst>
               <a:ext uri="{28A0092B-C50C-407E-A947-70E740481C1C}">
                 <a14:useLocalDpi xmlns:a14="http://schemas.microsoft.com/office/drawing/2010/main" val="0"/>
@@ -9996,7 +11419,7 @@
         </p:blipFill>
         <p:spPr>
           <a:xfrm>
-            <a:off x="5940153" y="2344287"/>
+            <a:off x="5940153" y="3097276"/>
             <a:ext cx="792087" cy="792087"/>
           </a:xfrm>
           <a:prstGeom prst="rect">
@@ -10004,6 +11427,271 @@
           </a:prstGeom>
         </p:spPr>
       </p:pic>
+      <p:sp>
+        <p:nvSpPr>
+          <p:cNvPr id="6" name="文字方塊 5"/>
+          <p:cNvSpPr txBox="1"/>
+          <p:nvPr/>
+        </p:nvSpPr>
+        <p:spPr>
+          <a:xfrm>
+            <a:off x="611560" y="1194110"/>
+            <a:ext cx="6763636" cy="430887"/>
+          </a:xfrm>
+          <a:prstGeom prst="rect">
+            <a:avLst/>
+          </a:prstGeom>
+          <a:noFill/>
+          <a:ln>
+            <a:noFill/>
+          </a:ln>
+          <a:effectLst/>
+          <a:extLst>
+            <a:ext uri="{909E8E84-426E-40DD-AFC4-6F175D3DCCD1}">
+              <a14:hiddenFill xmlns:a14="http://schemas.microsoft.com/office/drawing/2010/main">
+                <a:solidFill>
+                  <a:srgbClr val="FFFFFF"/>
+                </a:solidFill>
+              </a14:hiddenFill>
+            </a:ext>
+            <a:ext uri="{91240B29-F687-4F45-9708-019B960494DF}">
+              <a14:hiddenLine xmlns:a14="http://schemas.microsoft.com/office/drawing/2010/main" w="9525">
+                <a:solidFill>
+                  <a:srgbClr val="000000"/>
+                </a:solidFill>
+                <a:miter lim="800000"/>
+                <a:headEnd/>
+                <a:tailEnd/>
+              </a14:hiddenLine>
+            </a:ext>
+          </a:extLst>
+        </p:spPr>
+        <p:txBody>
+          <a:bodyPr wrap="square" lIns="0" tIns="0" rIns="0" bIns="0">
+            <a:spAutoFit/>
+          </a:bodyPr>
+          <a:lstStyle>
+            <a:defPPr>
+              <a:defRPr lang="zh-CN"/>
+            </a:defPPr>
+            <a:lvl1pPr algn="ctr">
+              <a:defRPr sz="2800" b="1">
+                <a:solidFill>
+                  <a:srgbClr val="3B3B3B"/>
+                </a:solidFill>
+                <a:latin typeface="微软雅黑" panose="020B0503020204020204" pitchFamily="34" charset="-122"/>
+                <a:ea typeface="微软雅黑" panose="020B0503020204020204" pitchFamily="34" charset="-122"/>
+                <a:cs typeface="+mn-ea"/>
+              </a:defRPr>
+            </a:lvl1pPr>
+          </a:lstStyle>
+          <a:p>
+            <a:r>
+              <a:rPr lang="zh-TW" altLang="en-US" dirty="0"/>
+              <a:t>建構聲控系統以</a:t>
+            </a:r>
+            <a:r>
+              <a:rPr lang="zh-TW" altLang="en-US" dirty="0" smtClean="0"/>
+              <a:t>解決</a:t>
+            </a:r>
+            <a:r>
+              <a:rPr lang="zh-TW" altLang="en-US" dirty="0"/>
+              <a:t>速</a:t>
+            </a:r>
+            <a:r>
+              <a:rPr lang="zh-TW" altLang="en-US" dirty="0" smtClean="0"/>
+              <a:t>食店</a:t>
+            </a:r>
+            <a:r>
+              <a:rPr lang="zh-TW" altLang="en-US" dirty="0"/>
+              <a:t>人手不足的問題</a:t>
+            </a:r>
+          </a:p>
+        </p:txBody>
+      </p:sp>
+      <p:pic>
+        <p:nvPicPr>
+          <p:cNvPr id="1026" name="Picture 2" descr="「耳機動畫」的圖片搜尋結果"/>
+          <p:cNvPicPr>
+            <a:picLocks noChangeAspect="1" noChangeArrowheads="1"/>
+          </p:cNvPicPr>
+          <p:nvPr/>
+        </p:nvPicPr>
+        <p:blipFill>
+          <a:blip r:embed="rId9">
+            <a:extLst>
+              <a:ext uri="{28A0092B-C50C-407E-A947-70E740481C1C}">
+                <a14:useLocalDpi xmlns:a14="http://schemas.microsoft.com/office/drawing/2010/main" val="0"/>
+              </a:ext>
+            </a:extLst>
+          </a:blip>
+          <a:srcRect/>
+          <a:stretch>
+            <a:fillRect/>
+          </a:stretch>
+        </p:blipFill>
+        <p:spPr bwMode="auto">
+          <a:xfrm>
+            <a:off x="3559171" y="2842877"/>
+            <a:ext cx="2287191" cy="1418058"/>
+          </a:xfrm>
+          <a:prstGeom prst="rect">
+            <a:avLst/>
+          </a:prstGeom>
+          <a:noFill/>
+          <a:extLst>
+            <a:ext uri="{909E8E84-426E-40DD-AFC4-6F175D3DCCD1}">
+              <a14:hiddenFill xmlns:a14="http://schemas.microsoft.com/office/drawing/2010/main">
+                <a:solidFill>
+                  <a:srgbClr val="FFFFFF"/>
+                </a:solidFill>
+              </a14:hiddenFill>
+            </a:ext>
+          </a:extLst>
+        </p:spPr>
+      </p:pic>
+      <p:sp>
+        <p:nvSpPr>
+          <p:cNvPr id="14" name="文字方塊 13"/>
+          <p:cNvSpPr txBox="1"/>
+          <p:nvPr/>
+        </p:nvSpPr>
+        <p:spPr>
+          <a:xfrm>
+            <a:off x="2947064" y="2044891"/>
+            <a:ext cx="307777" cy="1229264"/>
+          </a:xfrm>
+          <a:prstGeom prst="rect">
+            <a:avLst/>
+          </a:prstGeom>
+          <a:noFill/>
+          <a:ln>
+            <a:noFill/>
+          </a:ln>
+          <a:effectLst/>
+          <a:extLst>
+            <a:ext uri="{909E8E84-426E-40DD-AFC4-6F175D3DCCD1}">
+              <a14:hiddenFill xmlns:a14="http://schemas.microsoft.com/office/drawing/2010/main">
+                <a:solidFill>
+                  <a:srgbClr val="FFFFFF"/>
+                </a:solidFill>
+              </a14:hiddenFill>
+            </a:ext>
+            <a:ext uri="{91240B29-F687-4F45-9708-019B960494DF}">
+              <a14:hiddenLine xmlns:a14="http://schemas.microsoft.com/office/drawing/2010/main" w="9525">
+                <a:solidFill>
+                  <a:srgbClr val="000000"/>
+                </a:solidFill>
+                <a:miter lim="800000"/>
+                <a:headEnd/>
+                <a:tailEnd/>
+              </a14:hiddenLine>
+            </a:ext>
+          </a:extLst>
+        </p:spPr>
+        <p:txBody>
+          <a:bodyPr vert="eaVert" wrap="square" lIns="0" tIns="0" rIns="0" bIns="0">
+            <a:spAutoFit/>
+          </a:bodyPr>
+          <a:lstStyle>
+            <a:defPPr>
+              <a:defRPr lang="zh-CN"/>
+            </a:defPPr>
+            <a:lvl1pPr algn="ctr">
+              <a:defRPr sz="2800" b="1">
+                <a:solidFill>
+                  <a:srgbClr val="3B3B3B"/>
+                </a:solidFill>
+                <a:latin typeface="微软雅黑" panose="020B0503020204020204" pitchFamily="34" charset="-122"/>
+                <a:ea typeface="微软雅黑" panose="020B0503020204020204" pitchFamily="34" charset="-122"/>
+                <a:cs typeface="+mn-ea"/>
+              </a:defRPr>
+            </a:lvl1pPr>
+          </a:lstStyle>
+          <a:p>
+            <a:r>
+              <a:rPr lang="zh-TW" altLang="en-US" sz="2000" dirty="0" smtClean="0"/>
+              <a:t>聲控裝置</a:t>
+            </a:r>
+            <a:endParaRPr lang="zh-TW" altLang="en-US" sz="2000" dirty="0"/>
+          </a:p>
+        </p:txBody>
+      </p:sp>
+      <p:sp>
+        <p:nvSpPr>
+          <p:cNvPr id="16" name="文字方塊 15"/>
+          <p:cNvSpPr txBox="1"/>
+          <p:nvPr/>
+        </p:nvSpPr>
+        <p:spPr>
+          <a:xfrm>
+            <a:off x="6198416" y="2044891"/>
+            <a:ext cx="307777" cy="1229264"/>
+          </a:xfrm>
+          <a:prstGeom prst="rect">
+            <a:avLst/>
+          </a:prstGeom>
+          <a:noFill/>
+          <a:ln>
+            <a:noFill/>
+          </a:ln>
+          <a:effectLst/>
+          <a:extLst>
+            <a:ext uri="{909E8E84-426E-40DD-AFC4-6F175D3DCCD1}">
+              <a14:hiddenFill xmlns:a14="http://schemas.microsoft.com/office/drawing/2010/main">
+                <a:solidFill>
+                  <a:srgbClr val="FFFFFF"/>
+                </a:solidFill>
+              </a14:hiddenFill>
+            </a:ext>
+            <a:ext uri="{91240B29-F687-4F45-9708-019B960494DF}">
+              <a14:hiddenLine xmlns:a14="http://schemas.microsoft.com/office/drawing/2010/main" w="9525">
+                <a:solidFill>
+                  <a:srgbClr val="000000"/>
+                </a:solidFill>
+                <a:miter lim="800000"/>
+                <a:headEnd/>
+                <a:tailEnd/>
+              </a14:hiddenLine>
+            </a:ext>
+          </a:extLst>
+        </p:spPr>
+        <p:txBody>
+          <a:bodyPr vert="eaVert" wrap="square" lIns="0" tIns="0" rIns="0" bIns="0">
+            <a:spAutoFit/>
+          </a:bodyPr>
+          <a:lstStyle>
+            <a:defPPr>
+              <a:defRPr lang="zh-CN"/>
+            </a:defPPr>
+            <a:lvl1pPr algn="ctr">
+              <a:defRPr sz="2800" b="1">
+                <a:solidFill>
+                  <a:srgbClr val="3B3B3B"/>
+                </a:solidFill>
+                <a:latin typeface="微软雅黑" panose="020B0503020204020204" pitchFamily="34" charset="-122"/>
+                <a:ea typeface="微软雅黑" panose="020B0503020204020204" pitchFamily="34" charset="-122"/>
+                <a:cs typeface="+mn-ea"/>
+              </a:defRPr>
+            </a:lvl1pPr>
+          </a:lstStyle>
+          <a:p>
+            <a:r>
+              <a:rPr lang="zh-TW" altLang="en-US" sz="2000" dirty="0" smtClean="0"/>
+              <a:t>產</a:t>
+            </a:r>
+            <a:r>
+              <a:rPr lang="zh-TW" altLang="en-US" sz="2000" dirty="0"/>
+              <a:t>出</a:t>
+            </a:r>
+            <a:r>
+              <a:rPr lang="zh-TW" altLang="en-US" sz="2000" dirty="0" smtClean="0"/>
+              <a:t>商品</a:t>
+            </a:r>
+            <a:endParaRPr lang="zh-TW" altLang="en-US" sz="2000" dirty="0"/>
+          </a:p>
+        </p:txBody>
+      </p:sp>
     </p:spTree>
     <p:extLst>
       <p:ext uri="{BB962C8B-B14F-4D97-AF65-F5344CB8AC3E}">
@@ -10359,7 +12047,7 @@
                             </p:stCondLst>
                             <p:childTnLst>
                               <p:par>
-                                <p:cTn id="29" presetID="14" presetClass="entr" presetSubtype="10" fill="hold" nodeType="clickEffect">
+                                <p:cTn id="29" presetID="10" presetClass="entr" presetSubtype="0" fill="hold" nodeType="clickEffect">
                                   <p:stCondLst>
                                     <p:cond delay="0"/>
                                   </p:stCondLst>
@@ -10367,6 +12055,94 @@
                                     <p:set>
                                       <p:cBhvr>
                                         <p:cTn id="30" dur="1" fill="hold">
+                                          <p:stCondLst>
+                                            <p:cond delay="0"/>
+                                          </p:stCondLst>
+                                        </p:cTn>
+                                        <p:tgtEl>
+                                          <p:spTgt spid="1026"/>
+                                        </p:tgtEl>
+                                        <p:attrNameLst>
+                                          <p:attrName>style.visibility</p:attrName>
+                                        </p:attrNameLst>
+                                      </p:cBhvr>
+                                      <p:to>
+                                        <p:strVal val="visible"/>
+                                      </p:to>
+                                    </p:set>
+                                    <p:animEffect transition="in" filter="fade">
+                                      <p:cBhvr>
+                                        <p:cTn id="31" dur="500"/>
+                                        <p:tgtEl>
+                                          <p:spTgt spid="1026"/>
+                                        </p:tgtEl>
+                                      </p:cBhvr>
+                                    </p:animEffect>
+                                  </p:childTnLst>
+                                </p:cTn>
+                              </p:par>
+                            </p:childTnLst>
+                          </p:cTn>
+                        </p:par>
+                      </p:childTnLst>
+                    </p:cTn>
+                  </p:par>
+                  <p:par>
+                    <p:cTn id="32" fill="hold">
+                      <p:stCondLst>
+                        <p:cond delay="indefinite"/>
+                      </p:stCondLst>
+                      <p:childTnLst>
+                        <p:par>
+                          <p:cTn id="33" fill="hold">
+                            <p:stCondLst>
+                              <p:cond delay="0"/>
+                            </p:stCondLst>
+                            <p:childTnLst>
+                              <p:par>
+                                <p:cTn id="34" presetID="10" presetClass="entr" presetSubtype="0" fill="hold" grpId="0" nodeType="clickEffect">
+                                  <p:stCondLst>
+                                    <p:cond delay="0"/>
+                                  </p:stCondLst>
+                                  <p:childTnLst>
+                                    <p:set>
+                                      <p:cBhvr>
+                                        <p:cTn id="35" dur="1" fill="hold">
+                                          <p:stCondLst>
+                                            <p:cond delay="0"/>
+                                          </p:stCondLst>
+                                        </p:cTn>
+                                        <p:tgtEl>
+                                          <p:spTgt spid="14"/>
+                                        </p:tgtEl>
+                                        <p:attrNameLst>
+                                          <p:attrName>style.visibility</p:attrName>
+                                        </p:attrNameLst>
+                                      </p:cBhvr>
+                                      <p:to>
+                                        <p:strVal val="visible"/>
+                                      </p:to>
+                                    </p:set>
+                                    <p:animEffect transition="in" filter="fade">
+                                      <p:cBhvr>
+                                        <p:cTn id="36" dur="500"/>
+                                        <p:tgtEl>
+                                          <p:spTgt spid="14"/>
+                                        </p:tgtEl>
+                                      </p:cBhvr>
+                                    </p:animEffect>
+                                  </p:childTnLst>
+                                </p:cTn>
+                              </p:par>
+                              <p:par>
+                                <p:cTn id="37" presetID="14" presetClass="entr" presetSubtype="10" fill="hold" nodeType="withEffect">
+                                  <p:stCondLst>
+                                    <p:cond delay="0"/>
+                                  </p:stCondLst>
+                                  <p:childTnLst>
+                                    <p:set>
+                                      <p:cBhvr>
+                                        <p:cTn id="38" dur="1" fill="hold">
                                           <p:stCondLst>
                                             <p:cond delay="0"/>
                                           </p:stCondLst>
@@ -10384,44 +12160,9 @@
                                     </p:set>
                                     <p:animEffect transition="in" filter="randombar(horizontal)">
                                       <p:cBhvr>
-                                        <p:cTn id="31" dur="500"/>
+                                        <p:cTn id="39" dur="500"/>
                                         <p:tgtEl>
                                           <p:spTgt spid="9"/>
-                                        </p:tgtEl>
-                                      </p:cBhvr>
-                                    </p:animEffect>
-                                  </p:childTnLst>
-                                </p:cTn>
-                              </p:par>
-                              <p:par>
-                                <p:cTn id="32" presetID="14" presetClass="entr" presetSubtype="10" fill="hold" nodeType="withEffect">
-                                  <p:stCondLst>
-                                    <p:cond delay="0"/>
-                                  </p:stCondLst>
-                                  <p:childTnLst>
-                                    <p:set>
-                                      <p:cBhvr>
-                                        <p:cTn id="33" dur="1" fill="hold">
-                                          <p:stCondLst>
-                                            <p:cond delay="0"/>
-                                          </p:stCondLst>
-                                        </p:cTn>
-                                        <p:tgtEl>
-                                          <p:spTgt spid="4"/>
-                                        </p:tgtEl>
-                                        <p:attrNameLst>
-                                          <p:attrName>style.visibility</p:attrName>
-                                        </p:attrNameLst>
-                                      </p:cBhvr>
-                                      <p:to>
-                                        <p:strVal val="visible"/>
-                                      </p:to>
-                                    </p:set>
-                                    <p:animEffect transition="in" filter="randombar(horizontal)">
-                                      <p:cBhvr>
-                                        <p:cTn id="34" dur="500"/>
-                                        <p:tgtEl>
-                                          <p:spTgt spid="4"/>
                                         </p:tgtEl>
                                       </p:cBhvr>
                                     </p:animEffect>
@@ -10435,26 +12176,79 @@
                     </p:cTn>
                   </p:par>
                   <p:par>
-                    <p:cTn id="35" fill="hold">
+                    <p:cTn id="40" fill="hold">
                       <p:stCondLst>
                         <p:cond delay="indefinite"/>
                       </p:stCondLst>
                       <p:childTnLst>
                         <p:par>
-                          <p:cTn id="36" fill="hold">
+                          <p:cTn id="41" fill="hold">
                             <p:stCondLst>
                               <p:cond delay="0"/>
                             </p:stCondLst>
                             <p:childTnLst>
                               <p:par>
-                                <p:cTn id="37" presetID="14" presetClass="entr" presetSubtype="10" fill="hold" nodeType="clickEffect">
+                                <p:cTn id="42" presetID="14" presetClass="entr" presetSubtype="10" fill="hold" nodeType="clickEffect">
                                   <p:stCondLst>
                                     <p:cond delay="0"/>
                                   </p:stCondLst>
                                   <p:childTnLst>
                                     <p:set>
                                       <p:cBhvr>
-                                        <p:cTn id="38" dur="1" fill="hold">
+                                        <p:cTn id="43" dur="1" fill="hold">
+                                          <p:stCondLst>
+                                            <p:cond delay="0"/>
+                                          </p:stCondLst>
+                                        </p:cTn>
+                                        <p:tgtEl>
+                                          <p:spTgt spid="5"/>
+                                        </p:tgtEl>
+                                        <p:attrNameLst>
+                                          <p:attrName>style.visibility</p:attrName>
+                                        </p:attrNameLst>
+                                      </p:cBhvr>
+                                      <p:to>
+                                        <p:strVal val="visible"/>
+                                      </p:to>
+                                    </p:set>
+                                    <p:animEffect transition="in" filter="randombar(horizontal)">
+                                      <p:cBhvr>
+                                        <p:cTn id="44" dur="500"/>
+                                        <p:tgtEl>
+                                          <p:spTgt spid="5"/>
+                                        </p:tgtEl>
+                                      </p:cBhvr>
+                                    </p:animEffect>
+                                  </p:childTnLst>
+                                </p:cTn>
+                              </p:par>
+                            </p:childTnLst>
+                          </p:cTn>
+                        </p:par>
+                      </p:childTnLst>
+                    </p:cTn>
+                  </p:par>
+                  <p:par>
+                    <p:cTn id="45" fill="hold">
+                      <p:stCondLst>
+                        <p:cond delay="indefinite"/>
+                      </p:stCondLst>
+                      <p:childTnLst>
+                        <p:par>
+                          <p:cTn id="46" fill="hold">
+                            <p:stCondLst>
+                              <p:cond delay="0"/>
+                            </p:stCondLst>
+                            <p:childTnLst>
+                              <p:par>
+                                <p:cTn id="47" presetID="14" presetClass="entr" presetSubtype="10" fill="hold" nodeType="clickEffect">
+                                  <p:stCondLst>
+                                    <p:cond delay="0"/>
+                                  </p:stCondLst>
+                                  <p:childTnLst>
+                                    <p:set>
+                                      <p:cBhvr>
+                                        <p:cTn id="48" dur="1" fill="hold">
                                           <p:stCondLst>
                                             <p:cond delay="0"/>
                                           </p:stCondLst>
@@ -10472,7 +12266,7 @@
                                     </p:set>
                                     <p:animEffect transition="in" filter="randombar(horizontal)">
                                       <p:cBhvr>
-                                        <p:cTn id="39" dur="500"/>
+                                        <p:cTn id="49" dur="500"/>
                                         <p:tgtEl>
                                           <p:spTgt spid="15"/>
                                         </p:tgtEl>
@@ -10482,20 +12276,20 @@
                                 </p:cTn>
                               </p:par>
                               <p:par>
-                                <p:cTn id="40" presetID="14" presetClass="entr" presetSubtype="10" fill="hold" nodeType="withEffect">
+                                <p:cTn id="50" presetID="10" presetClass="entr" presetSubtype="0" fill="hold" grpId="0" nodeType="withEffect">
                                   <p:stCondLst>
                                     <p:cond delay="0"/>
                                   </p:stCondLst>
                                   <p:childTnLst>
                                     <p:set>
                                       <p:cBhvr>
-                                        <p:cTn id="41" dur="1" fill="hold">
+                                        <p:cTn id="51" dur="1" fill="hold">
                                           <p:stCondLst>
                                             <p:cond delay="0"/>
                                           </p:stCondLst>
                                         </p:cTn>
                                         <p:tgtEl>
-                                          <p:spTgt spid="5"/>
+                                          <p:spTgt spid="16"/>
                                         </p:tgtEl>
                                         <p:attrNameLst>
                                           <p:attrName>style.visibility</p:attrName>
@@ -10505,11 +12299,11 @@
                                         <p:strVal val="visible"/>
                                       </p:to>
                                     </p:set>
-                                    <p:animEffect transition="in" filter="randombar(horizontal)">
+                                    <p:animEffect transition="in" filter="fade">
                                       <p:cBhvr>
-                                        <p:cTn id="42" dur="500"/>
+                                        <p:cTn id="52" dur="500"/>
                                         <p:tgtEl>
-                                          <p:spTgt spid="5"/>
+                                          <p:spTgt spid="16"/>
                                         </p:tgtEl>
                                       </p:cBhvr>
                                     </p:animEffect>
@@ -10548,6 +12342,8 @@
       <p:bldP spid="12" grpId="0" animBg="1"/>
       <p:bldP spid="22" grpId="0"/>
       <p:bldP spid="23" grpId="0" animBg="1"/>
+      <p:bldP spid="14" grpId="0"/>
+      <p:bldP spid="16" grpId="0"/>
     </p:bldLst>
   </p:timing>
 </p:sld>
@@ -10750,151 +12546,6 @@
       </p:sp>
       <p:sp>
         <p:nvSpPr>
-          <p:cNvPr id="21" name="TextBox 7">
-            <a:extLst>
-              <a:ext uri="{FF2B5EF4-FFF2-40B4-BE49-F238E27FC236}">
-                <a16:creationId xmlns:a16="http://schemas.microsoft.com/office/drawing/2014/main" id="{DD1FF2C8-2F57-46BD-8AA8-E9BEF4EE2C43}"/>
-              </a:ext>
-            </a:extLst>
-          </p:cNvPr>
-          <p:cNvSpPr>
-            <a:spLocks noChangeArrowheads="1"/>
-          </p:cNvSpPr>
-          <p:nvPr/>
-        </p:nvSpPr>
-        <p:spPr bwMode="auto">
-          <a:xfrm>
-            <a:off x="840061" y="1477781"/>
-            <a:ext cx="7463878" cy="646331"/>
-          </a:xfrm>
-          <a:prstGeom prst="rect">
-            <a:avLst/>
-          </a:prstGeom>
-          <a:noFill/>
-          <a:ln>
-            <a:noFill/>
-          </a:ln>
-          <a:effectLst/>
-          <a:extLst>
-            <a:ext uri="{909E8E84-426E-40DD-AFC4-6F175D3DCCD1}">
-              <a14:hiddenFill xmlns:a14="http://schemas.microsoft.com/office/drawing/2010/main">
-                <a:solidFill>
-                  <a:srgbClr val="FFFFFF"/>
-                </a:solidFill>
-              </a14:hiddenFill>
-            </a:ext>
-            <a:ext uri="{91240B29-F687-4F45-9708-019B960494DF}">
-              <a14:hiddenLine xmlns:a14="http://schemas.microsoft.com/office/drawing/2010/main" w="9525">
-                <a:solidFill>
-                  <a:srgbClr val="000000"/>
-                </a:solidFill>
-                <a:miter lim="800000"/>
-                <a:headEnd/>
-                <a:tailEnd/>
-              </a14:hiddenLine>
-            </a:ext>
-          </a:extLst>
-        </p:spPr>
-        <p:txBody>
-          <a:bodyPr wrap="square" lIns="0" tIns="0" rIns="0" bIns="0">
-            <a:spAutoFit/>
-          </a:bodyPr>
-          <a:lstStyle/>
-          <a:p>
-            <a:pPr marL="457200" indent="-457200">
-              <a:lnSpc>
-                <a:spcPct val="150000"/>
-              </a:lnSpc>
-              <a:buFont typeface="Wingdings" panose="05000000000000000000" pitchFamily="2" charset="2"/>
-              <a:buChar char="Ø"/>
-              <a:defRPr/>
-            </a:pPr>
-            <a:r>
-              <a:rPr lang="zh-TW" altLang="en-US" sz="2800" b="1" dirty="0" smtClean="0">
-                <a:solidFill>
-                  <a:srgbClr val="3B3B3B"/>
-                </a:solidFill>
-                <a:latin typeface="微软雅黑" panose="020B0503020204020204" pitchFamily="34" charset="-122"/>
-                <a:ea typeface="微软雅黑" panose="020B0503020204020204" pitchFamily="34" charset="-122"/>
-                <a:cs typeface="+mn-ea"/>
-                <a:sym typeface="+mn-lt"/>
-              </a:rPr>
-              <a:t>將</a:t>
-            </a:r>
-            <a:r>
-              <a:rPr lang="zh-TW" altLang="en-US" sz="2800" b="1" dirty="0">
-                <a:solidFill>
-                  <a:srgbClr val="3B3B3B"/>
-                </a:solidFill>
-                <a:latin typeface="微软雅黑" panose="020B0503020204020204" pitchFamily="34" charset="-122"/>
-                <a:ea typeface="微软雅黑" panose="020B0503020204020204" pitchFamily="34" charset="-122"/>
-                <a:cs typeface="+mn-ea"/>
-                <a:sym typeface="+mn-lt"/>
-              </a:rPr>
-              <a:t>電源</a:t>
-            </a:r>
-            <a:r>
-              <a:rPr lang="zh-TW" altLang="en-US" sz="2800" b="1" dirty="0" smtClean="0">
-                <a:solidFill>
-                  <a:srgbClr val="3B3B3B"/>
-                </a:solidFill>
-                <a:latin typeface="微软雅黑" panose="020B0503020204020204" pitchFamily="34" charset="-122"/>
-                <a:ea typeface="微软雅黑" panose="020B0503020204020204" pitchFamily="34" charset="-122"/>
-                <a:cs typeface="+mn-ea"/>
-                <a:sym typeface="+mn-lt"/>
-              </a:rPr>
-              <a:t>開啟</a:t>
-            </a:r>
-            <a:r>
-              <a:rPr lang="zh-TW" altLang="en-US" sz="2800" b="1" dirty="0" smtClean="0">
-                <a:solidFill>
-                  <a:srgbClr val="3B3B3B"/>
-                </a:solidFill>
-                <a:latin typeface="微軟正黑體" panose="020B0604030504040204" pitchFamily="34" charset="-120"/>
-                <a:ea typeface="微軟正黑體" panose="020B0604030504040204" pitchFamily="34" charset="-120"/>
-                <a:cs typeface="+mn-ea"/>
-                <a:sym typeface="+mn-lt"/>
-              </a:rPr>
-              <a:t>，</a:t>
-            </a:r>
-            <a:r>
-              <a:rPr lang="zh-TW" altLang="en-US" sz="2800" b="1" dirty="0">
-                <a:solidFill>
-                  <a:srgbClr val="3B3B3B"/>
-                </a:solidFill>
-                <a:latin typeface="微软雅黑" panose="020B0503020204020204" pitchFamily="34" charset="-122"/>
-                <a:ea typeface="微软雅黑" panose="020B0503020204020204" pitchFamily="34" charset="-122"/>
-                <a:cs typeface="+mn-ea"/>
-                <a:sym typeface="+mn-lt"/>
-              </a:rPr>
-              <a:t>便可</a:t>
-            </a:r>
-            <a:r>
-              <a:rPr lang="zh-TW" altLang="en-US" sz="2800" b="1" dirty="0" smtClean="0">
-                <a:solidFill>
-                  <a:srgbClr val="3B3B3B"/>
-                </a:solidFill>
-                <a:latin typeface="微软雅黑" panose="020B0503020204020204" pitchFamily="34" charset="-122"/>
-                <a:ea typeface="微软雅黑" panose="020B0503020204020204" pitchFamily="34" charset="-122"/>
-                <a:cs typeface="+mn-ea"/>
-                <a:sym typeface="+mn-lt"/>
-              </a:rPr>
-              <a:t>使用</a:t>
-            </a:r>
-            <a:endParaRPr lang="zh-CN" altLang="en-US" sz="2800" b="1" dirty="0">
-              <a:solidFill>
-                <a:srgbClr val="3B3B3B"/>
-              </a:solidFill>
-              <a:latin typeface="微软雅黑" panose="020B0503020204020204" pitchFamily="34" charset="-122"/>
-              <a:ea typeface="微软雅黑" panose="020B0503020204020204" pitchFamily="34" charset="-122"/>
-              <a:cs typeface="+mn-ea"/>
-              <a:sym typeface="+mn-lt"/>
-            </a:endParaRPr>
-          </a:p>
-        </p:txBody>
-      </p:sp>
-      <p:sp>
-        <p:nvSpPr>
           <p:cNvPr id="22" name="矩形 21">
             <a:extLst>
               <a:ext uri="{FF2B5EF4-FFF2-40B4-BE49-F238E27FC236}">
@@ -10908,7 +12559,7 @@
         <p:spPr>
           <a:xfrm>
             <a:off x="539552" y="475587"/>
-            <a:ext cx="3337092" cy="707886"/>
+            <a:ext cx="6192688" cy="1323439"/>
           </a:xfrm>
           <a:prstGeom prst="rect">
             <a:avLst/>
@@ -10939,20 +12590,19 @@
                 <a:cs typeface="+mn-ea"/>
                 <a:sym typeface="+mn-lt"/>
               </a:rPr>
-              <a:t>需求</a:t>
+              <a:t>功能描述與事件條列式</a:t>
             </a:r>
-            <a:r>
-              <a:rPr lang="zh-TW" altLang="en-US" sz="4000" spc="300" dirty="0">
-                <a:solidFill>
-                  <a:srgbClr val="3B3B3B"/>
-                </a:solidFill>
-                <a:latin typeface="Bernard MT Condensed" panose="02050806060905020404" pitchFamily="18" charset="0"/>
-                <a:ea typeface="微软雅黑" panose="020B0503020204020204" pitchFamily="34" charset="-122"/>
-                <a:cs typeface="+mn-ea"/>
-                <a:sym typeface="+mn-lt"/>
-              </a:rPr>
-              <a:t>分析</a:t>
-            </a:r>
+          </a:p>
+          <a:p>
+            <a:pPr fontAlgn="auto">
+              <a:spcBef>
+                <a:spcPts val="0"/>
+              </a:spcBef>
+              <a:spcAft>
+                <a:spcPts val="0"/>
+              </a:spcAft>
+              <a:defRPr/>
+            </a:pPr>
             <a:endParaRPr lang="zh-CN" altLang="en-US" sz="4000" spc="300" dirty="0">
               <a:solidFill>
                 <a:srgbClr val="3B3B3B"/>
@@ -11019,415 +12669,318 @@
           </a:p>
         </p:txBody>
       </p:sp>
-      <p:sp>
-        <p:nvSpPr>
-          <p:cNvPr id="11" name="TextBox 7">
-            <a:extLst>
-              <a:ext uri="{FF2B5EF4-FFF2-40B4-BE49-F238E27FC236}">
-                <a16:creationId xmlns:a16="http://schemas.microsoft.com/office/drawing/2014/main" id="{DD1FF2C8-2F57-46BD-8AA8-E9BEF4EE2C43}"/>
-              </a:ext>
-            </a:extLst>
-          </p:cNvPr>
-          <p:cNvSpPr>
-            <a:spLocks noChangeArrowheads="1"/>
-          </p:cNvSpPr>
-          <p:nvPr/>
-        </p:nvSpPr>
-        <p:spPr bwMode="auto">
-          <a:xfrm>
-            <a:off x="992461" y="1630181"/>
-            <a:ext cx="7463878" cy="1215974"/>
-          </a:xfrm>
-          <a:prstGeom prst="rect">
-            <a:avLst/>
-          </a:prstGeom>
-          <a:noFill/>
-          <a:ln>
-            <a:noFill/>
-          </a:ln>
-          <a:effectLst/>
-          <a:extLst>
-            <a:ext uri="{909E8E84-426E-40DD-AFC4-6F175D3DCCD1}">
-              <a14:hiddenFill xmlns:a14="http://schemas.microsoft.com/office/drawing/2010/main">
-                <a:solidFill>
-                  <a:srgbClr val="FFFFFF"/>
-                </a:solidFill>
-              </a14:hiddenFill>
-            </a:ext>
-            <a:ext uri="{91240B29-F687-4F45-9708-019B960494DF}">
-              <a14:hiddenLine xmlns:a14="http://schemas.microsoft.com/office/drawing/2010/main" w="9525">
-                <a:solidFill>
-                  <a:srgbClr val="000000"/>
-                </a:solidFill>
-                <a:miter lim="800000"/>
-                <a:headEnd/>
-                <a:tailEnd/>
-              </a14:hiddenLine>
-            </a:ext>
-          </a:extLst>
-        </p:spPr>
-        <p:txBody>
-          <a:bodyPr wrap="square" lIns="0" tIns="0" rIns="0" bIns="0">
-            <a:spAutoFit/>
-          </a:bodyPr>
-          <a:lstStyle/>
-          <a:p>
-            <a:pPr marL="457200" indent="-457200">
-              <a:lnSpc>
-                <a:spcPct val="150000"/>
-              </a:lnSpc>
-              <a:buFont typeface="Wingdings" panose="05000000000000000000" pitchFamily="2" charset="2"/>
-              <a:buChar char="Ø"/>
-              <a:defRPr/>
-            </a:pPr>
-            <a:endParaRPr lang="en-US" altLang="zh-TW" sz="2800" b="1" dirty="0" smtClean="0">
-              <a:solidFill>
-                <a:srgbClr val="3B3B3B"/>
-              </a:solidFill>
-              <a:latin typeface="微软雅黑" panose="020B0503020204020204" pitchFamily="34" charset="-122"/>
-              <a:ea typeface="微软雅黑" panose="020B0503020204020204" pitchFamily="34" charset="-122"/>
-              <a:cs typeface="+mn-ea"/>
-              <a:sym typeface="+mn-lt"/>
-            </a:endParaRPr>
-          </a:p>
-          <a:p>
-            <a:pPr marL="457200" indent="-457200">
-              <a:lnSpc>
-                <a:spcPct val="150000"/>
-              </a:lnSpc>
-              <a:buFont typeface="Wingdings" panose="05000000000000000000" pitchFamily="2" charset="2"/>
-              <a:buChar char="Ø"/>
-              <a:defRPr/>
-            </a:pPr>
-            <a:r>
-              <a:rPr lang="zh-TW" altLang="en-US" sz="2800" b="1" dirty="0" smtClean="0">
-                <a:solidFill>
-                  <a:srgbClr val="3B3B3B"/>
-                </a:solidFill>
-                <a:latin typeface="微软雅黑" panose="020B0503020204020204" pitchFamily="34" charset="-122"/>
-                <a:ea typeface="微软雅黑" panose="020B0503020204020204" pitchFamily="34" charset="-122"/>
-                <a:cs typeface="+mn-ea"/>
-                <a:sym typeface="+mn-lt"/>
-              </a:rPr>
-              <a:t>辨別</a:t>
-            </a:r>
-            <a:r>
-              <a:rPr lang="zh-TW" altLang="en-US" sz="2800" b="1" dirty="0" smtClean="0">
-                <a:solidFill>
-                  <a:srgbClr val="3B3B3B"/>
-                </a:solidFill>
-                <a:latin typeface="微软雅黑" panose="020B0503020204020204" pitchFamily="34" charset="-122"/>
-                <a:ea typeface="微软雅黑" panose="020B0503020204020204" pitchFamily="34" charset="-122"/>
-                <a:cs typeface="+mn-ea"/>
-                <a:sym typeface="+mn-lt"/>
-              </a:rPr>
-              <a:t>聲紋</a:t>
-            </a:r>
-            <a:r>
-              <a:rPr lang="zh-TW" altLang="en-US" sz="2800" b="1" dirty="0" smtClean="0">
-                <a:solidFill>
-                  <a:srgbClr val="3B3B3B"/>
-                </a:solidFill>
-                <a:latin typeface="微軟正黑體" panose="020B0604030504040204" pitchFamily="34" charset="-120"/>
-                <a:ea typeface="微軟正黑體" panose="020B0604030504040204" pitchFamily="34" charset="-120"/>
-                <a:cs typeface="+mn-ea"/>
-                <a:sym typeface="+mn-lt"/>
-              </a:rPr>
-              <a:t>，</a:t>
-            </a:r>
-            <a:r>
-              <a:rPr lang="zh-TW" altLang="en-US" sz="2800" b="1" dirty="0" smtClean="0">
-                <a:solidFill>
-                  <a:srgbClr val="3B3B3B"/>
-                </a:solidFill>
-                <a:latin typeface="微软雅黑" panose="020B0503020204020204" pitchFamily="34" charset="-122"/>
-                <a:ea typeface="微软雅黑" panose="020B0503020204020204" pitchFamily="34" charset="-122"/>
-                <a:cs typeface="+mn-ea"/>
-                <a:sym typeface="+mn-lt"/>
-              </a:rPr>
-              <a:t>吵雜環境仍可使用</a:t>
-            </a:r>
-            <a:endParaRPr lang="zh-CN" altLang="en-US" sz="2800" b="1" dirty="0">
-              <a:solidFill>
-                <a:srgbClr val="3B3B3B"/>
-              </a:solidFill>
-              <a:latin typeface="微软雅黑" panose="020B0503020204020204" pitchFamily="34" charset="-122"/>
-              <a:ea typeface="微软雅黑" panose="020B0503020204020204" pitchFamily="34" charset="-122"/>
-              <a:cs typeface="+mn-ea"/>
-              <a:sym typeface="+mn-lt"/>
-            </a:endParaRPr>
-          </a:p>
-        </p:txBody>
-      </p:sp>
-      <p:sp>
-        <p:nvSpPr>
-          <p:cNvPr id="13" name="TextBox 7">
-            <a:extLst>
-              <a:ext uri="{FF2B5EF4-FFF2-40B4-BE49-F238E27FC236}">
-                <a16:creationId xmlns:a16="http://schemas.microsoft.com/office/drawing/2014/main" id="{DD1FF2C8-2F57-46BD-8AA8-E9BEF4EE2C43}"/>
-              </a:ext>
-            </a:extLst>
-          </p:cNvPr>
-          <p:cNvSpPr>
-            <a:spLocks noChangeArrowheads="1"/>
-          </p:cNvSpPr>
-          <p:nvPr/>
-        </p:nvSpPr>
-        <p:spPr bwMode="auto">
-          <a:xfrm>
-            <a:off x="1144861" y="1782581"/>
-            <a:ext cx="7463878" cy="1862882"/>
-          </a:xfrm>
-          <a:prstGeom prst="rect">
-            <a:avLst/>
-          </a:prstGeom>
-          <a:noFill/>
-          <a:ln>
-            <a:noFill/>
-          </a:ln>
-          <a:effectLst/>
-          <a:extLst>
-            <a:ext uri="{909E8E84-426E-40DD-AFC4-6F175D3DCCD1}">
-              <a14:hiddenFill xmlns:a14="http://schemas.microsoft.com/office/drawing/2010/main">
-                <a:solidFill>
-                  <a:srgbClr val="FFFFFF"/>
-                </a:solidFill>
-              </a14:hiddenFill>
-            </a:ext>
-            <a:ext uri="{91240B29-F687-4F45-9708-019B960494DF}">
-              <a14:hiddenLine xmlns:a14="http://schemas.microsoft.com/office/drawing/2010/main" w="9525">
-                <a:solidFill>
-                  <a:srgbClr val="000000"/>
-                </a:solidFill>
-                <a:miter lim="800000"/>
-                <a:headEnd/>
-                <a:tailEnd/>
-              </a14:hiddenLine>
-            </a:ext>
-          </a:extLst>
-        </p:spPr>
-        <p:txBody>
-          <a:bodyPr wrap="square" lIns="0" tIns="0" rIns="0" bIns="0">
-            <a:spAutoFit/>
-          </a:bodyPr>
-          <a:lstStyle/>
-          <a:p>
-            <a:pPr marL="457200" indent="-457200">
-              <a:lnSpc>
-                <a:spcPct val="150000"/>
-              </a:lnSpc>
-              <a:buFont typeface="Wingdings" panose="05000000000000000000" pitchFamily="2" charset="2"/>
-              <a:buChar char="Ø"/>
-              <a:defRPr/>
-            </a:pPr>
-            <a:endParaRPr lang="en-US" altLang="zh-TW" sz="2800" b="1" dirty="0" smtClean="0">
-              <a:solidFill>
-                <a:srgbClr val="3B3B3B"/>
-              </a:solidFill>
-              <a:latin typeface="微软雅黑" panose="020B0503020204020204" pitchFamily="34" charset="-122"/>
-              <a:ea typeface="微软雅黑" panose="020B0503020204020204" pitchFamily="34" charset="-122"/>
-              <a:cs typeface="+mn-ea"/>
-              <a:sym typeface="+mn-lt"/>
-            </a:endParaRPr>
-          </a:p>
-          <a:p>
-            <a:pPr marL="457200" indent="-457200">
-              <a:lnSpc>
-                <a:spcPct val="150000"/>
-              </a:lnSpc>
-              <a:buFont typeface="Wingdings" panose="05000000000000000000" pitchFamily="2" charset="2"/>
-              <a:buChar char="Ø"/>
-              <a:defRPr/>
-            </a:pPr>
-            <a:endParaRPr lang="en-US" altLang="zh-TW" sz="2800" b="1" dirty="0">
-              <a:solidFill>
-                <a:srgbClr val="3B3B3B"/>
-              </a:solidFill>
-              <a:latin typeface="微软雅黑" panose="020B0503020204020204" pitchFamily="34" charset="-122"/>
-              <a:ea typeface="微软雅黑" panose="020B0503020204020204" pitchFamily="34" charset="-122"/>
-              <a:cs typeface="+mn-ea"/>
-              <a:sym typeface="+mn-lt"/>
-            </a:endParaRPr>
-          </a:p>
-          <a:p>
-            <a:pPr marL="457200" indent="-457200">
-              <a:lnSpc>
-                <a:spcPct val="150000"/>
-              </a:lnSpc>
-              <a:buFont typeface="Wingdings" panose="05000000000000000000" pitchFamily="2" charset="2"/>
-              <a:buChar char="Ø"/>
-              <a:defRPr/>
-            </a:pPr>
-            <a:r>
-              <a:rPr lang="zh-TW" altLang="en-US" sz="2800" b="1" dirty="0" smtClean="0">
-                <a:solidFill>
-                  <a:srgbClr val="3B3B3B"/>
-                </a:solidFill>
-                <a:latin typeface="微软雅黑" panose="020B0503020204020204" pitchFamily="34" charset="-122"/>
-                <a:ea typeface="微软雅黑" panose="020B0503020204020204" pitchFamily="34" charset="-122"/>
-                <a:cs typeface="+mn-ea"/>
-                <a:sym typeface="+mn-lt"/>
-              </a:rPr>
-              <a:t>側方說明欄可獲得更多操作資訊</a:t>
-            </a:r>
-            <a:endParaRPr lang="en-US" altLang="zh-TW" sz="2800" b="1" dirty="0" smtClean="0">
-              <a:solidFill>
-                <a:srgbClr val="3B3B3B"/>
-              </a:solidFill>
-              <a:latin typeface="微软雅黑" panose="020B0503020204020204" pitchFamily="34" charset="-122"/>
-              <a:ea typeface="微软雅黑" panose="020B0503020204020204" pitchFamily="34" charset="-122"/>
-              <a:cs typeface="+mn-ea"/>
-              <a:sym typeface="+mn-lt"/>
-            </a:endParaRPr>
-          </a:p>
-        </p:txBody>
-      </p:sp>
-      <p:sp>
-        <p:nvSpPr>
-          <p:cNvPr id="14" name="TextBox 7">
-            <a:extLst>
-              <a:ext uri="{FF2B5EF4-FFF2-40B4-BE49-F238E27FC236}">
-                <a16:creationId xmlns:a16="http://schemas.microsoft.com/office/drawing/2014/main" id="{DD1FF2C8-2F57-46BD-8AA8-E9BEF4EE2C43}"/>
-              </a:ext>
-            </a:extLst>
-          </p:cNvPr>
-          <p:cNvSpPr>
-            <a:spLocks noChangeArrowheads="1"/>
-          </p:cNvSpPr>
-          <p:nvPr/>
-        </p:nvSpPr>
-        <p:spPr bwMode="auto">
-          <a:xfrm>
-            <a:off x="1297261" y="1934981"/>
-            <a:ext cx="7463878" cy="2509213"/>
-          </a:xfrm>
-          <a:prstGeom prst="rect">
-            <a:avLst/>
-          </a:prstGeom>
-          <a:noFill/>
-          <a:ln>
-            <a:noFill/>
-          </a:ln>
-          <a:effectLst/>
-          <a:extLst>
-            <a:ext uri="{909E8E84-426E-40DD-AFC4-6F175D3DCCD1}">
-              <a14:hiddenFill xmlns:a14="http://schemas.microsoft.com/office/drawing/2010/main">
-                <a:solidFill>
-                  <a:srgbClr val="FFFFFF"/>
-                </a:solidFill>
-              </a14:hiddenFill>
-            </a:ext>
-            <a:ext uri="{91240B29-F687-4F45-9708-019B960494DF}">
-              <a14:hiddenLine xmlns:a14="http://schemas.microsoft.com/office/drawing/2010/main" w="9525">
-                <a:solidFill>
-                  <a:srgbClr val="000000"/>
-                </a:solidFill>
-                <a:miter lim="800000"/>
-                <a:headEnd/>
-                <a:tailEnd/>
-              </a14:hiddenLine>
-            </a:ext>
-          </a:extLst>
-        </p:spPr>
-        <p:txBody>
-          <a:bodyPr wrap="square" lIns="0" tIns="0" rIns="0" bIns="0">
-            <a:spAutoFit/>
-          </a:bodyPr>
-          <a:lstStyle/>
-          <a:p>
-            <a:pPr marL="457200" indent="-457200">
-              <a:lnSpc>
-                <a:spcPct val="150000"/>
-              </a:lnSpc>
-              <a:buFont typeface="Wingdings" panose="05000000000000000000" pitchFamily="2" charset="2"/>
-              <a:buChar char="Ø"/>
-              <a:defRPr/>
-            </a:pPr>
-            <a:endParaRPr lang="en-US" altLang="zh-TW" sz="2800" b="1" dirty="0" smtClean="0">
-              <a:solidFill>
-                <a:srgbClr val="3B3B3B"/>
-              </a:solidFill>
-              <a:latin typeface="微软雅黑" panose="020B0503020204020204" pitchFamily="34" charset="-122"/>
-              <a:ea typeface="微软雅黑" panose="020B0503020204020204" pitchFamily="34" charset="-122"/>
-              <a:cs typeface="+mn-ea"/>
-              <a:sym typeface="+mn-lt"/>
-            </a:endParaRPr>
-          </a:p>
-          <a:p>
-            <a:pPr marL="457200" indent="-457200">
-              <a:lnSpc>
-                <a:spcPct val="150000"/>
-              </a:lnSpc>
-              <a:buFont typeface="Wingdings" panose="05000000000000000000" pitchFamily="2" charset="2"/>
-              <a:buChar char="Ø"/>
-              <a:defRPr/>
-            </a:pPr>
-            <a:endParaRPr lang="en-US" altLang="zh-TW" sz="2800" b="1" dirty="0">
-              <a:solidFill>
-                <a:srgbClr val="3B3B3B"/>
-              </a:solidFill>
-              <a:latin typeface="微软雅黑" panose="020B0503020204020204" pitchFamily="34" charset="-122"/>
-              <a:ea typeface="微软雅黑" panose="020B0503020204020204" pitchFamily="34" charset="-122"/>
-              <a:cs typeface="+mn-ea"/>
-              <a:sym typeface="+mn-lt"/>
-            </a:endParaRPr>
-          </a:p>
-          <a:p>
-            <a:pPr marL="457200" indent="-457200">
-              <a:lnSpc>
-                <a:spcPct val="150000"/>
-              </a:lnSpc>
-              <a:buFont typeface="Wingdings" panose="05000000000000000000" pitchFamily="2" charset="2"/>
-              <a:buChar char="Ø"/>
-              <a:defRPr/>
-            </a:pPr>
-            <a:endParaRPr lang="en-US" altLang="zh-TW" sz="2800" b="1" dirty="0" smtClean="0">
-              <a:solidFill>
-                <a:srgbClr val="3B3B3B"/>
-              </a:solidFill>
-              <a:latin typeface="微软雅黑" panose="020B0503020204020204" pitchFamily="34" charset="-122"/>
-              <a:ea typeface="微软雅黑" panose="020B0503020204020204" pitchFamily="34" charset="-122"/>
-              <a:cs typeface="+mn-ea"/>
-              <a:sym typeface="+mn-lt"/>
-            </a:endParaRPr>
-          </a:p>
-          <a:p>
-            <a:pPr marL="457200" indent="-457200">
-              <a:lnSpc>
-                <a:spcPct val="150000"/>
-              </a:lnSpc>
-              <a:buFont typeface="Wingdings" panose="05000000000000000000" pitchFamily="2" charset="2"/>
-              <a:buChar char="Ø"/>
-              <a:defRPr/>
-            </a:pPr>
-            <a:r>
-              <a:rPr lang="zh-TW" altLang="en-US" sz="2800" b="1" dirty="0" smtClean="0">
-                <a:solidFill>
-                  <a:srgbClr val="3B3B3B"/>
-                </a:solidFill>
-                <a:latin typeface="微软雅黑" panose="020B0503020204020204" pitchFamily="34" charset="-122"/>
-                <a:ea typeface="微软雅黑" panose="020B0503020204020204" pitchFamily="34" charset="-122"/>
-                <a:cs typeface="+mn-ea"/>
-                <a:sym typeface="+mn-lt"/>
-              </a:rPr>
-              <a:t>說出飲料名稱</a:t>
-            </a:r>
-            <a:endParaRPr lang="zh-CN" altLang="en-US" sz="2800" b="1" dirty="0">
-              <a:solidFill>
-                <a:srgbClr val="3B3B3B"/>
-              </a:solidFill>
-              <a:latin typeface="微软雅黑" panose="020B0503020204020204" pitchFamily="34" charset="-122"/>
-              <a:ea typeface="微软雅黑" panose="020B0503020204020204" pitchFamily="34" charset="-122"/>
-              <a:cs typeface="+mn-ea"/>
-              <a:sym typeface="+mn-lt"/>
-            </a:endParaRPr>
-          </a:p>
-        </p:txBody>
-      </p:sp>
+      <p:graphicFrame>
+        <p:nvGraphicFramePr>
+          <p:cNvPr id="3" name="表格 2"/>
+          <p:cNvGraphicFramePr>
+            <a:graphicFrameLocks noGrp="1"/>
+          </p:cNvGraphicFramePr>
+          <p:nvPr>
+            <p:extLst>
+              <p:ext uri="{D42A27DB-BD31-4B8C-83A1-F6EECF244321}">
+                <p14:modId xmlns:p14="http://schemas.microsoft.com/office/powerpoint/2010/main" val="4174271744"/>
+              </p:ext>
+            </p:extLst>
+          </p:nvPr>
+        </p:nvGraphicFramePr>
+        <p:xfrm>
+          <a:off x="708248" y="1265437"/>
+          <a:ext cx="6600056" cy="3394546"/>
+        </p:xfrm>
+        <a:graphic>
+          <a:graphicData uri="http://schemas.openxmlformats.org/drawingml/2006/table">
+            <a:tbl>
+              <a:tblPr firstRow="1" bandRow="1">
+                <a:tableStyleId>{5C22544A-7EE6-4342-B048-85BDC9FD1C3A}</a:tableStyleId>
+              </a:tblPr>
+              <a:tblGrid>
+                <a:gridCol w="3264024">
+                  <a:extLst>
+                    <a:ext uri="{9D8B030D-6E8A-4147-A177-3AD203B41FA5}">
+                      <a16:colId xmlns:a16="http://schemas.microsoft.com/office/drawing/2014/main" val="3017139644"/>
+                    </a:ext>
+                  </a:extLst>
+                </a:gridCol>
+                <a:gridCol w="3336032">
+                  <a:extLst>
+                    <a:ext uri="{9D8B030D-6E8A-4147-A177-3AD203B41FA5}">
+                      <a16:colId xmlns:a16="http://schemas.microsoft.com/office/drawing/2014/main" val="2409217298"/>
+                    </a:ext>
+                  </a:extLst>
+                </a:gridCol>
+              </a:tblGrid>
+              <a:tr h="938802">
+                <a:tc>
+                  <a:txBody>
+                    <a:bodyPr/>
+                    <a:lstStyle/>
+                    <a:p>
+                      <a:pPr algn="ctr">
+                        <a:lnSpc>
+                          <a:spcPct val="100000"/>
+                        </a:lnSpc>
+                      </a:pPr>
+                      <a:r>
+                        <a:rPr lang="zh-TW" altLang="en-US" sz="2800" dirty="0" smtClean="0"/>
+                        <a:t>描述性項目</a:t>
+                      </a:r>
+                      <a:endParaRPr lang="zh-TW" altLang="en-US" sz="2800" dirty="0"/>
+                    </a:p>
+                  </a:txBody>
+                  <a:tcPr anchor="ctr"/>
+                </a:tc>
+                <a:tc>
+                  <a:txBody>
+                    <a:bodyPr/>
+                    <a:lstStyle/>
+                    <a:p>
+                      <a:pPr algn="ctr">
+                        <a:lnSpc>
+                          <a:spcPct val="100000"/>
+                        </a:lnSpc>
+                      </a:pPr>
+                      <a:r>
+                        <a:rPr lang="zh-TW" altLang="en-US" sz="2800" dirty="0" smtClean="0"/>
+                        <a:t>事件條列式</a:t>
+                      </a:r>
+                    </a:p>
+                  </a:txBody>
+                  <a:tcPr anchor="ctr"/>
+                </a:tc>
+                <a:extLst>
+                  <a:ext uri="{0D108BD9-81ED-4DB2-BD59-A6C34878D82A}">
+                    <a16:rowId xmlns:a16="http://schemas.microsoft.com/office/drawing/2014/main" val="779287462"/>
+                  </a:ext>
+                </a:extLst>
+              </a:tr>
+              <a:tr h="758471">
+                <a:tc>
+                  <a:txBody>
+                    <a:bodyPr/>
+                    <a:lstStyle/>
+                    <a:p>
+                      <a:pPr marL="252000" indent="-457200">
+                        <a:lnSpc>
+                          <a:spcPct val="100000"/>
+                        </a:lnSpc>
+                      </a:pPr>
+                      <a:r>
+                        <a:rPr lang="en-US" altLang="zh-TW" sz="2000" dirty="0" smtClean="0"/>
+                        <a:t>1. </a:t>
+                      </a:r>
+                      <a:r>
+                        <a:rPr lang="zh-TW" altLang="en-US" sz="2000" dirty="0" smtClean="0"/>
+                        <a:t>每天第一次使用時，需將電源開啟</a:t>
+                      </a:r>
+                      <a:endParaRPr lang="zh-TW" altLang="en-US" sz="2000" dirty="0"/>
+                    </a:p>
+                  </a:txBody>
+                  <a:tcPr anchor="ctr"/>
+                </a:tc>
+                <a:tc>
+                  <a:txBody>
+                    <a:bodyPr/>
+                    <a:lstStyle/>
+                    <a:p>
+                      <a:pPr>
+                        <a:lnSpc>
+                          <a:spcPct val="100000"/>
+                        </a:lnSpc>
+                      </a:pPr>
+                      <a:r>
+                        <a:rPr lang="zh-TW" altLang="en-US" sz="2000" dirty="0" smtClean="0"/>
+                        <a:t>用戶</a:t>
+                      </a:r>
+                      <a:r>
+                        <a:rPr lang="en-US" altLang="zh-TW" sz="2000" dirty="0" smtClean="0"/>
+                        <a:t>+</a:t>
+                      </a:r>
+                      <a:r>
+                        <a:rPr lang="zh-TW" altLang="en-US" sz="2000" dirty="0" smtClean="0"/>
+                        <a:t>啟動開關</a:t>
+                      </a:r>
+                      <a:endParaRPr lang="zh-TW" altLang="en-US" sz="2000" dirty="0"/>
+                    </a:p>
+                  </a:txBody>
+                  <a:tcPr anchor="ctr"/>
+                </a:tc>
+                <a:extLst>
+                  <a:ext uri="{0D108BD9-81ED-4DB2-BD59-A6C34878D82A}">
+                    <a16:rowId xmlns:a16="http://schemas.microsoft.com/office/drawing/2014/main" val="3696653689"/>
+                  </a:ext>
+                </a:extLst>
+              </a:tr>
+              <a:tr h="938802">
+                <a:tc>
+                  <a:txBody>
+                    <a:bodyPr/>
+                    <a:lstStyle/>
+                    <a:p>
+                      <a:pPr marL="252000" marR="0" indent="-457200" algn="l" defTabSz="914400" rtl="0" eaLnBrk="1" fontAlgn="auto" latinLnBrk="0" hangingPunct="1">
+                        <a:lnSpc>
+                          <a:spcPct val="100000"/>
+                        </a:lnSpc>
+                        <a:spcBef>
+                          <a:spcPts val="0"/>
+                        </a:spcBef>
+                        <a:spcAft>
+                          <a:spcPts val="0"/>
+                        </a:spcAft>
+                        <a:buClrTx/>
+                        <a:buSzTx/>
+                        <a:buFontTx/>
+                        <a:buNone/>
+                        <a:tabLst/>
+                        <a:defRPr/>
+                      </a:pPr>
+                      <a:r>
+                        <a:rPr lang="en-US" altLang="zh-TW" sz="2000" dirty="0" smtClean="0"/>
+                        <a:t>2. </a:t>
+                      </a:r>
+                      <a:r>
+                        <a:rPr lang="zh-TW" altLang="en-US" sz="2000" dirty="0" smtClean="0"/>
+                        <a:t>初始者使用時需先錄製聲紋以紀錄</a:t>
+                      </a:r>
+                    </a:p>
+                  </a:txBody>
+                  <a:tcPr anchor="ctr"/>
+                </a:tc>
+                <a:tc>
+                  <a:txBody>
+                    <a:bodyPr/>
+                    <a:lstStyle/>
+                    <a:p>
+                      <a:pPr marL="0" marR="0" indent="0" algn="l" defTabSz="914400" rtl="0" eaLnBrk="1" fontAlgn="auto" latinLnBrk="0" hangingPunct="1">
+                        <a:lnSpc>
+                          <a:spcPct val="100000"/>
+                        </a:lnSpc>
+                        <a:spcBef>
+                          <a:spcPts val="0"/>
+                        </a:spcBef>
+                        <a:spcAft>
+                          <a:spcPts val="0"/>
+                        </a:spcAft>
+                        <a:buClrTx/>
+                        <a:buSzTx/>
+                        <a:buFontTx/>
+                        <a:buNone/>
+                        <a:tabLst/>
+                        <a:defRPr/>
+                      </a:pPr>
+                      <a:r>
+                        <a:rPr lang="zh-TW" altLang="en-US" sz="2000" dirty="0" smtClean="0"/>
+                        <a:t>用戶</a:t>
+                      </a:r>
+                      <a:r>
+                        <a:rPr lang="en-US" altLang="zh-TW" sz="2000" dirty="0" smtClean="0"/>
+                        <a:t>+</a:t>
+                      </a:r>
+                      <a:r>
+                        <a:rPr lang="zh-TW" altLang="en-US" sz="2000" dirty="0" smtClean="0"/>
+                        <a:t>錄製</a:t>
+                      </a:r>
+                      <a:r>
+                        <a:rPr lang="en-US" altLang="zh-TW" sz="2000" dirty="0" smtClean="0"/>
+                        <a:t>+</a:t>
+                      </a:r>
+                      <a:r>
+                        <a:rPr lang="zh-TW" altLang="en-US" sz="2000" dirty="0" smtClean="0"/>
+                        <a:t>聲紋紀錄</a:t>
+                      </a:r>
+                    </a:p>
+                  </a:txBody>
+                  <a:tcPr anchor="ctr"/>
+                </a:tc>
+                <a:extLst>
+                  <a:ext uri="{0D108BD9-81ED-4DB2-BD59-A6C34878D82A}">
+                    <a16:rowId xmlns:a16="http://schemas.microsoft.com/office/drawing/2014/main" val="1044804937"/>
+                  </a:ext>
+                </a:extLst>
+              </a:tr>
+              <a:tr h="758471">
+                <a:tc>
+                  <a:txBody>
+                    <a:bodyPr/>
+                    <a:lstStyle/>
+                    <a:p>
+                      <a:pPr marL="252000" indent="-457200">
+                        <a:lnSpc>
+                          <a:spcPct val="100000"/>
+                        </a:lnSpc>
+                      </a:pPr>
+                      <a:r>
+                        <a:rPr lang="en-US" altLang="zh-TW" sz="2000" dirty="0" smtClean="0"/>
+                        <a:t>3. </a:t>
+                      </a:r>
+                      <a:r>
+                        <a:rPr lang="zh-TW" altLang="en-US" sz="2000" dirty="0" smtClean="0"/>
+                        <a:t>側方有使用說明，方便初始用者使用</a:t>
+                      </a:r>
+                      <a:endParaRPr lang="zh-TW" altLang="en-US" sz="2000" dirty="0"/>
+                    </a:p>
+                  </a:txBody>
+                  <a:tcPr anchor="ctr"/>
+                </a:tc>
+                <a:tc>
+                  <a:txBody>
+                    <a:bodyPr/>
+                    <a:lstStyle/>
+                    <a:p>
+                      <a:pPr marL="0" marR="0" indent="0" algn="l" defTabSz="914400" rtl="0" eaLnBrk="1" fontAlgn="auto" latinLnBrk="0" hangingPunct="1">
+                        <a:lnSpc>
+                          <a:spcPct val="100000"/>
+                        </a:lnSpc>
+                        <a:spcBef>
+                          <a:spcPts val="0"/>
+                        </a:spcBef>
+                        <a:spcAft>
+                          <a:spcPts val="0"/>
+                        </a:spcAft>
+                        <a:buClrTx/>
+                        <a:buSzTx/>
+                        <a:buFontTx/>
+                        <a:buNone/>
+                        <a:tabLst/>
+                        <a:defRPr/>
+                      </a:pPr>
+                      <a:r>
+                        <a:rPr lang="zh-TW" altLang="en-US" sz="2000" dirty="0" smtClean="0"/>
+                        <a:t>用戶</a:t>
+                      </a:r>
+                      <a:r>
+                        <a:rPr lang="en-US" altLang="zh-TW" sz="2000" dirty="0" smtClean="0"/>
+                        <a:t>+</a:t>
+                      </a:r>
+                      <a:r>
+                        <a:rPr lang="zh-TW" altLang="en-US" sz="2000" dirty="0" smtClean="0"/>
+                        <a:t>檢視</a:t>
+                      </a:r>
+                      <a:r>
+                        <a:rPr lang="en-US" altLang="zh-TW" sz="2000" dirty="0" smtClean="0"/>
+                        <a:t>+</a:t>
+                      </a:r>
+                      <a:r>
+                        <a:rPr lang="zh-TW" altLang="en-US" sz="2000" dirty="0" smtClean="0"/>
+                        <a:t>使用說明表</a:t>
+                      </a:r>
+                    </a:p>
+                  </a:txBody>
+                  <a:tcPr anchor="ctr"/>
+                </a:tc>
+                <a:extLst>
+                  <a:ext uri="{0D108BD9-81ED-4DB2-BD59-A6C34878D82A}">
+                    <a16:rowId xmlns:a16="http://schemas.microsoft.com/office/drawing/2014/main" val="376662139"/>
+                  </a:ext>
+                </a:extLst>
+              </a:tr>
+            </a:tbl>
+          </a:graphicData>
+        </a:graphic>
+      </p:graphicFrame>
     </p:spTree>
     <p:extLst>
       <p:ext uri="{BB962C8B-B14F-4D97-AF65-F5344CB8AC3E}">
-        <p14:creationId xmlns:p14="http://schemas.microsoft.com/office/powerpoint/2010/main" val="2650155025"/>
+        <p14:creationId xmlns:p14="http://schemas.microsoft.com/office/powerpoint/2010/main" val="1086713519"/>
       </p:ext>
     </p:extLst>
   </p:cSld>
@@ -11695,218 +13248,6 @@
                       </p:childTnLst>
                     </p:cTn>
                   </p:par>
-                  <p:par>
-                    <p:cTn id="20" fill="hold">
-                      <p:stCondLst>
-                        <p:cond delay="indefinite"/>
-                      </p:stCondLst>
-                      <p:childTnLst>
-                        <p:par>
-                          <p:cTn id="21" fill="hold">
-                            <p:stCondLst>
-                              <p:cond delay="0"/>
-                            </p:stCondLst>
-                            <p:childTnLst>
-                              <p:par>
-                                <p:cTn id="22" presetID="14" presetClass="entr" presetSubtype="10" fill="hold" grpId="0" nodeType="clickEffect">
-                                  <p:stCondLst>
-                                    <p:cond delay="0"/>
-                                  </p:stCondLst>
-                                  <p:childTnLst>
-                                    <p:set>
-                                      <p:cBhvr>
-                                        <p:cTn id="23" dur="1" fill="hold">
-                                          <p:stCondLst>
-                                            <p:cond delay="0"/>
-                                          </p:stCondLst>
-                                        </p:cTn>
-                                        <p:tgtEl>
-                                          <p:spTgt spid="21"/>
-                                        </p:tgtEl>
-                                        <p:attrNameLst>
-                                          <p:attrName>style.visibility</p:attrName>
-                                        </p:attrNameLst>
-                                      </p:cBhvr>
-                                      <p:to>
-                                        <p:strVal val="visible"/>
-                                      </p:to>
-                                    </p:set>
-                                    <p:animEffect transition="in" filter="randombar(horizontal)">
-                                      <p:cBhvr>
-                                        <p:cTn id="24" dur="500"/>
-                                        <p:tgtEl>
-                                          <p:spTgt spid="21"/>
-                                        </p:tgtEl>
-                                      </p:cBhvr>
-                                    </p:animEffect>
-                                  </p:childTnLst>
-                                </p:cTn>
-                              </p:par>
-                            </p:childTnLst>
-                          </p:cTn>
-                        </p:par>
-                      </p:childTnLst>
-                    </p:cTn>
-                  </p:par>
-                  <p:par>
-                    <p:cTn id="25" fill="hold">
-                      <p:stCondLst>
-                        <p:cond delay="indefinite"/>
-                      </p:stCondLst>
-                      <p:childTnLst>
-                        <p:par>
-                          <p:cTn id="26" fill="hold">
-                            <p:stCondLst>
-                              <p:cond delay="0"/>
-                            </p:stCondLst>
-                            <p:childTnLst>
-                              <p:par>
-                                <p:cTn id="27" presetID="14" presetClass="entr" presetSubtype="10" fill="hold" grpId="0" nodeType="clickEffect">
-                                  <p:stCondLst>
-                                    <p:cond delay="0"/>
-                                  </p:stCondLst>
-                                  <p:childTnLst>
-                                    <p:set>
-                                      <p:cBhvr>
-                                        <p:cTn id="28" dur="1" fill="hold">
-                                          <p:stCondLst>
-                                            <p:cond delay="0"/>
-                                          </p:stCondLst>
-                                        </p:cTn>
-                                        <p:tgtEl>
-                                          <p:spTgt spid="11"/>
-                                        </p:tgtEl>
-                                        <p:attrNameLst>
-                                          <p:attrName>style.visibility</p:attrName>
-                                        </p:attrNameLst>
-                                      </p:cBhvr>
-                                      <p:to>
-                                        <p:strVal val="visible"/>
-                                      </p:to>
-                                    </p:set>
-                                    <p:animEffect transition="in" filter="randombar(horizontal)">
-                                      <p:cBhvr>
-                                        <p:cTn id="29" dur="500"/>
-                                        <p:tgtEl>
-                                          <p:spTgt spid="11"/>
-                                        </p:tgtEl>
-                                      </p:cBhvr>
-                                    </p:animEffect>
-                                  </p:childTnLst>
-                                </p:cTn>
-                              </p:par>
-                            </p:childTnLst>
-                          </p:cTn>
-                        </p:par>
-                      </p:childTnLst>
-                    </p:cTn>
-                  </p:par>
-                  <p:par>
-                    <p:cTn id="30" fill="hold">
-                      <p:stCondLst>
-                        <p:cond delay="indefinite"/>
-                      </p:stCondLst>
-                      <p:childTnLst>
-                        <p:par>
-                          <p:cTn id="31" fill="hold">
-                            <p:stCondLst>
-                              <p:cond delay="0"/>
-                            </p:stCondLst>
-                            <p:childTnLst>
-                              <p:par>
-                                <p:cTn id="32" presetID="14" presetClass="entr" presetSubtype="10" fill="hold" grpId="0" nodeType="clickEffect">
-                                  <p:stCondLst>
-                                    <p:cond delay="0"/>
-                                  </p:stCondLst>
-                                  <p:childTnLst>
-                                    <p:set>
-                                      <p:cBhvr>
-                                        <p:cTn id="33" dur="1" fill="hold">
-                                          <p:stCondLst>
-                                            <p:cond delay="0"/>
-                                          </p:stCondLst>
-                                        </p:cTn>
-                                        <p:tgtEl>
-                                          <p:spTgt spid="13"/>
-                                        </p:tgtEl>
-                                        <p:attrNameLst>
-                                          <p:attrName>style.visibility</p:attrName>
-                                        </p:attrNameLst>
-                                      </p:cBhvr>
-                                      <p:to>
-                                        <p:strVal val="visible"/>
-                                      </p:to>
-                                    </p:set>
-                                    <p:animEffect transition="in" filter="randombar(horizontal)">
-                                      <p:cBhvr>
-                                        <p:cTn id="34" dur="500"/>
-                                        <p:tgtEl>
-                                          <p:spTgt spid="13"/>
-                                        </p:tgtEl>
-                                      </p:cBhvr>
-                                    </p:animEffect>
-                                  </p:childTnLst>
-                                </p:cTn>
-                              </p:par>
-                            </p:childTnLst>
-                          </p:cTn>
-                        </p:par>
-                      </p:childTnLst>
-                    </p:cTn>
-                  </p:par>
-                  <p:par>
-                    <p:cTn id="35" fill="hold">
-                      <p:stCondLst>
-                        <p:cond delay="indefinite"/>
-                      </p:stCondLst>
-                      <p:childTnLst>
-                        <p:par>
-                          <p:cTn id="36" fill="hold">
-                            <p:stCondLst>
-                              <p:cond delay="0"/>
-                            </p:stCondLst>
-                            <p:childTnLst>
-                              <p:par>
-                                <p:cTn id="37" presetID="14" presetClass="entr" presetSubtype="10" fill="hold" grpId="0" nodeType="clickEffect">
-                                  <p:stCondLst>
-                                    <p:cond delay="0"/>
-                                  </p:stCondLst>
-                                  <p:childTnLst>
-                                    <p:set>
-                                      <p:cBhvr>
-                                        <p:cTn id="38" dur="1" fill="hold">
-                                          <p:stCondLst>
-                                            <p:cond delay="0"/>
-                                          </p:stCondLst>
-                                        </p:cTn>
-                                        <p:tgtEl>
-                                          <p:spTgt spid="14"/>
-                                        </p:tgtEl>
-                                        <p:attrNameLst>
-                                          <p:attrName>style.visibility</p:attrName>
-                                        </p:attrNameLst>
-                                      </p:cBhvr>
-                                      <p:to>
-                                        <p:strVal val="visible"/>
-                                      </p:to>
-                                    </p:set>
-                                    <p:animEffect transition="in" filter="randombar(horizontal)">
-                                      <p:cBhvr>
-                                        <p:cTn id="39" dur="500"/>
-                                        <p:tgtEl>
-                                          <p:spTgt spid="14"/>
-                                        </p:tgtEl>
-                                      </p:cBhvr>
-                                    </p:animEffect>
-                                  </p:childTnLst>
-                                </p:cTn>
-                              </p:par>
-                            </p:childTnLst>
-                          </p:cTn>
-                        </p:par>
-                      </p:childTnLst>
-                    </p:cTn>
-                  </p:par>
                 </p:childTnLst>
               </p:cTn>
               <p:prevCondLst>
@@ -11931,12 +13272,8 @@
     <p:bldLst>
       <p:bldP spid="24" grpId="0" animBg="1"/>
       <p:bldP spid="12" grpId="0" animBg="1"/>
-      <p:bldP spid="21" grpId="0"/>
       <p:bldP spid="22" grpId="0"/>
       <p:bldP spid="23" grpId="0" animBg="1"/>
-      <p:bldP spid="11" grpId="0"/>
-      <p:bldP spid="13" grpId="0"/>
-      <p:bldP spid="14" grpId="0"/>
     </p:bldLst>
   </p:timing>
 </p:sld>
@@ -12139,127 +13476,6 @@
       </p:sp>
       <p:sp>
         <p:nvSpPr>
-          <p:cNvPr id="21" name="TextBox 7">
-            <a:extLst>
-              <a:ext uri="{FF2B5EF4-FFF2-40B4-BE49-F238E27FC236}">
-                <a16:creationId xmlns:a16="http://schemas.microsoft.com/office/drawing/2014/main" id="{DD1FF2C8-2F57-46BD-8AA8-E9BEF4EE2C43}"/>
-              </a:ext>
-            </a:extLst>
-          </p:cNvPr>
-          <p:cNvSpPr>
-            <a:spLocks noChangeArrowheads="1"/>
-          </p:cNvSpPr>
-          <p:nvPr/>
-        </p:nvSpPr>
-        <p:spPr bwMode="auto">
-          <a:xfrm>
-            <a:off x="840061" y="1391566"/>
-            <a:ext cx="7463878" cy="570221"/>
-          </a:xfrm>
-          <a:prstGeom prst="rect">
-            <a:avLst/>
-          </a:prstGeom>
-          <a:noFill/>
-          <a:ln>
-            <a:noFill/>
-          </a:ln>
-          <a:effectLst/>
-          <a:extLst>
-            <a:ext uri="{909E8E84-426E-40DD-AFC4-6F175D3DCCD1}">
-              <a14:hiddenFill xmlns:a14="http://schemas.microsoft.com/office/drawing/2010/main">
-                <a:solidFill>
-                  <a:srgbClr val="FFFFFF"/>
-                </a:solidFill>
-              </a14:hiddenFill>
-            </a:ext>
-            <a:ext uri="{91240B29-F687-4F45-9708-019B960494DF}">
-              <a14:hiddenLine xmlns:a14="http://schemas.microsoft.com/office/drawing/2010/main" w="9525">
-                <a:solidFill>
-                  <a:srgbClr val="000000"/>
-                </a:solidFill>
-                <a:miter lim="800000"/>
-                <a:headEnd/>
-                <a:tailEnd/>
-              </a14:hiddenLine>
-            </a:ext>
-          </a:extLst>
-        </p:spPr>
-        <p:txBody>
-          <a:bodyPr wrap="square" lIns="0" tIns="0" rIns="0" bIns="0">
-            <a:spAutoFit/>
-          </a:bodyPr>
-          <a:lstStyle/>
-          <a:p>
-            <a:pPr marL="514350" indent="-514350">
-              <a:lnSpc>
-                <a:spcPct val="150000"/>
-              </a:lnSpc>
-              <a:buFont typeface="Wingdings" panose="05000000000000000000" pitchFamily="2" charset="2"/>
-              <a:buChar char="Ø"/>
-              <a:defRPr/>
-            </a:pPr>
-            <a:r>
-              <a:rPr lang="zh-TW" altLang="en-US" sz="2800" b="1" dirty="0" smtClean="0">
-                <a:solidFill>
-                  <a:srgbClr val="3B3B3B"/>
-                </a:solidFill>
-                <a:latin typeface="微软雅黑" panose="020B0503020204020204" pitchFamily="34" charset="-122"/>
-                <a:ea typeface="微软雅黑" panose="020B0503020204020204" pitchFamily="34" charset="-122"/>
-                <a:cs typeface="+mn-ea"/>
-                <a:sym typeface="+mn-lt"/>
-              </a:rPr>
-              <a:t>按</a:t>
-            </a:r>
-            <a:r>
-              <a:rPr lang="zh-TW" altLang="en-US" sz="2800" b="1" dirty="0">
-                <a:solidFill>
-                  <a:srgbClr val="3B3B3B"/>
-                </a:solidFill>
-                <a:latin typeface="微软雅黑" panose="020B0503020204020204" pitchFamily="34" charset="-122"/>
-                <a:ea typeface="微软雅黑" panose="020B0503020204020204" pitchFamily="34" charset="-122"/>
-                <a:cs typeface="+mn-ea"/>
-                <a:sym typeface="+mn-lt"/>
-              </a:rPr>
-              <a:t>停止</a:t>
-            </a:r>
-            <a:r>
-              <a:rPr lang="zh-TW" altLang="en-US" sz="2800" b="1" dirty="0" smtClean="0">
-                <a:solidFill>
-                  <a:srgbClr val="3B3B3B"/>
-                </a:solidFill>
-                <a:latin typeface="微软雅黑" panose="020B0503020204020204" pitchFamily="34" charset="-122"/>
-                <a:ea typeface="微软雅黑" panose="020B0503020204020204" pitchFamily="34" charset="-122"/>
-                <a:cs typeface="+mn-ea"/>
-                <a:sym typeface="+mn-lt"/>
-              </a:rPr>
-              <a:t>鍵重新說出飲料</a:t>
-            </a:r>
-            <a:r>
-              <a:rPr lang="zh-TW" altLang="en-US" sz="2800" b="1" dirty="0" smtClean="0">
-                <a:solidFill>
-                  <a:srgbClr val="3B3B3B"/>
-                </a:solidFill>
-                <a:latin typeface="微软雅黑" panose="020B0503020204020204" pitchFamily="34" charset="-122"/>
-                <a:ea typeface="微软雅黑" panose="020B0503020204020204" pitchFamily="34" charset="-122"/>
-                <a:cs typeface="+mn-ea"/>
-                <a:sym typeface="+mn-lt"/>
-              </a:rPr>
-              <a:t>名稱</a:t>
-            </a:r>
-            <a:endParaRPr lang="zh-CN" altLang="en-US" sz="2800" b="1" dirty="0">
-              <a:solidFill>
-                <a:srgbClr val="3B3B3B"/>
-              </a:solidFill>
-              <a:latin typeface="微软雅黑" panose="020B0503020204020204" pitchFamily="34" charset="-122"/>
-              <a:ea typeface="微软雅黑" panose="020B0503020204020204" pitchFamily="34" charset="-122"/>
-              <a:cs typeface="+mn-ea"/>
-              <a:sym typeface="+mn-lt"/>
-            </a:endParaRPr>
-          </a:p>
-        </p:txBody>
-      </p:sp>
-      <p:sp>
-        <p:nvSpPr>
           <p:cNvPr id="22" name="矩形 21">
             <a:extLst>
               <a:ext uri="{FF2B5EF4-FFF2-40B4-BE49-F238E27FC236}">
@@ -12273,7 +13489,7 @@
         <p:spPr>
           <a:xfrm>
             <a:off x="539552" y="475587"/>
-            <a:ext cx="3337092" cy="707886"/>
+            <a:ext cx="6192688" cy="1323439"/>
           </a:xfrm>
           <a:prstGeom prst="rect">
             <a:avLst/>
@@ -12304,7 +13520,7 @@
                 <a:cs typeface="+mn-ea"/>
                 <a:sym typeface="+mn-lt"/>
               </a:rPr>
-              <a:t>需求</a:t>
+              <a:t>功能描述與</a:t>
             </a:r>
             <a:r>
               <a:rPr lang="zh-TW" altLang="en-US" sz="4000" spc="300" dirty="0">
@@ -12316,8 +13532,19 @@
                 <a:cs typeface="+mn-ea"/>
                 <a:sym typeface="+mn-lt"/>
               </a:rPr>
-              <a:t>分析</a:t>
+              <a:t>事件條列式</a:t>
             </a:r>
+          </a:p>
+          <a:p>
+            <a:pPr fontAlgn="auto">
+              <a:spcBef>
+                <a:spcPts val="0"/>
+              </a:spcBef>
+              <a:spcAft>
+                <a:spcPts val="0"/>
+              </a:spcAft>
+              <a:defRPr/>
+            </a:pPr>
             <a:endParaRPr lang="zh-CN" altLang="en-US" sz="4000" spc="300" dirty="0">
               <a:solidFill>
                 <a:srgbClr val="3B3B3B"/>
@@ -12384,458 +13611,396 @@
           </a:p>
         </p:txBody>
       </p:sp>
-      <p:sp>
-        <p:nvSpPr>
-          <p:cNvPr id="8" name="TextBox 7">
-            <a:extLst>
-              <a:ext uri="{FF2B5EF4-FFF2-40B4-BE49-F238E27FC236}">
-                <a16:creationId xmlns:a16="http://schemas.microsoft.com/office/drawing/2014/main" id="{DD1FF2C8-2F57-46BD-8AA8-E9BEF4EE2C43}"/>
-              </a:ext>
-            </a:extLst>
-          </p:cNvPr>
-          <p:cNvSpPr>
-            <a:spLocks noChangeArrowheads="1"/>
-          </p:cNvSpPr>
-          <p:nvPr/>
-        </p:nvSpPr>
-        <p:spPr bwMode="auto">
-          <a:xfrm>
-            <a:off x="986581" y="1957780"/>
-            <a:ext cx="7463878" cy="570221"/>
-          </a:xfrm>
-          <a:prstGeom prst="rect">
-            <a:avLst/>
-          </a:prstGeom>
-          <a:noFill/>
-          <a:ln>
-            <a:noFill/>
-          </a:ln>
-          <a:effectLst/>
-          <a:extLst>
-            <a:ext uri="{909E8E84-426E-40DD-AFC4-6F175D3DCCD1}">
-              <a14:hiddenFill xmlns:a14="http://schemas.microsoft.com/office/drawing/2010/main">
-                <a:solidFill>
-                  <a:srgbClr val="FFFFFF"/>
-                </a:solidFill>
-              </a14:hiddenFill>
-            </a:ext>
-            <a:ext uri="{91240B29-F687-4F45-9708-019B960494DF}">
-              <a14:hiddenLine xmlns:a14="http://schemas.microsoft.com/office/drawing/2010/main" w="9525">
-                <a:solidFill>
-                  <a:srgbClr val="000000"/>
-                </a:solidFill>
-                <a:miter lim="800000"/>
-                <a:headEnd/>
-                <a:tailEnd/>
-              </a14:hiddenLine>
-            </a:ext>
-          </a:extLst>
-        </p:spPr>
-        <p:txBody>
-          <a:bodyPr wrap="square" lIns="0" tIns="0" rIns="0" bIns="0">
-            <a:spAutoFit/>
-          </a:bodyPr>
-          <a:lstStyle/>
-          <a:p>
-            <a:pPr marL="514350" indent="-514350">
-              <a:lnSpc>
-                <a:spcPct val="150000"/>
-              </a:lnSpc>
-              <a:buFont typeface="Wingdings" panose="05000000000000000000" pitchFamily="2" charset="2"/>
-              <a:buChar char="Ø"/>
-              <a:defRPr/>
-            </a:pPr>
-            <a:r>
-              <a:rPr lang="zh-TW" altLang="en-US" sz="2800" b="1" dirty="0" smtClean="0">
-                <a:solidFill>
-                  <a:srgbClr val="3B3B3B"/>
-                </a:solidFill>
-                <a:latin typeface="微软雅黑" panose="020B0503020204020204" pitchFamily="34" charset="-122"/>
-                <a:ea typeface="微软雅黑" panose="020B0503020204020204" pitchFamily="34" charset="-122"/>
-                <a:cs typeface="+mn-ea"/>
-                <a:sym typeface="+mn-lt"/>
-              </a:rPr>
-              <a:t>系統</a:t>
-            </a:r>
-            <a:r>
-              <a:rPr lang="zh-TW" altLang="en-US" sz="2800" b="1" dirty="0">
-                <a:solidFill>
-                  <a:srgbClr val="3B3B3B"/>
-                </a:solidFill>
-                <a:latin typeface="微软雅黑" panose="020B0503020204020204" pitchFamily="34" charset="-122"/>
-                <a:ea typeface="微软雅黑" panose="020B0503020204020204" pitchFamily="34" charset="-122"/>
-                <a:cs typeface="+mn-ea"/>
-                <a:sym typeface="+mn-lt"/>
-              </a:rPr>
-              <a:t>可記錄當日飲品</a:t>
-            </a:r>
-            <a:r>
-              <a:rPr lang="zh-TW" altLang="en-US" sz="2800" b="1" dirty="0" smtClean="0">
-                <a:solidFill>
-                  <a:srgbClr val="3B3B3B"/>
-                </a:solidFill>
-                <a:latin typeface="微软雅黑" panose="020B0503020204020204" pitchFamily="34" charset="-122"/>
-                <a:ea typeface="微软雅黑" panose="020B0503020204020204" pitchFamily="34" charset="-122"/>
-                <a:cs typeface="+mn-ea"/>
-                <a:sym typeface="+mn-lt"/>
-              </a:rPr>
-              <a:t>數量</a:t>
-            </a:r>
-            <a:endParaRPr lang="en-US" altLang="zh-TW" sz="2800" b="1" dirty="0" smtClean="0">
-              <a:solidFill>
-                <a:srgbClr val="3B3B3B"/>
-              </a:solidFill>
-              <a:latin typeface="微软雅黑" panose="020B0503020204020204" pitchFamily="34" charset="-122"/>
-              <a:ea typeface="微软雅黑" panose="020B0503020204020204" pitchFamily="34" charset="-122"/>
-              <a:cs typeface="+mn-ea"/>
-              <a:sym typeface="+mn-lt"/>
-            </a:endParaRPr>
-          </a:p>
-        </p:txBody>
-      </p:sp>
-      <p:sp>
-        <p:nvSpPr>
-          <p:cNvPr id="9" name="TextBox 7">
-            <a:extLst>
-              <a:ext uri="{FF2B5EF4-FFF2-40B4-BE49-F238E27FC236}">
-                <a16:creationId xmlns:a16="http://schemas.microsoft.com/office/drawing/2014/main" id="{DD1FF2C8-2F57-46BD-8AA8-E9BEF4EE2C43}"/>
-              </a:ext>
-            </a:extLst>
-          </p:cNvPr>
-          <p:cNvSpPr>
-            <a:spLocks noChangeArrowheads="1"/>
-          </p:cNvSpPr>
-          <p:nvPr/>
-        </p:nvSpPr>
-        <p:spPr bwMode="auto">
-          <a:xfrm>
-            <a:off x="1115616" y="2532062"/>
-            <a:ext cx="7463878" cy="570221"/>
-          </a:xfrm>
-          <a:prstGeom prst="rect">
-            <a:avLst/>
-          </a:prstGeom>
-          <a:noFill/>
-          <a:ln>
-            <a:noFill/>
-          </a:ln>
-          <a:effectLst/>
-          <a:extLst>
-            <a:ext uri="{909E8E84-426E-40DD-AFC4-6F175D3DCCD1}">
-              <a14:hiddenFill xmlns:a14="http://schemas.microsoft.com/office/drawing/2010/main">
-                <a:solidFill>
-                  <a:srgbClr val="FFFFFF"/>
-                </a:solidFill>
-              </a14:hiddenFill>
-            </a:ext>
-            <a:ext uri="{91240B29-F687-4F45-9708-019B960494DF}">
-              <a14:hiddenLine xmlns:a14="http://schemas.microsoft.com/office/drawing/2010/main" w="9525">
-                <a:solidFill>
-                  <a:srgbClr val="000000"/>
-                </a:solidFill>
-                <a:miter lim="800000"/>
-                <a:headEnd/>
-                <a:tailEnd/>
-              </a14:hiddenLine>
-            </a:ext>
-          </a:extLst>
-        </p:spPr>
-        <p:txBody>
-          <a:bodyPr wrap="square" lIns="0" tIns="0" rIns="0" bIns="0">
-            <a:spAutoFit/>
-          </a:bodyPr>
-          <a:lstStyle/>
-          <a:p>
-            <a:pPr marL="514350" indent="-514350">
-              <a:lnSpc>
-                <a:spcPct val="150000"/>
-              </a:lnSpc>
-              <a:buFont typeface="Wingdings" panose="05000000000000000000" pitchFamily="2" charset="2"/>
-              <a:buChar char="Ø"/>
-              <a:defRPr/>
-            </a:pPr>
-            <a:r>
-              <a:rPr lang="zh-TW" altLang="en-US" sz="2800" b="1" dirty="0" smtClean="0">
-                <a:solidFill>
-                  <a:srgbClr val="3B3B3B"/>
-                </a:solidFill>
-                <a:latin typeface="微软雅黑" panose="020B0503020204020204" pitchFamily="34" charset="-122"/>
-                <a:ea typeface="微软雅黑" panose="020B0503020204020204" pitchFamily="34" charset="-122"/>
-                <a:cs typeface="+mn-ea"/>
-                <a:sym typeface="+mn-lt"/>
-              </a:rPr>
-              <a:t>隨時顯示當前飲料機中的剩餘量</a:t>
-            </a:r>
-            <a:endParaRPr lang="en-US" altLang="zh-TW" sz="2800" b="1" dirty="0" smtClean="0">
-              <a:solidFill>
-                <a:srgbClr val="3B3B3B"/>
-              </a:solidFill>
-              <a:latin typeface="微软雅黑" panose="020B0503020204020204" pitchFamily="34" charset="-122"/>
-              <a:ea typeface="微软雅黑" panose="020B0503020204020204" pitchFamily="34" charset="-122"/>
-              <a:cs typeface="+mn-ea"/>
-              <a:sym typeface="+mn-lt"/>
-            </a:endParaRPr>
-          </a:p>
-        </p:txBody>
-      </p:sp>
-      <p:sp>
-        <p:nvSpPr>
-          <p:cNvPr id="10" name="TextBox 7">
-            <a:extLst>
-              <a:ext uri="{FF2B5EF4-FFF2-40B4-BE49-F238E27FC236}">
-                <a16:creationId xmlns:a16="http://schemas.microsoft.com/office/drawing/2014/main" id="{DD1FF2C8-2F57-46BD-8AA8-E9BEF4EE2C43}"/>
-              </a:ext>
-            </a:extLst>
-          </p:cNvPr>
-          <p:cNvSpPr>
-            <a:spLocks noChangeArrowheads="1"/>
-          </p:cNvSpPr>
-          <p:nvPr/>
-        </p:nvSpPr>
-        <p:spPr bwMode="auto">
-          <a:xfrm>
-            <a:off x="1273127" y="3102283"/>
-            <a:ext cx="7463878" cy="570221"/>
-          </a:xfrm>
-          <a:prstGeom prst="rect">
-            <a:avLst/>
-          </a:prstGeom>
-          <a:noFill/>
-          <a:ln>
-            <a:noFill/>
-          </a:ln>
-          <a:effectLst/>
-          <a:extLst>
-            <a:ext uri="{909E8E84-426E-40DD-AFC4-6F175D3DCCD1}">
-              <a14:hiddenFill xmlns:a14="http://schemas.microsoft.com/office/drawing/2010/main">
-                <a:solidFill>
-                  <a:srgbClr val="FFFFFF"/>
-                </a:solidFill>
-              </a14:hiddenFill>
-            </a:ext>
-            <a:ext uri="{91240B29-F687-4F45-9708-019B960494DF}">
-              <a14:hiddenLine xmlns:a14="http://schemas.microsoft.com/office/drawing/2010/main" w="9525">
-                <a:solidFill>
-                  <a:srgbClr val="000000"/>
-                </a:solidFill>
-                <a:miter lim="800000"/>
-                <a:headEnd/>
-                <a:tailEnd/>
-              </a14:hiddenLine>
-            </a:ext>
-          </a:extLst>
-        </p:spPr>
-        <p:txBody>
-          <a:bodyPr wrap="square" lIns="0" tIns="0" rIns="0" bIns="0">
-            <a:spAutoFit/>
-          </a:bodyPr>
-          <a:lstStyle/>
-          <a:p>
-            <a:pPr marL="514350" indent="-514350">
-              <a:lnSpc>
-                <a:spcPct val="150000"/>
-              </a:lnSpc>
-              <a:buFont typeface="Wingdings" panose="05000000000000000000" pitchFamily="2" charset="2"/>
-              <a:buChar char="Ø"/>
-              <a:defRPr/>
-            </a:pPr>
-            <a:r>
-              <a:rPr lang="zh-TW" altLang="en-US" sz="2800" b="1" dirty="0" smtClean="0">
-                <a:solidFill>
-                  <a:srgbClr val="3B3B3B"/>
-                </a:solidFill>
-                <a:latin typeface="微软雅黑" panose="020B0503020204020204" pitchFamily="34" charset="-122"/>
-                <a:ea typeface="微软雅黑" panose="020B0503020204020204" pitchFamily="34" charset="-122"/>
-                <a:cs typeface="+mn-ea"/>
-                <a:sym typeface="+mn-lt"/>
-              </a:rPr>
-              <a:t>飲</a:t>
-            </a:r>
-            <a:r>
-              <a:rPr lang="zh-TW" altLang="en-US" sz="2800" b="1" dirty="0" smtClean="0">
-                <a:solidFill>
-                  <a:srgbClr val="3B3B3B"/>
-                </a:solidFill>
-                <a:latin typeface="微软雅黑" panose="020B0503020204020204" pitchFamily="34" charset="-122"/>
-                <a:ea typeface="微软雅黑" panose="020B0503020204020204" pitchFamily="34" charset="-122"/>
-                <a:cs typeface="+mn-ea"/>
-                <a:sym typeface="+mn-lt"/>
-              </a:rPr>
-              <a:t>品送</a:t>
-            </a:r>
-            <a:r>
-              <a:rPr lang="zh-TW" altLang="en-US" sz="2800" b="1" dirty="0">
-                <a:solidFill>
-                  <a:srgbClr val="3B3B3B"/>
-                </a:solidFill>
-                <a:latin typeface="微软雅黑" panose="020B0503020204020204" pitchFamily="34" charset="-122"/>
-                <a:ea typeface="微软雅黑" panose="020B0503020204020204" pitchFamily="34" charset="-122"/>
-                <a:cs typeface="+mn-ea"/>
-                <a:sym typeface="+mn-lt"/>
-              </a:rPr>
-              <a:t>至目的地供客戶取</a:t>
-            </a:r>
-            <a:r>
-              <a:rPr lang="zh-TW" altLang="en-US" sz="2800" b="1" dirty="0" smtClean="0">
-                <a:solidFill>
-                  <a:srgbClr val="3B3B3B"/>
-                </a:solidFill>
-                <a:latin typeface="微软雅黑" panose="020B0503020204020204" pitchFamily="34" charset="-122"/>
-                <a:ea typeface="微软雅黑" panose="020B0503020204020204" pitchFamily="34" charset="-122"/>
-                <a:cs typeface="+mn-ea"/>
-                <a:sym typeface="+mn-lt"/>
-              </a:rPr>
-              <a:t>用</a:t>
-            </a:r>
-            <a:endParaRPr lang="zh-TW" altLang="en-US" sz="2800" b="1" dirty="0">
-              <a:solidFill>
-                <a:srgbClr val="3B3B3B"/>
-              </a:solidFill>
-              <a:latin typeface="微软雅黑" panose="020B0503020204020204" pitchFamily="34" charset="-122"/>
-              <a:ea typeface="微软雅黑" panose="020B0503020204020204" pitchFamily="34" charset="-122"/>
-              <a:cs typeface="+mn-ea"/>
-              <a:sym typeface="+mn-lt"/>
-            </a:endParaRPr>
-          </a:p>
-        </p:txBody>
-      </p:sp>
-      <p:sp>
-        <p:nvSpPr>
-          <p:cNvPr id="11" name="TextBox 7">
-            <a:extLst>
-              <a:ext uri="{FF2B5EF4-FFF2-40B4-BE49-F238E27FC236}">
-                <a16:creationId xmlns:a16="http://schemas.microsoft.com/office/drawing/2014/main" id="{DD1FF2C8-2F57-46BD-8AA8-E9BEF4EE2C43}"/>
-              </a:ext>
-            </a:extLst>
-          </p:cNvPr>
-          <p:cNvSpPr>
-            <a:spLocks noChangeArrowheads="1"/>
-          </p:cNvSpPr>
-          <p:nvPr/>
-        </p:nvSpPr>
-        <p:spPr bwMode="auto">
-          <a:xfrm>
-            <a:off x="1438177" y="3676593"/>
-            <a:ext cx="7463878" cy="570221"/>
-          </a:xfrm>
-          <a:prstGeom prst="rect">
-            <a:avLst/>
-          </a:prstGeom>
-          <a:noFill/>
-          <a:ln>
-            <a:noFill/>
-          </a:ln>
-          <a:effectLst/>
-          <a:extLst>
-            <a:ext uri="{909E8E84-426E-40DD-AFC4-6F175D3DCCD1}">
-              <a14:hiddenFill xmlns:a14="http://schemas.microsoft.com/office/drawing/2010/main">
-                <a:solidFill>
-                  <a:srgbClr val="FFFFFF"/>
-                </a:solidFill>
-              </a14:hiddenFill>
-            </a:ext>
-            <a:ext uri="{91240B29-F687-4F45-9708-019B960494DF}">
-              <a14:hiddenLine xmlns:a14="http://schemas.microsoft.com/office/drawing/2010/main" w="9525">
-                <a:solidFill>
-                  <a:srgbClr val="000000"/>
-                </a:solidFill>
-                <a:miter lim="800000"/>
-                <a:headEnd/>
-                <a:tailEnd/>
-              </a14:hiddenLine>
-            </a:ext>
-          </a:extLst>
-        </p:spPr>
-        <p:txBody>
-          <a:bodyPr wrap="square" lIns="0" tIns="0" rIns="0" bIns="0">
-            <a:spAutoFit/>
-          </a:bodyPr>
-          <a:lstStyle/>
-          <a:p>
-            <a:pPr marL="514350" indent="-514350" algn="just">
-              <a:lnSpc>
-                <a:spcPct val="150000"/>
-              </a:lnSpc>
-              <a:buFont typeface="Wingdings" panose="05000000000000000000" pitchFamily="2" charset="2"/>
-              <a:buChar char="Ø"/>
-              <a:defRPr/>
-            </a:pPr>
-            <a:r>
-              <a:rPr lang="zh-TW" altLang="en-US" sz="2800" b="1" dirty="0" smtClean="0">
-                <a:solidFill>
-                  <a:srgbClr val="3B3B3B"/>
-                </a:solidFill>
-                <a:latin typeface="微软雅黑" panose="020B0503020204020204" pitchFamily="34" charset="-122"/>
-                <a:ea typeface="微软雅黑" panose="020B0503020204020204" pitchFamily="34" charset="-122"/>
-                <a:cs typeface="+mn-ea"/>
-                <a:sym typeface="+mn-lt"/>
-              </a:rPr>
-              <a:t>拿</a:t>
-            </a:r>
-            <a:r>
-              <a:rPr lang="zh-TW" altLang="en-US" sz="2800" b="1" dirty="0">
-                <a:solidFill>
-                  <a:srgbClr val="3B3B3B"/>
-                </a:solidFill>
-                <a:latin typeface="微软雅黑" panose="020B0503020204020204" pitchFamily="34" charset="-122"/>
-                <a:ea typeface="微软雅黑" panose="020B0503020204020204" pitchFamily="34" charset="-122"/>
-                <a:cs typeface="+mn-ea"/>
-                <a:sym typeface="+mn-lt"/>
-              </a:rPr>
-              <a:t>取飲</a:t>
-            </a:r>
-            <a:r>
-              <a:rPr lang="zh-TW" altLang="en-US" sz="2800" b="1" dirty="0" smtClean="0">
-                <a:solidFill>
-                  <a:srgbClr val="3B3B3B"/>
-                </a:solidFill>
-                <a:latin typeface="微软雅黑" panose="020B0503020204020204" pitchFamily="34" charset="-122"/>
-                <a:ea typeface="微软雅黑" panose="020B0503020204020204" pitchFamily="34" charset="-122"/>
-                <a:cs typeface="+mn-ea"/>
-                <a:sym typeface="+mn-lt"/>
-              </a:rPr>
-              <a:t>品後將</a:t>
-            </a:r>
-            <a:r>
-              <a:rPr lang="zh-TW" altLang="en-US" sz="2800" b="1" dirty="0">
-                <a:solidFill>
-                  <a:srgbClr val="3B3B3B"/>
-                </a:solidFill>
-                <a:latin typeface="微软雅黑" panose="020B0503020204020204" pitchFamily="34" charset="-122"/>
-                <a:ea typeface="微软雅黑" panose="020B0503020204020204" pitchFamily="34" charset="-122"/>
-                <a:cs typeface="+mn-ea"/>
-                <a:sym typeface="+mn-lt"/>
-              </a:rPr>
-              <a:t>顯示完成</a:t>
-            </a:r>
-            <a:r>
-              <a:rPr lang="zh-TW" altLang="en-US" sz="2800" b="1" dirty="0" smtClean="0">
-                <a:solidFill>
-                  <a:srgbClr val="3B3B3B"/>
-                </a:solidFill>
-                <a:latin typeface="微软雅黑" panose="020B0503020204020204" pitchFamily="34" charset="-122"/>
-                <a:ea typeface="微软雅黑" panose="020B0503020204020204" pitchFamily="34" charset="-122"/>
-                <a:cs typeface="+mn-ea"/>
-                <a:sym typeface="+mn-lt"/>
-              </a:rPr>
-              <a:t>訂單</a:t>
-            </a:r>
-            <a:endParaRPr lang="zh-CN" altLang="en-US" sz="2800" b="1" dirty="0">
-              <a:solidFill>
-                <a:srgbClr val="3B3B3B"/>
-              </a:solidFill>
-              <a:latin typeface="微软雅黑" panose="020B0503020204020204" pitchFamily="34" charset="-122"/>
-              <a:ea typeface="微软雅黑" panose="020B0503020204020204" pitchFamily="34" charset="-122"/>
-              <a:cs typeface="+mn-ea"/>
-              <a:sym typeface="+mn-lt"/>
-            </a:endParaRPr>
-          </a:p>
-        </p:txBody>
-      </p:sp>
+      <p:graphicFrame>
+        <p:nvGraphicFramePr>
+          <p:cNvPr id="3" name="表格 2"/>
+          <p:cNvGraphicFramePr>
+            <a:graphicFrameLocks noGrp="1"/>
+          </p:cNvGraphicFramePr>
+          <p:nvPr>
+            <p:extLst>
+              <p:ext uri="{D42A27DB-BD31-4B8C-83A1-F6EECF244321}">
+                <p14:modId xmlns:p14="http://schemas.microsoft.com/office/powerpoint/2010/main" val="3969298679"/>
+              </p:ext>
+            </p:extLst>
+          </p:nvPr>
+        </p:nvGraphicFramePr>
+        <p:xfrm>
+          <a:off x="708248" y="1265437"/>
+          <a:ext cx="6600056" cy="3384169"/>
+        </p:xfrm>
+        <a:graphic>
+          <a:graphicData uri="http://schemas.openxmlformats.org/drawingml/2006/table">
+            <a:tbl>
+              <a:tblPr firstRow="1" bandRow="1">
+                <a:tableStyleId>{5C22544A-7EE6-4342-B048-85BDC9FD1C3A}</a:tableStyleId>
+              </a:tblPr>
+              <a:tblGrid>
+                <a:gridCol w="3300028">
+                  <a:extLst>
+                    <a:ext uri="{9D8B030D-6E8A-4147-A177-3AD203B41FA5}">
+                      <a16:colId xmlns:a16="http://schemas.microsoft.com/office/drawing/2014/main" val="3017139644"/>
+                    </a:ext>
+                  </a:extLst>
+                </a:gridCol>
+                <a:gridCol w="3300028">
+                  <a:extLst>
+                    <a:ext uri="{9D8B030D-6E8A-4147-A177-3AD203B41FA5}">
+                      <a16:colId xmlns:a16="http://schemas.microsoft.com/office/drawing/2014/main" val="2409217298"/>
+                    </a:ext>
+                  </a:extLst>
+                </a:gridCol>
+              </a:tblGrid>
+              <a:tr h="946273">
+                <a:tc>
+                  <a:txBody>
+                    <a:bodyPr/>
+                    <a:lstStyle/>
+                    <a:p>
+                      <a:pPr algn="ctr">
+                        <a:lnSpc>
+                          <a:spcPct val="100000"/>
+                        </a:lnSpc>
+                      </a:pPr>
+                      <a:r>
+                        <a:rPr lang="zh-TW" altLang="en-US" sz="2800" dirty="0" smtClean="0"/>
+                        <a:t>描述性項目</a:t>
+                      </a:r>
+                      <a:endParaRPr lang="zh-TW" altLang="en-US" sz="2800" dirty="0"/>
+                    </a:p>
+                  </a:txBody>
+                  <a:tcPr anchor="ctr"/>
+                </a:tc>
+                <a:tc>
+                  <a:txBody>
+                    <a:bodyPr/>
+                    <a:lstStyle/>
+                    <a:p>
+                      <a:pPr algn="ctr">
+                        <a:lnSpc>
+                          <a:spcPct val="100000"/>
+                        </a:lnSpc>
+                      </a:pPr>
+                      <a:r>
+                        <a:rPr lang="zh-TW" altLang="en-US" sz="2800" dirty="0" smtClean="0"/>
+                        <a:t>事件條列式</a:t>
+                      </a:r>
+                    </a:p>
+                  </a:txBody>
+                  <a:tcPr anchor="ctr"/>
+                </a:tc>
+                <a:extLst>
+                  <a:ext uri="{0D108BD9-81ED-4DB2-BD59-A6C34878D82A}">
+                    <a16:rowId xmlns:a16="http://schemas.microsoft.com/office/drawing/2014/main" val="779287462"/>
+                  </a:ext>
+                </a:extLst>
+              </a:tr>
+              <a:tr h="812632">
+                <a:tc>
+                  <a:txBody>
+                    <a:bodyPr/>
+                    <a:lstStyle/>
+                    <a:p>
+                      <a:pPr marL="252000" indent="-457200">
+                        <a:lnSpc>
+                          <a:spcPct val="100000"/>
+                        </a:lnSpc>
+                      </a:pPr>
+                      <a:r>
+                        <a:rPr lang="en-US" altLang="zh-TW" sz="2000" dirty="0" smtClean="0"/>
+                        <a:t>4. </a:t>
+                      </a:r>
+                      <a:r>
+                        <a:rPr lang="zh-TW" altLang="en-US" sz="2000" dirty="0" smtClean="0"/>
+                        <a:t>使用者對麥克風說出預點餐點名稱與數量</a:t>
+                      </a:r>
+                      <a:endParaRPr lang="zh-TW" altLang="en-US" sz="2000" dirty="0"/>
+                    </a:p>
+                  </a:txBody>
+                  <a:tcPr anchor="ctr"/>
+                </a:tc>
+                <a:tc>
+                  <a:txBody>
+                    <a:bodyPr/>
+                    <a:lstStyle/>
+                    <a:p>
+                      <a:pPr>
+                        <a:lnSpc>
+                          <a:spcPct val="100000"/>
+                        </a:lnSpc>
+                      </a:pPr>
+                      <a:r>
+                        <a:rPr lang="zh-TW" altLang="en-US" sz="2000" dirty="0" smtClean="0"/>
+                        <a:t>用戶</a:t>
+                      </a:r>
+                      <a:r>
+                        <a:rPr lang="en-US" altLang="zh-TW" sz="2000" dirty="0" smtClean="0"/>
+                        <a:t>+</a:t>
+                      </a:r>
+                      <a:r>
+                        <a:rPr lang="zh-TW" altLang="en-US" sz="2000" dirty="0" smtClean="0"/>
+                        <a:t>聲紋辨識</a:t>
+                      </a:r>
+                      <a:r>
+                        <a:rPr lang="en-US" altLang="zh-TW" sz="2000" dirty="0" smtClean="0"/>
+                        <a:t>+</a:t>
+                      </a:r>
+                      <a:r>
+                        <a:rPr lang="zh-TW" altLang="en-US" sz="2000" dirty="0" smtClean="0"/>
+                        <a:t>新增</a:t>
+                      </a:r>
+                      <a:r>
+                        <a:rPr lang="en-US" altLang="zh-TW" sz="2000" dirty="0" smtClean="0"/>
+                        <a:t>+</a:t>
+                      </a:r>
+                      <a:r>
+                        <a:rPr lang="zh-TW" altLang="en-US" sz="2000" dirty="0" smtClean="0"/>
+                        <a:t>餐點項目和數量</a:t>
+                      </a:r>
+                      <a:endParaRPr lang="zh-TW" altLang="en-US" sz="2000" dirty="0"/>
+                    </a:p>
+                  </a:txBody>
+                  <a:tcPr anchor="ctr"/>
+                </a:tc>
+                <a:extLst>
+                  <a:ext uri="{0D108BD9-81ED-4DB2-BD59-A6C34878D82A}">
+                    <a16:rowId xmlns:a16="http://schemas.microsoft.com/office/drawing/2014/main" val="3696653689"/>
+                  </a:ext>
+                </a:extLst>
+              </a:tr>
+              <a:tr h="812632">
+                <a:tc>
+                  <a:txBody>
+                    <a:bodyPr/>
+                    <a:lstStyle/>
+                    <a:p>
+                      <a:pPr marL="252000" marR="0" indent="-457200" algn="l" defTabSz="914400" rtl="0" eaLnBrk="1" fontAlgn="auto" latinLnBrk="0" hangingPunct="1">
+                        <a:lnSpc>
+                          <a:spcPct val="100000"/>
+                        </a:lnSpc>
+                        <a:spcBef>
+                          <a:spcPts val="0"/>
+                        </a:spcBef>
+                        <a:spcAft>
+                          <a:spcPts val="0"/>
+                        </a:spcAft>
+                        <a:buClrTx/>
+                        <a:buSzTx/>
+                        <a:buFontTx/>
+                        <a:buNone/>
+                        <a:tabLst/>
+                        <a:defRPr/>
+                      </a:pPr>
+                      <a:r>
+                        <a:rPr lang="en-US" altLang="zh-TW" sz="2000" dirty="0" smtClean="0"/>
+                        <a:t>5. </a:t>
+                      </a:r>
+                      <a:r>
+                        <a:rPr lang="zh-TW" altLang="en-US" sz="2000" dirty="0" smtClean="0"/>
+                        <a:t>餐點需做更改時，使用者需說出</a:t>
+                      </a:r>
+                      <a:r>
+                        <a:rPr lang="en-US" altLang="zh-TW" sz="2000" dirty="0" smtClean="0"/>
+                        <a:t>”X</a:t>
+                      </a:r>
+                      <a:r>
+                        <a:rPr lang="zh-TW" altLang="en-US" sz="2000" dirty="0" smtClean="0"/>
+                        <a:t>號更改</a:t>
+                      </a:r>
+                      <a:r>
+                        <a:rPr lang="en-US" altLang="zh-TW" sz="2000" dirty="0" smtClean="0"/>
+                        <a:t>”</a:t>
+                      </a:r>
+                      <a:endParaRPr lang="zh-TW" altLang="en-US" sz="2000" dirty="0" smtClean="0"/>
+                    </a:p>
+                  </a:txBody>
+                  <a:tcPr anchor="ctr"/>
+                </a:tc>
+                <a:tc>
+                  <a:txBody>
+                    <a:bodyPr/>
+                    <a:lstStyle/>
+                    <a:p>
+                      <a:pPr marL="0" marR="0" indent="0" algn="l" defTabSz="914400" rtl="0" eaLnBrk="1" fontAlgn="auto" latinLnBrk="0" hangingPunct="1">
+                        <a:lnSpc>
+                          <a:spcPct val="100000"/>
+                        </a:lnSpc>
+                        <a:spcBef>
+                          <a:spcPts val="0"/>
+                        </a:spcBef>
+                        <a:spcAft>
+                          <a:spcPts val="0"/>
+                        </a:spcAft>
+                        <a:buClrTx/>
+                        <a:buSzTx/>
+                        <a:buFontTx/>
+                        <a:buNone/>
+                        <a:tabLst/>
+                        <a:defRPr/>
+                      </a:pPr>
+                      <a:r>
+                        <a:rPr lang="zh-TW" altLang="en-US" sz="2000" dirty="0" smtClean="0"/>
+                        <a:t>用戶</a:t>
+                      </a:r>
+                      <a:r>
+                        <a:rPr lang="en-US" altLang="zh-TW" sz="2000" dirty="0" smtClean="0"/>
+                        <a:t>+</a:t>
+                      </a:r>
+                      <a:r>
+                        <a:rPr lang="zh-TW" altLang="en-US" sz="2000" dirty="0" smtClean="0"/>
+                        <a:t>聲紋辨識</a:t>
+                      </a:r>
+                      <a:r>
+                        <a:rPr lang="en-US" altLang="zh-TW" sz="2000" dirty="0" smtClean="0"/>
+                        <a:t>+</a:t>
+                      </a:r>
+                      <a:r>
+                        <a:rPr lang="zh-TW" altLang="en-US" sz="2000" dirty="0" smtClean="0"/>
+                        <a:t>修改</a:t>
+                      </a:r>
+                      <a:r>
+                        <a:rPr lang="en-US" altLang="zh-TW" sz="2000" dirty="0" smtClean="0"/>
+                        <a:t>+</a:t>
+                      </a:r>
+                      <a:r>
+                        <a:rPr lang="zh-TW" altLang="en-US" sz="2000" dirty="0" smtClean="0"/>
+                        <a:t>餐點序號</a:t>
+                      </a:r>
+                      <a:endParaRPr lang="zh-TW" altLang="en-US" sz="2000" dirty="0"/>
+                    </a:p>
+                  </a:txBody>
+                  <a:tcPr anchor="ctr"/>
+                </a:tc>
+                <a:extLst>
+                  <a:ext uri="{0D108BD9-81ED-4DB2-BD59-A6C34878D82A}">
+                    <a16:rowId xmlns:a16="http://schemas.microsoft.com/office/drawing/2014/main" val="1044804937"/>
+                  </a:ext>
+                </a:extLst>
+              </a:tr>
+              <a:tr h="812632">
+                <a:tc>
+                  <a:txBody>
+                    <a:bodyPr/>
+                    <a:lstStyle/>
+                    <a:p>
+                      <a:pPr marL="252000" marR="0" indent="-457200" algn="l" defTabSz="914400" rtl="0" eaLnBrk="1" fontAlgn="auto" latinLnBrk="0" hangingPunct="1">
+                        <a:lnSpc>
+                          <a:spcPct val="100000"/>
+                        </a:lnSpc>
+                        <a:spcBef>
+                          <a:spcPts val="0"/>
+                        </a:spcBef>
+                        <a:spcAft>
+                          <a:spcPts val="0"/>
+                        </a:spcAft>
+                        <a:buClrTx/>
+                        <a:buSzTx/>
+                        <a:buFontTx/>
+                        <a:buNone/>
+                        <a:tabLst/>
+                        <a:defRPr/>
+                      </a:pPr>
+                      <a:r>
+                        <a:rPr lang="en-US" altLang="zh-TW" sz="2000" dirty="0" smtClean="0"/>
+                        <a:t>6. </a:t>
+                      </a:r>
+                      <a:r>
+                        <a:rPr lang="zh-TW" altLang="en-US" sz="2000" dirty="0" smtClean="0"/>
+                        <a:t>餐點需刪除</a:t>
+                      </a:r>
+                      <a:r>
+                        <a:rPr lang="en-US" altLang="zh-TW" sz="2000" dirty="0" smtClean="0"/>
+                        <a:t>/</a:t>
+                      </a:r>
+                      <a:r>
+                        <a:rPr lang="zh-TW" altLang="en-US" sz="2000" dirty="0" smtClean="0"/>
+                        <a:t>取消時，使用者需說出</a:t>
+                      </a:r>
+                      <a:r>
+                        <a:rPr lang="en-US" altLang="zh-TW" sz="2000" dirty="0" smtClean="0"/>
+                        <a:t>”X</a:t>
+                      </a:r>
+                      <a:r>
+                        <a:rPr lang="zh-TW" altLang="en-US" sz="2000" dirty="0" smtClean="0"/>
+                        <a:t>號刪除</a:t>
+                      </a:r>
+                      <a:r>
+                        <a:rPr lang="en-US" altLang="zh-TW" sz="2000" dirty="0" smtClean="0"/>
+                        <a:t>”</a:t>
+                      </a:r>
+                      <a:endParaRPr lang="zh-TW" altLang="en-US" sz="2000" dirty="0" smtClean="0"/>
+                    </a:p>
+                  </a:txBody>
+                  <a:tcPr anchor="ctr"/>
+                </a:tc>
+                <a:tc>
+                  <a:txBody>
+                    <a:bodyPr/>
+                    <a:lstStyle/>
+                    <a:p>
+                      <a:pPr marL="0" marR="0" indent="0" algn="l" defTabSz="914400" rtl="0" eaLnBrk="1" fontAlgn="auto" latinLnBrk="0" hangingPunct="1">
+                        <a:lnSpc>
+                          <a:spcPct val="100000"/>
+                        </a:lnSpc>
+                        <a:spcBef>
+                          <a:spcPts val="0"/>
+                        </a:spcBef>
+                        <a:spcAft>
+                          <a:spcPts val="0"/>
+                        </a:spcAft>
+                        <a:buClrTx/>
+                        <a:buSzTx/>
+                        <a:buFontTx/>
+                        <a:buNone/>
+                        <a:tabLst/>
+                        <a:defRPr/>
+                      </a:pPr>
+                      <a:r>
+                        <a:rPr lang="zh-TW" altLang="en-US" sz="2000" dirty="0" smtClean="0"/>
+                        <a:t>用戶</a:t>
+                      </a:r>
+                      <a:r>
+                        <a:rPr lang="en-US" altLang="zh-TW" sz="2000" dirty="0" smtClean="0"/>
+                        <a:t>+</a:t>
+                      </a:r>
+                      <a:r>
+                        <a:rPr lang="zh-TW" altLang="en-US" sz="2000" dirty="0" smtClean="0"/>
+                        <a:t>聲紋辨識</a:t>
+                      </a:r>
+                      <a:r>
+                        <a:rPr lang="en-US" altLang="zh-TW" sz="2000" dirty="0" smtClean="0"/>
+                        <a:t>+</a:t>
+                      </a:r>
+                      <a:r>
+                        <a:rPr lang="zh-TW" altLang="en-US" sz="2000" dirty="0" smtClean="0"/>
+                        <a:t>取消</a:t>
+                      </a:r>
+                      <a:r>
+                        <a:rPr lang="en-US" altLang="zh-TW" sz="2000" dirty="0" smtClean="0"/>
+                        <a:t>+</a:t>
+                      </a:r>
+                      <a:r>
+                        <a:rPr lang="zh-TW" altLang="en-US" sz="2000" dirty="0" smtClean="0"/>
+                        <a:t>餐點序號</a:t>
+                      </a:r>
+                    </a:p>
+                  </a:txBody>
+                  <a:tcPr anchor="ctr"/>
+                </a:tc>
+                <a:extLst>
+                  <a:ext uri="{0D108BD9-81ED-4DB2-BD59-A6C34878D82A}">
+                    <a16:rowId xmlns:a16="http://schemas.microsoft.com/office/drawing/2014/main" val="376662139"/>
+                  </a:ext>
+                </a:extLst>
+              </a:tr>
+            </a:tbl>
+          </a:graphicData>
+        </a:graphic>
+      </p:graphicFrame>
     </p:spTree>
     <p:extLst>
       <p:ext uri="{BB962C8B-B14F-4D97-AF65-F5344CB8AC3E}">
-        <p14:creationId xmlns:p14="http://schemas.microsoft.com/office/powerpoint/2010/main" val="510820750"/>
+        <p14:creationId xmlns:p14="http://schemas.microsoft.com/office/powerpoint/2010/main" val="624800036"/>
       </p:ext>
     </p:extLst>
   </p:cSld>
@@ -13103,33 +14268,967 @@
                       </p:childTnLst>
                     </p:cTn>
                   </p:par>
+                </p:childTnLst>
+              </p:cTn>
+              <p:prevCondLst>
+                <p:cond evt="onPrev" delay="0">
+                  <p:tgtEl>
+                    <p:sldTgt/>
+                  </p:tgtEl>
+                </p:cond>
+              </p:prevCondLst>
+              <p:nextCondLst>
+                <p:cond evt="onNext" delay="0">
+                  <p:tgtEl>
+                    <p:sldTgt/>
+                  </p:tgtEl>
+                </p:cond>
+              </p:nextCondLst>
+            </p:seq>
+          </p:childTnLst>
+        </p:cTn>
+      </p:par>
+    </p:tnLst>
+    <p:bldLst>
+      <p:bldP spid="24" grpId="0" animBg="1"/>
+      <p:bldP spid="12" grpId="0" animBg="1"/>
+      <p:bldP spid="22" grpId="0"/>
+      <p:bldP spid="23" grpId="0" animBg="1"/>
+    </p:bldLst>
+  </p:timing>
+</p:sld>
+</file>
+
+<file path=ppt/slides/slide7.xml><?xml version="1.0" encoding="utf-8"?>
+<p:sld xmlns:a="http://schemas.openxmlformats.org/drawingml/2006/main" xmlns:r="http://schemas.openxmlformats.org/officeDocument/2006/relationships" xmlns:p="http://schemas.openxmlformats.org/presentationml/2006/main">
+  <p:cSld>
+    <p:spTree>
+      <p:nvGrpSpPr>
+        <p:cNvPr id="1" name=""/>
+        <p:cNvGrpSpPr/>
+        <p:nvPr/>
+      </p:nvGrpSpPr>
+      <p:grpSpPr>
+        <a:xfrm>
+          <a:off x="0" y="0"/>
+          <a:ext cx="0" cy="0"/>
+          <a:chOff x="0" y="0"/>
+          <a:chExt cx="0" cy="0"/>
+        </a:xfrm>
+      </p:grpSpPr>
+      <p:sp>
+        <p:nvSpPr>
+          <p:cNvPr id="2" name="矩形 1">
+            <a:extLst>
+              <a:ext uri="{FF2B5EF4-FFF2-40B4-BE49-F238E27FC236}">
+                <a16:creationId xmlns:a16="http://schemas.microsoft.com/office/drawing/2014/main" id="{BCF36AA9-468E-47A2-B525-114DDEAA5E0D}"/>
+              </a:ext>
+            </a:extLst>
+          </p:cNvPr>
+          <p:cNvSpPr/>
+          <p:nvPr/>
+        </p:nvSpPr>
+        <p:spPr>
+          <a:xfrm>
+            <a:off x="0" y="0"/>
+            <a:ext cx="9144000" cy="5143500"/>
+          </a:xfrm>
+          <a:prstGeom prst="rect">
+            <a:avLst/>
+          </a:prstGeom>
+          <a:solidFill>
+            <a:schemeClr val="bg1"/>
+          </a:solidFill>
+          <a:ln>
+            <a:noFill/>
+          </a:ln>
+        </p:spPr>
+        <p:style>
+          <a:lnRef idx="2">
+            <a:schemeClr val="accent1">
+              <a:shade val="50000"/>
+            </a:schemeClr>
+          </a:lnRef>
+          <a:fillRef idx="1">
+            <a:schemeClr val="accent1"/>
+          </a:fillRef>
+          <a:effectRef idx="0">
+            <a:schemeClr val="accent1"/>
+          </a:effectRef>
+          <a:fontRef idx="minor">
+            <a:schemeClr val="lt1"/>
+          </a:fontRef>
+        </p:style>
+        <p:txBody>
+          <a:bodyPr rtlCol="0" anchor="ctr"/>
+          <a:lstStyle/>
+          <a:p>
+            <a:pPr algn="ctr"/>
+            <a:endParaRPr lang="zh-CN" altLang="en-US" dirty="0">
+              <a:ea typeface="微软雅黑" panose="020B0503020204020204" pitchFamily="34" charset="-122"/>
+            </a:endParaRPr>
+          </a:p>
+        </p:txBody>
+      </p:sp>
+      <p:sp>
+        <p:nvSpPr>
+          <p:cNvPr id="24" name="等腰三角形 23">
+            <a:extLst>
+              <a:ext uri="{FF2B5EF4-FFF2-40B4-BE49-F238E27FC236}">
+                <a16:creationId xmlns:a16="http://schemas.microsoft.com/office/drawing/2014/main" id="{8087D682-B836-4596-BB63-5A28F72470B4}"/>
+              </a:ext>
+            </a:extLst>
+          </p:cNvPr>
+          <p:cNvSpPr/>
+          <p:nvPr/>
+        </p:nvSpPr>
+        <p:spPr>
+          <a:xfrm rot="10800000">
+            <a:off x="6876255" y="-1"/>
+            <a:ext cx="2267743" cy="2330941"/>
+          </a:xfrm>
+          <a:prstGeom prst="triangle">
+            <a:avLst>
+              <a:gd name="adj" fmla="val 0"/>
+            </a:avLst>
+          </a:prstGeom>
+          <a:blipFill dpi="0" rotWithShape="1">
+            <a:blip r:embed="rId3">
+              <a:extLst>
+                <a:ext uri="{28A0092B-C50C-407E-A947-70E740481C1C}">
+                  <a14:useLocalDpi xmlns:a14="http://schemas.microsoft.com/office/drawing/2010/main" val="0"/>
+                </a:ext>
+              </a:extLst>
+            </a:blip>
+            <a:srcRect/>
+            <a:stretch>
+              <a:fillRect/>
+            </a:stretch>
+          </a:blipFill>
+          <a:ln>
+            <a:noFill/>
+          </a:ln>
+        </p:spPr>
+        <p:style>
+          <a:lnRef idx="2">
+            <a:schemeClr val="accent1">
+              <a:shade val="50000"/>
+            </a:schemeClr>
+          </a:lnRef>
+          <a:fillRef idx="1">
+            <a:schemeClr val="accent1"/>
+          </a:fillRef>
+          <a:effectRef idx="0">
+            <a:schemeClr val="accent1"/>
+          </a:effectRef>
+          <a:fontRef idx="minor">
+            <a:schemeClr val="lt1"/>
+          </a:fontRef>
+        </p:style>
+        <p:txBody>
+          <a:bodyPr rtlCol="0" anchor="ctr"/>
+          <a:lstStyle/>
+          <a:p>
+            <a:pPr algn="ctr"/>
+            <a:endParaRPr lang="zh-CN" altLang="en-US" dirty="0">
+              <a:ea typeface="微软雅黑" panose="020B0503020204020204" pitchFamily="34" charset="-122"/>
+            </a:endParaRPr>
+          </a:p>
+        </p:txBody>
+      </p:sp>
+      <p:sp>
+        <p:nvSpPr>
+          <p:cNvPr id="12" name="等腰三角形 11">
+            <a:extLst>
+              <a:ext uri="{FF2B5EF4-FFF2-40B4-BE49-F238E27FC236}">
+                <a16:creationId xmlns:a16="http://schemas.microsoft.com/office/drawing/2014/main" id="{FEE2F73E-2FF5-487D-9244-4EFDA0A0563D}"/>
+              </a:ext>
+            </a:extLst>
+          </p:cNvPr>
+          <p:cNvSpPr/>
+          <p:nvPr/>
+        </p:nvSpPr>
+        <p:spPr>
+          <a:xfrm>
+            <a:off x="0" y="0"/>
+            <a:ext cx="5004048" cy="5143500"/>
+          </a:xfrm>
+          <a:prstGeom prst="triangle">
+            <a:avLst>
+              <a:gd name="adj" fmla="val 0"/>
+            </a:avLst>
+          </a:prstGeom>
+          <a:solidFill>
+            <a:schemeClr val="bg1">
+              <a:lumMod val="95000"/>
+            </a:schemeClr>
+          </a:solidFill>
+          <a:ln>
+            <a:noFill/>
+          </a:ln>
+        </p:spPr>
+        <p:style>
+          <a:lnRef idx="2">
+            <a:schemeClr val="accent1">
+              <a:shade val="50000"/>
+            </a:schemeClr>
+          </a:lnRef>
+          <a:fillRef idx="1">
+            <a:schemeClr val="accent1"/>
+          </a:fillRef>
+          <a:effectRef idx="0">
+            <a:schemeClr val="accent1"/>
+          </a:effectRef>
+          <a:fontRef idx="minor">
+            <a:schemeClr val="lt1"/>
+          </a:fontRef>
+        </p:style>
+        <p:txBody>
+          <a:bodyPr rtlCol="0" anchor="ctr"/>
+          <a:lstStyle/>
+          <a:p>
+            <a:pPr algn="ctr"/>
+            <a:endParaRPr lang="zh-CN" altLang="en-US" dirty="0">
+              <a:ea typeface="微软雅黑" panose="020B0503020204020204" pitchFamily="34" charset="-122"/>
+            </a:endParaRPr>
+          </a:p>
+        </p:txBody>
+      </p:sp>
+      <p:sp>
+        <p:nvSpPr>
+          <p:cNvPr id="22" name="矩形 21">
+            <a:extLst>
+              <a:ext uri="{FF2B5EF4-FFF2-40B4-BE49-F238E27FC236}">
+                <a16:creationId xmlns:a16="http://schemas.microsoft.com/office/drawing/2014/main" id="{10001072-4841-420C-B165-B7257D71E421}"/>
+              </a:ext>
+            </a:extLst>
+          </p:cNvPr>
+          <p:cNvSpPr/>
+          <p:nvPr/>
+        </p:nvSpPr>
+        <p:spPr>
+          <a:xfrm>
+            <a:off x="539552" y="475587"/>
+            <a:ext cx="6192688" cy="1323439"/>
+          </a:xfrm>
+          <a:prstGeom prst="rect">
+            <a:avLst/>
+          </a:prstGeom>
+        </p:spPr>
+        <p:txBody>
+          <a:bodyPr wrap="square">
+            <a:spAutoFit/>
+          </a:bodyPr>
+          <a:lstStyle/>
+          <a:p>
+            <a:pPr fontAlgn="auto">
+              <a:spcBef>
+                <a:spcPts val="0"/>
+              </a:spcBef>
+              <a:spcAft>
+                <a:spcPts val="0"/>
+              </a:spcAft>
+              <a:defRPr/>
+            </a:pPr>
+            <a:r>
+              <a:rPr lang="zh-TW" altLang="en-US" sz="4000" spc="300" dirty="0" smtClean="0">
+                <a:solidFill>
+                  <a:srgbClr val="3B3B3B"/>
+                </a:solidFill>
+                <a:latin typeface="Bernard MT Condensed" panose="02050806060905020404" pitchFamily="18" charset="0"/>
+                <a:ea typeface="微软雅黑" panose="020B0503020204020204" pitchFamily="34" charset="-122"/>
+                <a:cs typeface="+mn-ea"/>
+                <a:sym typeface="+mn-lt"/>
+              </a:rPr>
+              <a:t>功能描述與</a:t>
+            </a:r>
+            <a:r>
+              <a:rPr lang="zh-TW" altLang="en-US" sz="4000" spc="300" dirty="0">
+                <a:solidFill>
+                  <a:srgbClr val="3B3B3B"/>
+                </a:solidFill>
+                <a:latin typeface="Bernard MT Condensed" panose="02050806060905020404" pitchFamily="18" charset="0"/>
+                <a:ea typeface="微软雅黑" panose="020B0503020204020204" pitchFamily="34" charset="-122"/>
+                <a:cs typeface="+mn-ea"/>
+                <a:sym typeface="+mn-lt"/>
+              </a:rPr>
+              <a:t>事件條列式</a:t>
+            </a:r>
+          </a:p>
+          <a:p>
+            <a:pPr fontAlgn="auto">
+              <a:spcBef>
+                <a:spcPts val="0"/>
+              </a:spcBef>
+              <a:spcAft>
+                <a:spcPts val="0"/>
+              </a:spcAft>
+              <a:defRPr/>
+            </a:pPr>
+            <a:endParaRPr lang="zh-CN" altLang="en-US" sz="4000" spc="300" dirty="0">
+              <a:solidFill>
+                <a:srgbClr val="3B3B3B"/>
+              </a:solidFill>
+              <a:latin typeface="Bernard MT Condensed" panose="02050806060905020404" pitchFamily="18" charset="0"/>
+              <a:ea typeface="微软雅黑" panose="020B0503020204020204" pitchFamily="34" charset="-122"/>
+              <a:cs typeface="+mn-ea"/>
+              <a:sym typeface="+mn-lt"/>
+            </a:endParaRPr>
+          </a:p>
+        </p:txBody>
+      </p:sp>
+      <p:sp>
+        <p:nvSpPr>
+          <p:cNvPr id="23" name="矩形 22">
+            <a:extLst>
+              <a:ext uri="{FF2B5EF4-FFF2-40B4-BE49-F238E27FC236}">
+                <a16:creationId xmlns:a16="http://schemas.microsoft.com/office/drawing/2014/main" id="{B3390856-A54F-47A8-9CF0-4D6BF200AA28}"/>
+              </a:ext>
+            </a:extLst>
+          </p:cNvPr>
+          <p:cNvSpPr/>
+          <p:nvPr/>
+        </p:nvSpPr>
+        <p:spPr>
+          <a:xfrm>
+            <a:off x="251520" y="267494"/>
+            <a:ext cx="8640960" cy="4608512"/>
+          </a:xfrm>
+          <a:prstGeom prst="rect">
+            <a:avLst/>
+          </a:prstGeom>
+          <a:noFill/>
+          <a:ln w="38100">
+            <a:solidFill>
+              <a:schemeClr val="tx1"/>
+            </a:solidFill>
+          </a:ln>
+        </p:spPr>
+        <p:style>
+          <a:lnRef idx="2">
+            <a:schemeClr val="accent1">
+              <a:shade val="50000"/>
+            </a:schemeClr>
+          </a:lnRef>
+          <a:fillRef idx="1">
+            <a:schemeClr val="accent1"/>
+          </a:fillRef>
+          <a:effectRef idx="0">
+            <a:schemeClr val="accent1"/>
+          </a:effectRef>
+          <a:fontRef idx="minor">
+            <a:schemeClr val="lt1"/>
+          </a:fontRef>
+        </p:style>
+        <p:txBody>
+          <a:bodyPr rtlCol="0" anchor="ctr"/>
+          <a:lstStyle/>
+          <a:p>
+            <a:pPr algn="ctr"/>
+            <a:endParaRPr lang="zh-CN" altLang="en-US" dirty="0">
+              <a:ea typeface="微软雅黑" panose="020B0503020204020204" pitchFamily="34" charset="-122"/>
+            </a:endParaRPr>
+          </a:p>
+        </p:txBody>
+      </p:sp>
+      <p:graphicFrame>
+        <p:nvGraphicFramePr>
+          <p:cNvPr id="3" name="表格 2"/>
+          <p:cNvGraphicFramePr>
+            <a:graphicFrameLocks noGrp="1"/>
+          </p:cNvGraphicFramePr>
+          <p:nvPr>
+            <p:extLst>
+              <p:ext uri="{D42A27DB-BD31-4B8C-83A1-F6EECF244321}">
+                <p14:modId xmlns:p14="http://schemas.microsoft.com/office/powerpoint/2010/main" val="1844783798"/>
+              </p:ext>
+            </p:extLst>
+          </p:nvPr>
+        </p:nvGraphicFramePr>
+        <p:xfrm>
+          <a:off x="708248" y="1265437"/>
+          <a:ext cx="6600056" cy="3384169"/>
+        </p:xfrm>
+        <a:graphic>
+          <a:graphicData uri="http://schemas.openxmlformats.org/drawingml/2006/table">
+            <a:tbl>
+              <a:tblPr firstRow="1" bandRow="1">
+                <a:tableStyleId>{5C22544A-7EE6-4342-B048-85BDC9FD1C3A}</a:tableStyleId>
+              </a:tblPr>
+              <a:tblGrid>
+                <a:gridCol w="3300028">
+                  <a:extLst>
+                    <a:ext uri="{9D8B030D-6E8A-4147-A177-3AD203B41FA5}">
+                      <a16:colId xmlns:a16="http://schemas.microsoft.com/office/drawing/2014/main" val="3017139644"/>
+                    </a:ext>
+                  </a:extLst>
+                </a:gridCol>
+                <a:gridCol w="3300028">
+                  <a:extLst>
+                    <a:ext uri="{9D8B030D-6E8A-4147-A177-3AD203B41FA5}">
+                      <a16:colId xmlns:a16="http://schemas.microsoft.com/office/drawing/2014/main" val="2409217298"/>
+                    </a:ext>
+                  </a:extLst>
+                </a:gridCol>
+              </a:tblGrid>
+              <a:tr h="946273">
+                <a:tc>
+                  <a:txBody>
+                    <a:bodyPr/>
+                    <a:lstStyle/>
+                    <a:p>
+                      <a:pPr algn="ctr">
+                        <a:lnSpc>
+                          <a:spcPct val="100000"/>
+                        </a:lnSpc>
+                      </a:pPr>
+                      <a:r>
+                        <a:rPr lang="zh-TW" altLang="en-US" sz="2800" dirty="0" smtClean="0"/>
+                        <a:t>描述性項目</a:t>
+                      </a:r>
+                      <a:endParaRPr lang="zh-TW" altLang="en-US" sz="2800" dirty="0"/>
+                    </a:p>
+                  </a:txBody>
+                  <a:tcPr anchor="ctr"/>
+                </a:tc>
+                <a:tc>
+                  <a:txBody>
+                    <a:bodyPr/>
+                    <a:lstStyle/>
+                    <a:p>
+                      <a:pPr algn="ctr">
+                        <a:lnSpc>
+                          <a:spcPct val="100000"/>
+                        </a:lnSpc>
+                      </a:pPr>
+                      <a:r>
+                        <a:rPr lang="zh-TW" altLang="en-US" sz="2800" dirty="0" smtClean="0"/>
+                        <a:t>事件條列式</a:t>
+                      </a:r>
+                    </a:p>
+                  </a:txBody>
+                  <a:tcPr anchor="ctr"/>
+                </a:tc>
+                <a:extLst>
+                  <a:ext uri="{0D108BD9-81ED-4DB2-BD59-A6C34878D82A}">
+                    <a16:rowId xmlns:a16="http://schemas.microsoft.com/office/drawing/2014/main" val="779287462"/>
+                  </a:ext>
+                </a:extLst>
+              </a:tr>
+              <a:tr h="812632">
+                <a:tc>
+                  <a:txBody>
+                    <a:bodyPr/>
+                    <a:lstStyle/>
+                    <a:p>
+                      <a:pPr marL="252000" indent="-457200">
+                        <a:lnSpc>
+                          <a:spcPct val="100000"/>
+                        </a:lnSpc>
+                      </a:pPr>
+                      <a:r>
+                        <a:rPr lang="en-US" altLang="zh-TW" sz="2000" dirty="0" smtClean="0"/>
+                        <a:t>7. </a:t>
+                      </a:r>
+                      <a:r>
+                        <a:rPr lang="zh-TW" altLang="en-US" sz="2000" dirty="0" smtClean="0"/>
+                        <a:t>螢幕上顯示所有商品數量之資訊（總量、剩餘等）</a:t>
+                      </a:r>
+                      <a:endParaRPr lang="zh-TW" altLang="en-US" sz="2000" dirty="0"/>
+                    </a:p>
+                  </a:txBody>
+                  <a:tcPr anchor="ctr"/>
+                </a:tc>
+                <a:tc>
+                  <a:txBody>
+                    <a:bodyPr/>
+                    <a:lstStyle/>
+                    <a:p>
+                      <a:pPr>
+                        <a:lnSpc>
+                          <a:spcPct val="100000"/>
+                        </a:lnSpc>
+                      </a:pPr>
+                      <a:r>
+                        <a:rPr lang="zh-TW" altLang="en-US" sz="2000" dirty="0" smtClean="0"/>
+                        <a:t>用戶</a:t>
+                      </a:r>
+                      <a:r>
+                        <a:rPr lang="en-US" altLang="zh-TW" sz="2000" dirty="0" smtClean="0"/>
+                        <a:t>+</a:t>
+                      </a:r>
+                      <a:r>
+                        <a:rPr lang="zh-TW" altLang="en-US" sz="2000" dirty="0" smtClean="0"/>
+                        <a:t>讀取</a:t>
+                      </a:r>
+                      <a:r>
+                        <a:rPr lang="en-US" altLang="zh-TW" sz="2000" dirty="0" smtClean="0"/>
+                        <a:t>+</a:t>
+                      </a:r>
+                      <a:r>
+                        <a:rPr lang="zh-TW" altLang="en-US" sz="2000" dirty="0" smtClean="0"/>
+                        <a:t>清單內容</a:t>
+                      </a:r>
+                      <a:endParaRPr lang="zh-TW" altLang="en-US" sz="2000" dirty="0"/>
+                    </a:p>
+                  </a:txBody>
+                  <a:tcPr anchor="ctr"/>
+                </a:tc>
+                <a:extLst>
+                  <a:ext uri="{0D108BD9-81ED-4DB2-BD59-A6C34878D82A}">
+                    <a16:rowId xmlns:a16="http://schemas.microsoft.com/office/drawing/2014/main" val="3696653689"/>
+                  </a:ext>
+                </a:extLst>
+              </a:tr>
+              <a:tr h="812632">
+                <a:tc>
+                  <a:txBody>
+                    <a:bodyPr/>
+                    <a:lstStyle/>
+                    <a:p>
+                      <a:pPr marL="252000" indent="-457200" algn="l" defTabSz="914400" rtl="0" eaLnBrk="1" latinLnBrk="0" hangingPunct="1">
+                        <a:lnSpc>
+                          <a:spcPct val="100000"/>
+                        </a:lnSpc>
+                      </a:pPr>
+                      <a:r>
+                        <a:rPr lang="en-US" altLang="zh-TW" sz="2000" kern="1200" dirty="0" smtClean="0">
+                          <a:solidFill>
+                            <a:schemeClr val="dk1"/>
+                          </a:solidFill>
+                          <a:latin typeface="+mn-lt"/>
+                          <a:ea typeface="+mn-ea"/>
+                          <a:cs typeface="+mn-cs"/>
+                        </a:rPr>
+                        <a:t>8. </a:t>
+                      </a:r>
+                      <a:r>
+                        <a:rPr lang="zh-TW" altLang="en-US" sz="2000" kern="1200" dirty="0" smtClean="0">
+                          <a:solidFill>
+                            <a:schemeClr val="dk1"/>
+                          </a:solidFill>
+                          <a:latin typeface="+mn-lt"/>
+                          <a:ea typeface="+mn-ea"/>
+                          <a:cs typeface="+mn-cs"/>
+                        </a:rPr>
+                        <a:t>系統會隨時記錄當天總累積餐點數量</a:t>
+                      </a:r>
+                      <a:endParaRPr lang="zh-TW" altLang="en-US" sz="2000" kern="1200" dirty="0">
+                        <a:solidFill>
+                          <a:schemeClr val="dk1"/>
+                        </a:solidFill>
+                        <a:latin typeface="+mn-lt"/>
+                        <a:ea typeface="+mn-ea"/>
+                        <a:cs typeface="+mn-cs"/>
+                      </a:endParaRPr>
+                    </a:p>
+                  </a:txBody>
+                  <a:tcPr anchor="ctr"/>
+                </a:tc>
+                <a:tc>
+                  <a:txBody>
+                    <a:bodyPr/>
+                    <a:lstStyle/>
+                    <a:p>
+                      <a:pPr>
+                        <a:lnSpc>
+                          <a:spcPct val="100000"/>
+                        </a:lnSpc>
+                      </a:pPr>
+                      <a:r>
+                        <a:rPr lang="zh-TW" altLang="en-US" sz="2000" dirty="0" smtClean="0"/>
+                        <a:t>用戶</a:t>
+                      </a:r>
+                      <a:r>
+                        <a:rPr lang="en-US" altLang="zh-TW" sz="2000" dirty="0" smtClean="0"/>
+                        <a:t>+</a:t>
+                      </a:r>
+                      <a:r>
+                        <a:rPr lang="zh-TW" altLang="en-US" sz="2000" dirty="0" smtClean="0"/>
+                        <a:t>讀取</a:t>
+                      </a:r>
+                      <a:r>
+                        <a:rPr lang="en-US" altLang="zh-TW" sz="2000" dirty="0" smtClean="0"/>
+                        <a:t>+</a:t>
+                      </a:r>
+                      <a:r>
+                        <a:rPr lang="zh-TW" altLang="en-US" sz="2000" dirty="0" smtClean="0"/>
+                        <a:t>交易紀錄</a:t>
+                      </a:r>
+                      <a:endParaRPr lang="zh-TW" altLang="en-US" sz="2000" dirty="0"/>
+                    </a:p>
+                  </a:txBody>
+                  <a:tcPr anchor="ctr"/>
+                </a:tc>
+                <a:extLst>
+                  <a:ext uri="{0D108BD9-81ED-4DB2-BD59-A6C34878D82A}">
+                    <a16:rowId xmlns:a16="http://schemas.microsoft.com/office/drawing/2014/main" val="1044804937"/>
+                  </a:ext>
+                </a:extLst>
+              </a:tr>
+              <a:tr h="812632">
+                <a:tc>
+                  <a:txBody>
+                    <a:bodyPr/>
+                    <a:lstStyle/>
+                    <a:p>
+                      <a:pPr marL="252000" indent="-457200">
+                        <a:lnSpc>
+                          <a:spcPct val="100000"/>
+                        </a:lnSpc>
+                      </a:pPr>
+                      <a:r>
+                        <a:rPr lang="en-US" altLang="zh-TW" sz="2000" kern="1200" dirty="0" smtClean="0">
+                          <a:solidFill>
+                            <a:schemeClr val="dk1"/>
+                          </a:solidFill>
+                          <a:latin typeface="+mn-lt"/>
+                          <a:ea typeface="+mn-ea"/>
+                          <a:cs typeface="+mn-cs"/>
+                        </a:rPr>
+                        <a:t>9. </a:t>
+                      </a:r>
+                      <a:r>
+                        <a:rPr lang="zh-TW" altLang="en-US" sz="2000" kern="1200" dirty="0" smtClean="0">
+                          <a:solidFill>
+                            <a:schemeClr val="dk1"/>
+                          </a:solidFill>
+                          <a:latin typeface="+mn-lt"/>
+                          <a:ea typeface="+mn-ea"/>
+                          <a:cs typeface="+mn-cs"/>
+                        </a:rPr>
+                        <a:t>輸送帶將餐點輸出至目的地給消費者領取</a:t>
+                      </a:r>
+                      <a:endParaRPr lang="zh-TW" altLang="en-US" sz="2000" kern="1200" dirty="0">
+                        <a:solidFill>
+                          <a:schemeClr val="dk1"/>
+                        </a:solidFill>
+                        <a:latin typeface="+mn-lt"/>
+                        <a:ea typeface="+mn-ea"/>
+                        <a:cs typeface="+mn-cs"/>
+                      </a:endParaRPr>
+                    </a:p>
+                  </a:txBody>
+                  <a:tcPr anchor="ctr"/>
+                </a:tc>
+                <a:tc>
+                  <a:txBody>
+                    <a:bodyPr/>
+                    <a:lstStyle/>
+                    <a:p>
+                      <a:pPr>
+                        <a:lnSpc>
+                          <a:spcPct val="100000"/>
+                        </a:lnSpc>
+                      </a:pPr>
+                      <a:r>
+                        <a:rPr lang="zh-TW" altLang="en-US" sz="2000" dirty="0" smtClean="0"/>
+                        <a:t>裝置</a:t>
+                      </a:r>
+                      <a:r>
+                        <a:rPr lang="en-US" altLang="zh-TW" sz="2000" dirty="0" smtClean="0"/>
+                        <a:t>+</a:t>
+                      </a:r>
+                      <a:r>
+                        <a:rPr lang="zh-TW" altLang="en-US" sz="2000" dirty="0" smtClean="0"/>
+                        <a:t>送出</a:t>
+                      </a:r>
+                      <a:r>
+                        <a:rPr lang="en-US" altLang="zh-TW" sz="2000" dirty="0" smtClean="0"/>
+                        <a:t>+</a:t>
+                      </a:r>
+                      <a:r>
+                        <a:rPr lang="zh-TW" altLang="en-US" sz="2000" dirty="0" smtClean="0"/>
+                        <a:t>客人</a:t>
+                      </a:r>
+                      <a:endParaRPr lang="en-US" altLang="zh-TW" sz="2000" dirty="0" smtClean="0"/>
+                    </a:p>
+                    <a:p>
+                      <a:pPr>
+                        <a:lnSpc>
+                          <a:spcPct val="100000"/>
+                        </a:lnSpc>
+                      </a:pPr>
+                      <a:r>
+                        <a:rPr lang="zh-TW" altLang="en-US" sz="2000" dirty="0" smtClean="0"/>
+                        <a:t>客人</a:t>
+                      </a:r>
+                      <a:r>
+                        <a:rPr lang="en-US" altLang="zh-TW" sz="2000" dirty="0" smtClean="0"/>
+                        <a:t>+</a:t>
+                      </a:r>
+                      <a:r>
+                        <a:rPr lang="zh-TW" altLang="en-US" sz="2000" dirty="0" smtClean="0"/>
+                        <a:t>確認</a:t>
+                      </a:r>
+                      <a:r>
+                        <a:rPr lang="en-US" altLang="zh-TW" sz="2000" dirty="0" smtClean="0"/>
+                        <a:t>+</a:t>
+                      </a:r>
+                      <a:r>
+                        <a:rPr lang="zh-TW" altLang="en-US" sz="2000" dirty="0" smtClean="0"/>
+                        <a:t>餐點清單</a:t>
+                      </a:r>
+                      <a:endParaRPr lang="zh-TW" altLang="en-US" sz="2000" dirty="0"/>
+                    </a:p>
+                  </a:txBody>
+                  <a:tcPr anchor="ctr"/>
+                </a:tc>
+                <a:extLst>
+                  <a:ext uri="{0D108BD9-81ED-4DB2-BD59-A6C34878D82A}">
+                    <a16:rowId xmlns:a16="http://schemas.microsoft.com/office/drawing/2014/main" val="376662139"/>
+                  </a:ext>
+                </a:extLst>
+              </a:tr>
+            </a:tbl>
+          </a:graphicData>
+        </a:graphic>
+      </p:graphicFrame>
+    </p:spTree>
+    <p:extLst>
+      <p:ext uri="{BB962C8B-B14F-4D97-AF65-F5344CB8AC3E}">
+        <p14:creationId xmlns:p14="http://schemas.microsoft.com/office/powerpoint/2010/main" val="1002471358"/>
+      </p:ext>
+    </p:extLst>
+  </p:cSld>
+  <p:clrMapOvr>
+    <a:masterClrMapping/>
+  </p:clrMapOvr>
+  <mc:AlternateContent xmlns:mc="http://schemas.openxmlformats.org/markup-compatibility/2006" xmlns:p14="http://schemas.microsoft.com/office/powerpoint/2010/main">
+    <mc:Choice Requires="p14">
+      <p:transition p14:dur="10"/>
+    </mc:Choice>
+    <mc:Fallback xmlns="">
+      <p:transition/>
+    </mc:Fallback>
+  </mc:AlternateContent>
+  <p:timing>
+    <p:tnLst>
+      <p:par>
+        <p:cTn id="1" dur="indefinite" restart="never" nodeType="tmRoot">
+          <p:childTnLst>
+            <p:seq concurrent="1" nextAc="seek">
+              <p:cTn id="2" dur="indefinite" nodeType="mainSeq">
+                <p:childTnLst>
                   <p:par>
-                    <p:cTn id="20" fill="hold">
+                    <p:cTn id="3" fill="hold">
                       <p:stCondLst>
                         <p:cond delay="indefinite"/>
+                        <p:cond evt="onBegin" delay="0">
+                          <p:tn val="2"/>
+                        </p:cond>
                       </p:stCondLst>
                       <p:childTnLst>
                         <p:par>
-                          <p:cTn id="21" fill="hold">
+                          <p:cTn id="4" fill="hold">
                             <p:stCondLst>
                               <p:cond delay="0"/>
                             </p:stCondLst>
                             <p:childTnLst>
                               <p:par>
-                                <p:cTn id="22" presetID="14" presetClass="entr" presetSubtype="10" fill="hold" grpId="0" nodeType="clickEffect">
+                                <p:cTn id="5" presetID="42" presetClass="entr" presetSubtype="0" fill="hold" grpId="0" nodeType="withEffect">
                                   <p:stCondLst>
                                     <p:cond delay="0"/>
                                   </p:stCondLst>
                                   <p:childTnLst>
                                     <p:set>
                                       <p:cBhvr>
-                                        <p:cTn id="23" dur="1" fill="hold">
+                                        <p:cTn id="6" dur="1" fill="hold">
                                           <p:stCondLst>
                                             <p:cond delay="0"/>
                                           </p:stCondLst>
                                         </p:cTn>
                                         <p:tgtEl>
-                                          <p:spTgt spid="21"/>
+                                          <p:spTgt spid="12"/>
+                                        </p:tgtEl>
+                                        <p:attrNameLst>
+                                          <p:attrName>style.visibility</p:attrName>
+                                        </p:attrNameLst>
+                                      </p:cBhvr>
+                                      <p:to>
+                                        <p:strVal val="visible"/>
+                                      </p:to>
+                                    </p:set>
+                                    <p:animEffect transition="in" filter="fade">
+                                      <p:cBhvr>
+                                        <p:cTn id="7" dur="1000"/>
+                                        <p:tgtEl>
+                                          <p:spTgt spid="12"/>
+                                        </p:tgtEl>
+                                      </p:cBhvr>
+                                    </p:animEffect>
+                                    <p:anim calcmode="lin" valueType="num">
+                                      <p:cBhvr>
+                                        <p:cTn id="8" dur="1000" fill="hold"/>
+                                        <p:tgtEl>
+                                          <p:spTgt spid="12"/>
+                                        </p:tgtEl>
+                                        <p:attrNameLst>
+                                          <p:attrName>ppt_x</p:attrName>
+                                        </p:attrNameLst>
+                                      </p:cBhvr>
+                                      <p:tavLst>
+                                        <p:tav tm="0">
+                                          <p:val>
+                                            <p:strVal val="#ppt_x"/>
+                                          </p:val>
+                                        </p:tav>
+                                        <p:tav tm="100000">
+                                          <p:val>
+                                            <p:strVal val="#ppt_x"/>
+                                          </p:val>
+                                        </p:tav>
+                                      </p:tavLst>
+                                    </p:anim>
+                                    <p:anim calcmode="lin" valueType="num">
+                                      <p:cBhvr>
+                                        <p:cTn id="9" dur="1000" fill="hold"/>
+                                        <p:tgtEl>
+                                          <p:spTgt spid="12"/>
+                                        </p:tgtEl>
+                                        <p:attrNameLst>
+                                          <p:attrName>ppt_y</p:attrName>
+                                        </p:attrNameLst>
+                                      </p:cBhvr>
+                                      <p:tavLst>
+                                        <p:tav tm="0">
+                                          <p:val>
+                                            <p:strVal val="#ppt_y+.1"/>
+                                          </p:val>
+                                        </p:tav>
+                                        <p:tav tm="100000">
+                                          <p:val>
+                                            <p:strVal val="#ppt_y"/>
+                                          </p:val>
+                                        </p:tav>
+                                      </p:tavLst>
+                                    </p:anim>
+                                  </p:childTnLst>
+                                </p:cTn>
+                              </p:par>
+                              <p:par>
+                                <p:cTn id="10" presetID="22" presetClass="entr" presetSubtype="8" fill="hold" grpId="0" nodeType="withEffect">
+                                  <p:stCondLst>
+                                    <p:cond delay="0"/>
+                                  </p:stCondLst>
+                                  <p:childTnLst>
+                                    <p:set>
+                                      <p:cBhvr>
+                                        <p:cTn id="11" dur="1" fill="hold">
+                                          <p:stCondLst>
+                                            <p:cond delay="0"/>
+                                          </p:stCondLst>
+                                        </p:cTn>
+                                        <p:tgtEl>
+                                          <p:spTgt spid="23"/>
+                                        </p:tgtEl>
+                                        <p:attrNameLst>
+                                          <p:attrName>style.visibility</p:attrName>
+                                        </p:attrNameLst>
+                                      </p:cBhvr>
+                                      <p:to>
+                                        <p:strVal val="visible"/>
+                                      </p:to>
+                                    </p:set>
+                                    <p:animEffect transition="in" filter="wipe(left)">
+                                      <p:cBhvr>
+                                        <p:cTn id="12" dur="500"/>
+                                        <p:tgtEl>
+                                          <p:spTgt spid="23"/>
+                                        </p:tgtEl>
+                                      </p:cBhvr>
+                                    </p:animEffect>
+                                  </p:childTnLst>
+                                </p:cTn>
+                              </p:par>
+                              <p:par>
+                                <p:cTn id="13" presetID="2" presetClass="entr" presetSubtype="1" fill="hold" grpId="0" nodeType="withEffect">
+                                  <p:stCondLst>
+                                    <p:cond delay="0"/>
+                                  </p:stCondLst>
+                                  <p:childTnLst>
+                                    <p:set>
+                                      <p:cBhvr>
+                                        <p:cTn id="14" dur="1" fill="hold">
+                                          <p:stCondLst>
+                                            <p:cond delay="0"/>
+                                          </p:stCondLst>
+                                        </p:cTn>
+                                        <p:tgtEl>
+                                          <p:spTgt spid="24"/>
+                                        </p:tgtEl>
+                                        <p:attrNameLst>
+                                          <p:attrName>style.visibility</p:attrName>
+                                        </p:attrNameLst>
+                                      </p:cBhvr>
+                                      <p:to>
+                                        <p:strVal val="visible"/>
+                                      </p:to>
+                                    </p:set>
+                                    <p:anim calcmode="lin" valueType="num">
+                                      <p:cBhvr additive="base">
+                                        <p:cTn id="15" dur="500" fill="hold"/>
+                                        <p:tgtEl>
+                                          <p:spTgt spid="24"/>
+                                        </p:tgtEl>
+                                        <p:attrNameLst>
+                                          <p:attrName>ppt_x</p:attrName>
+                                        </p:attrNameLst>
+                                      </p:cBhvr>
+                                      <p:tavLst>
+                                        <p:tav tm="0">
+                                          <p:val>
+                                            <p:strVal val="#ppt_x"/>
+                                          </p:val>
+                                        </p:tav>
+                                        <p:tav tm="100000">
+                                          <p:val>
+                                            <p:strVal val="#ppt_x"/>
+                                          </p:val>
+                                        </p:tav>
+                                      </p:tavLst>
+                                    </p:anim>
+                                    <p:anim calcmode="lin" valueType="num">
+                                      <p:cBhvr additive="base">
+                                        <p:cTn id="16" dur="500" fill="hold"/>
+                                        <p:tgtEl>
+                                          <p:spTgt spid="24"/>
+                                        </p:tgtEl>
+                                        <p:attrNameLst>
+                                          <p:attrName>ppt_y</p:attrName>
+                                        </p:attrNameLst>
+                                      </p:cBhvr>
+                                      <p:tavLst>
+                                        <p:tav tm="0">
+                                          <p:val>
+                                            <p:strVal val="0-#ppt_h/2"/>
+                                          </p:val>
+                                        </p:tav>
+                                        <p:tav tm="100000">
+                                          <p:val>
+                                            <p:strVal val="#ppt_y"/>
+                                          </p:val>
+                                        </p:tav>
+                                      </p:tavLst>
+                                    </p:anim>
+                                  </p:childTnLst>
+                                </p:cTn>
+                              </p:par>
+                              <p:par>
+                                <p:cTn id="17" presetID="14" presetClass="entr" presetSubtype="10" fill="hold" grpId="0" nodeType="withEffect">
+                                  <p:stCondLst>
+                                    <p:cond delay="0"/>
+                                  </p:stCondLst>
+                                  <p:childTnLst>
+                                    <p:set>
+                                      <p:cBhvr>
+                                        <p:cTn id="18" dur="1" fill="hold">
+                                          <p:stCondLst>
+                                            <p:cond delay="0"/>
+                                          </p:stCondLst>
+                                        </p:cTn>
+                                        <p:tgtEl>
+                                          <p:spTgt spid="22"/>
                                         </p:tgtEl>
                                         <p:attrNameLst>
                                           <p:attrName>style.visibility</p:attrName>
@@ -13141,221 +15240,9 @@
                                     </p:set>
                                     <p:animEffect transition="in" filter="randombar(horizontal)">
                                       <p:cBhvr>
-                                        <p:cTn id="24" dur="500"/>
+                                        <p:cTn id="19" dur="500"/>
                                         <p:tgtEl>
-                                          <p:spTgt spid="21"/>
-                                        </p:tgtEl>
-                                      </p:cBhvr>
-                                    </p:animEffect>
-                                  </p:childTnLst>
-                                </p:cTn>
-                              </p:par>
-                            </p:childTnLst>
-                          </p:cTn>
-                        </p:par>
-                      </p:childTnLst>
-                    </p:cTn>
-                  </p:par>
-                  <p:par>
-                    <p:cTn id="25" fill="hold">
-                      <p:stCondLst>
-                        <p:cond delay="indefinite"/>
-                      </p:stCondLst>
-                      <p:childTnLst>
-                        <p:par>
-                          <p:cTn id="26" fill="hold">
-                            <p:stCondLst>
-                              <p:cond delay="0"/>
-                            </p:stCondLst>
-                            <p:childTnLst>
-                              <p:par>
-                                <p:cTn id="27" presetID="14" presetClass="entr" presetSubtype="10" fill="hold" grpId="0" nodeType="clickEffect">
-                                  <p:stCondLst>
-                                    <p:cond delay="0"/>
-                                  </p:stCondLst>
-                                  <p:childTnLst>
-                                    <p:set>
-                                      <p:cBhvr>
-                                        <p:cTn id="28" dur="1" fill="hold">
-                                          <p:stCondLst>
-                                            <p:cond delay="0"/>
-                                          </p:stCondLst>
-                                        </p:cTn>
-                                        <p:tgtEl>
-                                          <p:spTgt spid="8"/>
-                                        </p:tgtEl>
-                                        <p:attrNameLst>
-                                          <p:attrName>style.visibility</p:attrName>
-                                        </p:attrNameLst>
-                                      </p:cBhvr>
-                                      <p:to>
-                                        <p:strVal val="visible"/>
-                                      </p:to>
-                                    </p:set>
-                                    <p:animEffect transition="in" filter="randombar(horizontal)">
-                                      <p:cBhvr>
-                                        <p:cTn id="29" dur="500"/>
-                                        <p:tgtEl>
-                                          <p:spTgt spid="8"/>
-                                        </p:tgtEl>
-                                      </p:cBhvr>
-                                    </p:animEffect>
-                                  </p:childTnLst>
-                                </p:cTn>
-                              </p:par>
-                            </p:childTnLst>
-                          </p:cTn>
-                        </p:par>
-                      </p:childTnLst>
-                    </p:cTn>
-                  </p:par>
-                  <p:par>
-                    <p:cTn id="30" fill="hold">
-                      <p:stCondLst>
-                        <p:cond delay="indefinite"/>
-                      </p:stCondLst>
-                      <p:childTnLst>
-                        <p:par>
-                          <p:cTn id="31" fill="hold">
-                            <p:stCondLst>
-                              <p:cond delay="0"/>
-                            </p:stCondLst>
-                            <p:childTnLst>
-                              <p:par>
-                                <p:cTn id="32" presetID="14" presetClass="entr" presetSubtype="10" fill="hold" grpId="0" nodeType="clickEffect">
-                                  <p:stCondLst>
-                                    <p:cond delay="0"/>
-                                  </p:stCondLst>
-                                  <p:childTnLst>
-                                    <p:set>
-                                      <p:cBhvr>
-                                        <p:cTn id="33" dur="1" fill="hold">
-                                          <p:stCondLst>
-                                            <p:cond delay="0"/>
-                                          </p:stCondLst>
-                                        </p:cTn>
-                                        <p:tgtEl>
-                                          <p:spTgt spid="9"/>
-                                        </p:tgtEl>
-                                        <p:attrNameLst>
-                                          <p:attrName>style.visibility</p:attrName>
-                                        </p:attrNameLst>
-                                      </p:cBhvr>
-                                      <p:to>
-                                        <p:strVal val="visible"/>
-                                      </p:to>
-                                    </p:set>
-                                    <p:animEffect transition="in" filter="randombar(horizontal)">
-                                      <p:cBhvr>
-                                        <p:cTn id="34" dur="500"/>
-                                        <p:tgtEl>
-                                          <p:spTgt spid="9"/>
-                                        </p:tgtEl>
-                                      </p:cBhvr>
-                                    </p:animEffect>
-                                  </p:childTnLst>
-                                </p:cTn>
-                              </p:par>
-                            </p:childTnLst>
-                          </p:cTn>
-                        </p:par>
-                      </p:childTnLst>
-                    </p:cTn>
-                  </p:par>
-                  <p:par>
-                    <p:cTn id="35" fill="hold">
-                      <p:stCondLst>
-                        <p:cond delay="indefinite"/>
-                      </p:stCondLst>
-                      <p:childTnLst>
-                        <p:par>
-                          <p:cTn id="36" fill="hold">
-                            <p:stCondLst>
-                              <p:cond delay="0"/>
-                            </p:stCondLst>
-                            <p:childTnLst>
-                              <p:par>
-                                <p:cTn id="37" presetID="14" presetClass="entr" presetSubtype="10" fill="hold" grpId="0" nodeType="clickEffect">
-                                  <p:stCondLst>
-                                    <p:cond delay="0"/>
-                                  </p:stCondLst>
-                                  <p:childTnLst>
-                                    <p:set>
-                                      <p:cBhvr>
-                                        <p:cTn id="38" dur="1" fill="hold">
-                                          <p:stCondLst>
-                                            <p:cond delay="0"/>
-                                          </p:stCondLst>
-                                        </p:cTn>
-                                        <p:tgtEl>
-                                          <p:spTgt spid="10"/>
-                                        </p:tgtEl>
-                                        <p:attrNameLst>
-                                          <p:attrName>style.visibility</p:attrName>
-                                        </p:attrNameLst>
-                                      </p:cBhvr>
-                                      <p:to>
-                                        <p:strVal val="visible"/>
-                                      </p:to>
-                                    </p:set>
-                                    <p:animEffect transition="in" filter="randombar(horizontal)">
-                                      <p:cBhvr>
-                                        <p:cTn id="39" dur="500"/>
-                                        <p:tgtEl>
-                                          <p:spTgt spid="10"/>
-                                        </p:tgtEl>
-                                      </p:cBhvr>
-                                    </p:animEffect>
-                                  </p:childTnLst>
-                                </p:cTn>
-                              </p:par>
-                            </p:childTnLst>
-                          </p:cTn>
-                        </p:par>
-                      </p:childTnLst>
-                    </p:cTn>
-                  </p:par>
-                  <p:par>
-                    <p:cTn id="40" fill="hold">
-                      <p:stCondLst>
-                        <p:cond delay="indefinite"/>
-                      </p:stCondLst>
-                      <p:childTnLst>
-                        <p:par>
-                          <p:cTn id="41" fill="hold">
-                            <p:stCondLst>
-                              <p:cond delay="0"/>
-                            </p:stCondLst>
-                            <p:childTnLst>
-                              <p:par>
-                                <p:cTn id="42" presetID="14" presetClass="entr" presetSubtype="10" fill="hold" grpId="0" nodeType="clickEffect">
-                                  <p:stCondLst>
-                                    <p:cond delay="0"/>
-                                  </p:stCondLst>
-                                  <p:childTnLst>
-                                    <p:set>
-                                      <p:cBhvr>
-                                        <p:cTn id="43" dur="1" fill="hold">
-                                          <p:stCondLst>
-                                            <p:cond delay="0"/>
-                                          </p:stCondLst>
-                                        </p:cTn>
-                                        <p:tgtEl>
-                                          <p:spTgt spid="11"/>
-                                        </p:tgtEl>
-                                        <p:attrNameLst>
-                                          <p:attrName>style.visibility</p:attrName>
-                                        </p:attrNameLst>
-                                      </p:cBhvr>
-                                      <p:to>
-                                        <p:strVal val="visible"/>
-                                      </p:to>
-                                    </p:set>
-                                    <p:animEffect transition="in" filter="randombar(horizontal)">
-                                      <p:cBhvr>
-                                        <p:cTn id="44" dur="500"/>
-                                        <p:tgtEl>
-                                          <p:spTgt spid="11"/>
+                                          <p:spTgt spid="22"/>
                                         </p:tgtEl>
                                       </p:cBhvr>
                                     </p:animEffect>
@@ -13392,19 +15279,888 @@
     <p:bldLst>
       <p:bldP spid="24" grpId="0" animBg="1"/>
       <p:bldP spid="12" grpId="0" animBg="1"/>
-      <p:bldP spid="21" grpId="0"/>
       <p:bldP spid="22" grpId="0"/>
       <p:bldP spid="23" grpId="0" animBg="1"/>
-      <p:bldP spid="8" grpId="0"/>
-      <p:bldP spid="9" grpId="0"/>
-      <p:bldP spid="10" grpId="0"/>
-      <p:bldP spid="11" grpId="0"/>
     </p:bldLst>
   </p:timing>
 </p:sld>
 </file>
 
-<file path=ppt/slides/slide7.xml><?xml version="1.0" encoding="utf-8"?>
+<file path=ppt/slides/slide8.xml><?xml version="1.0" encoding="utf-8"?>
+<p:sld xmlns:a="http://schemas.openxmlformats.org/drawingml/2006/main" xmlns:r="http://schemas.openxmlformats.org/officeDocument/2006/relationships" xmlns:p="http://schemas.openxmlformats.org/presentationml/2006/main">
+  <p:cSld>
+    <p:spTree>
+      <p:nvGrpSpPr>
+        <p:cNvPr id="1" name=""/>
+        <p:cNvGrpSpPr/>
+        <p:nvPr/>
+      </p:nvGrpSpPr>
+      <p:grpSpPr>
+        <a:xfrm>
+          <a:off x="0" y="0"/>
+          <a:ext cx="0" cy="0"/>
+          <a:chOff x="0" y="0"/>
+          <a:chExt cx="0" cy="0"/>
+        </a:xfrm>
+      </p:grpSpPr>
+      <p:sp>
+        <p:nvSpPr>
+          <p:cNvPr id="2" name="矩形 1">
+            <a:extLst>
+              <a:ext uri="{FF2B5EF4-FFF2-40B4-BE49-F238E27FC236}">
+                <a16:creationId xmlns:a16="http://schemas.microsoft.com/office/drawing/2014/main" id="{BCF36AA9-468E-47A2-B525-114DDEAA5E0D}"/>
+              </a:ext>
+            </a:extLst>
+          </p:cNvPr>
+          <p:cNvSpPr/>
+          <p:nvPr/>
+        </p:nvSpPr>
+        <p:spPr>
+          <a:xfrm>
+            <a:off x="0" y="0"/>
+            <a:ext cx="9144000" cy="5143500"/>
+          </a:xfrm>
+          <a:prstGeom prst="rect">
+            <a:avLst/>
+          </a:prstGeom>
+          <a:solidFill>
+            <a:schemeClr val="bg1"/>
+          </a:solidFill>
+          <a:ln>
+            <a:noFill/>
+          </a:ln>
+        </p:spPr>
+        <p:style>
+          <a:lnRef idx="2">
+            <a:schemeClr val="accent1">
+              <a:shade val="50000"/>
+            </a:schemeClr>
+          </a:lnRef>
+          <a:fillRef idx="1">
+            <a:schemeClr val="accent1"/>
+          </a:fillRef>
+          <a:effectRef idx="0">
+            <a:schemeClr val="accent1"/>
+          </a:effectRef>
+          <a:fontRef idx="minor">
+            <a:schemeClr val="lt1"/>
+          </a:fontRef>
+        </p:style>
+        <p:txBody>
+          <a:bodyPr rtlCol="0" anchor="ctr"/>
+          <a:lstStyle/>
+          <a:p>
+            <a:pPr algn="ctr"/>
+            <a:endParaRPr lang="zh-CN" altLang="en-US" dirty="0">
+              <a:ea typeface="微软雅黑" panose="020B0503020204020204" pitchFamily="34" charset="-122"/>
+            </a:endParaRPr>
+          </a:p>
+        </p:txBody>
+      </p:sp>
+      <p:sp>
+        <p:nvSpPr>
+          <p:cNvPr id="24" name="等腰三角形 23">
+            <a:extLst>
+              <a:ext uri="{FF2B5EF4-FFF2-40B4-BE49-F238E27FC236}">
+                <a16:creationId xmlns:a16="http://schemas.microsoft.com/office/drawing/2014/main" id="{8087D682-B836-4596-BB63-5A28F72470B4}"/>
+              </a:ext>
+            </a:extLst>
+          </p:cNvPr>
+          <p:cNvSpPr/>
+          <p:nvPr/>
+        </p:nvSpPr>
+        <p:spPr>
+          <a:xfrm rot="10800000">
+            <a:off x="6876255" y="-1"/>
+            <a:ext cx="2267743" cy="2330941"/>
+          </a:xfrm>
+          <a:prstGeom prst="triangle">
+            <a:avLst>
+              <a:gd name="adj" fmla="val 0"/>
+            </a:avLst>
+          </a:prstGeom>
+          <a:blipFill dpi="0" rotWithShape="1">
+            <a:blip r:embed="rId3">
+              <a:extLst>
+                <a:ext uri="{28A0092B-C50C-407E-A947-70E740481C1C}">
+                  <a14:useLocalDpi xmlns:a14="http://schemas.microsoft.com/office/drawing/2010/main" val="0"/>
+                </a:ext>
+              </a:extLst>
+            </a:blip>
+            <a:srcRect/>
+            <a:stretch>
+              <a:fillRect/>
+            </a:stretch>
+          </a:blipFill>
+          <a:ln>
+            <a:noFill/>
+          </a:ln>
+        </p:spPr>
+        <p:style>
+          <a:lnRef idx="2">
+            <a:schemeClr val="accent1">
+              <a:shade val="50000"/>
+            </a:schemeClr>
+          </a:lnRef>
+          <a:fillRef idx="1">
+            <a:schemeClr val="accent1"/>
+          </a:fillRef>
+          <a:effectRef idx="0">
+            <a:schemeClr val="accent1"/>
+          </a:effectRef>
+          <a:fontRef idx="minor">
+            <a:schemeClr val="lt1"/>
+          </a:fontRef>
+        </p:style>
+        <p:txBody>
+          <a:bodyPr rtlCol="0" anchor="ctr"/>
+          <a:lstStyle/>
+          <a:p>
+            <a:pPr algn="ctr"/>
+            <a:endParaRPr lang="zh-CN" altLang="en-US" dirty="0">
+              <a:ea typeface="微软雅黑" panose="020B0503020204020204" pitchFamily="34" charset="-122"/>
+            </a:endParaRPr>
+          </a:p>
+        </p:txBody>
+      </p:sp>
+      <p:sp>
+        <p:nvSpPr>
+          <p:cNvPr id="12" name="等腰三角形 11">
+            <a:extLst>
+              <a:ext uri="{FF2B5EF4-FFF2-40B4-BE49-F238E27FC236}">
+                <a16:creationId xmlns:a16="http://schemas.microsoft.com/office/drawing/2014/main" id="{FEE2F73E-2FF5-487D-9244-4EFDA0A0563D}"/>
+              </a:ext>
+            </a:extLst>
+          </p:cNvPr>
+          <p:cNvSpPr/>
+          <p:nvPr/>
+        </p:nvSpPr>
+        <p:spPr>
+          <a:xfrm>
+            <a:off x="0" y="0"/>
+            <a:ext cx="5004048" cy="5143500"/>
+          </a:xfrm>
+          <a:prstGeom prst="triangle">
+            <a:avLst>
+              <a:gd name="adj" fmla="val 0"/>
+            </a:avLst>
+          </a:prstGeom>
+          <a:solidFill>
+            <a:schemeClr val="bg1">
+              <a:lumMod val="95000"/>
+            </a:schemeClr>
+          </a:solidFill>
+          <a:ln>
+            <a:noFill/>
+          </a:ln>
+        </p:spPr>
+        <p:style>
+          <a:lnRef idx="2">
+            <a:schemeClr val="accent1">
+              <a:shade val="50000"/>
+            </a:schemeClr>
+          </a:lnRef>
+          <a:fillRef idx="1">
+            <a:schemeClr val="accent1"/>
+          </a:fillRef>
+          <a:effectRef idx="0">
+            <a:schemeClr val="accent1"/>
+          </a:effectRef>
+          <a:fontRef idx="minor">
+            <a:schemeClr val="lt1"/>
+          </a:fontRef>
+        </p:style>
+        <p:txBody>
+          <a:bodyPr rtlCol="0" anchor="ctr"/>
+          <a:lstStyle/>
+          <a:p>
+            <a:pPr algn="ctr"/>
+            <a:endParaRPr lang="zh-CN" altLang="en-US" dirty="0">
+              <a:ea typeface="微软雅黑" panose="020B0503020204020204" pitchFamily="34" charset="-122"/>
+            </a:endParaRPr>
+          </a:p>
+        </p:txBody>
+      </p:sp>
+      <p:sp>
+        <p:nvSpPr>
+          <p:cNvPr id="22" name="矩形 21">
+            <a:extLst>
+              <a:ext uri="{FF2B5EF4-FFF2-40B4-BE49-F238E27FC236}">
+                <a16:creationId xmlns:a16="http://schemas.microsoft.com/office/drawing/2014/main" id="{10001072-4841-420C-B165-B7257D71E421}"/>
+              </a:ext>
+            </a:extLst>
+          </p:cNvPr>
+          <p:cNvSpPr/>
+          <p:nvPr/>
+        </p:nvSpPr>
+        <p:spPr>
+          <a:xfrm>
+            <a:off x="539552" y="475587"/>
+            <a:ext cx="6192688" cy="1323439"/>
+          </a:xfrm>
+          <a:prstGeom prst="rect">
+            <a:avLst/>
+          </a:prstGeom>
+        </p:spPr>
+        <p:txBody>
+          <a:bodyPr wrap="square">
+            <a:spAutoFit/>
+          </a:bodyPr>
+          <a:lstStyle/>
+          <a:p>
+            <a:pPr fontAlgn="auto">
+              <a:spcBef>
+                <a:spcPts val="0"/>
+              </a:spcBef>
+              <a:spcAft>
+                <a:spcPts val="0"/>
+              </a:spcAft>
+              <a:defRPr/>
+            </a:pPr>
+            <a:r>
+              <a:rPr lang="zh-TW" altLang="en-US" sz="4000" spc="300" dirty="0" smtClean="0">
+                <a:solidFill>
+                  <a:srgbClr val="3B3B3B"/>
+                </a:solidFill>
+                <a:latin typeface="Bernard MT Condensed" panose="02050806060905020404" pitchFamily="18" charset="0"/>
+                <a:ea typeface="微软雅黑" panose="020B0503020204020204" pitchFamily="34" charset="-122"/>
+                <a:cs typeface="+mn-ea"/>
+                <a:sym typeface="+mn-lt"/>
+              </a:rPr>
+              <a:t>功能描述與</a:t>
+            </a:r>
+            <a:r>
+              <a:rPr lang="zh-TW" altLang="en-US" sz="4000" spc="300" dirty="0">
+                <a:solidFill>
+                  <a:srgbClr val="3B3B3B"/>
+                </a:solidFill>
+                <a:latin typeface="Bernard MT Condensed" panose="02050806060905020404" pitchFamily="18" charset="0"/>
+                <a:ea typeface="微软雅黑" panose="020B0503020204020204" pitchFamily="34" charset="-122"/>
+                <a:cs typeface="+mn-ea"/>
+                <a:sym typeface="+mn-lt"/>
+              </a:rPr>
+              <a:t>事件條列式</a:t>
+            </a:r>
+          </a:p>
+          <a:p>
+            <a:pPr fontAlgn="auto">
+              <a:spcBef>
+                <a:spcPts val="0"/>
+              </a:spcBef>
+              <a:spcAft>
+                <a:spcPts val="0"/>
+              </a:spcAft>
+              <a:defRPr/>
+            </a:pPr>
+            <a:endParaRPr lang="zh-CN" altLang="en-US" sz="4000" spc="300" dirty="0">
+              <a:solidFill>
+                <a:srgbClr val="3B3B3B"/>
+              </a:solidFill>
+              <a:latin typeface="Bernard MT Condensed" panose="02050806060905020404" pitchFamily="18" charset="0"/>
+              <a:ea typeface="微软雅黑" panose="020B0503020204020204" pitchFamily="34" charset="-122"/>
+              <a:cs typeface="+mn-ea"/>
+              <a:sym typeface="+mn-lt"/>
+            </a:endParaRPr>
+          </a:p>
+        </p:txBody>
+      </p:sp>
+      <p:sp>
+        <p:nvSpPr>
+          <p:cNvPr id="23" name="矩形 22">
+            <a:extLst>
+              <a:ext uri="{FF2B5EF4-FFF2-40B4-BE49-F238E27FC236}">
+                <a16:creationId xmlns:a16="http://schemas.microsoft.com/office/drawing/2014/main" id="{B3390856-A54F-47A8-9CF0-4D6BF200AA28}"/>
+              </a:ext>
+            </a:extLst>
+          </p:cNvPr>
+          <p:cNvSpPr/>
+          <p:nvPr/>
+        </p:nvSpPr>
+        <p:spPr>
+          <a:xfrm>
+            <a:off x="251520" y="267494"/>
+            <a:ext cx="8640960" cy="4608512"/>
+          </a:xfrm>
+          <a:prstGeom prst="rect">
+            <a:avLst/>
+          </a:prstGeom>
+          <a:noFill/>
+          <a:ln w="38100">
+            <a:solidFill>
+              <a:schemeClr val="tx1"/>
+            </a:solidFill>
+          </a:ln>
+        </p:spPr>
+        <p:style>
+          <a:lnRef idx="2">
+            <a:schemeClr val="accent1">
+              <a:shade val="50000"/>
+            </a:schemeClr>
+          </a:lnRef>
+          <a:fillRef idx="1">
+            <a:schemeClr val="accent1"/>
+          </a:fillRef>
+          <a:effectRef idx="0">
+            <a:schemeClr val="accent1"/>
+          </a:effectRef>
+          <a:fontRef idx="minor">
+            <a:schemeClr val="lt1"/>
+          </a:fontRef>
+        </p:style>
+        <p:txBody>
+          <a:bodyPr rtlCol="0" anchor="ctr"/>
+          <a:lstStyle/>
+          <a:p>
+            <a:pPr algn="ctr"/>
+            <a:endParaRPr lang="zh-CN" altLang="en-US" dirty="0">
+              <a:ea typeface="微软雅黑" panose="020B0503020204020204" pitchFamily="34" charset="-122"/>
+            </a:endParaRPr>
+          </a:p>
+        </p:txBody>
+      </p:sp>
+      <p:graphicFrame>
+        <p:nvGraphicFramePr>
+          <p:cNvPr id="3" name="表格 2"/>
+          <p:cNvGraphicFramePr>
+            <a:graphicFrameLocks noGrp="1"/>
+          </p:cNvGraphicFramePr>
+          <p:nvPr>
+            <p:extLst>
+              <p:ext uri="{D42A27DB-BD31-4B8C-83A1-F6EECF244321}">
+                <p14:modId xmlns:p14="http://schemas.microsoft.com/office/powerpoint/2010/main" val="2071484926"/>
+              </p:ext>
+            </p:extLst>
+          </p:nvPr>
+        </p:nvGraphicFramePr>
+        <p:xfrm>
+          <a:off x="708248" y="1265437"/>
+          <a:ext cx="6600056" cy="2571537"/>
+        </p:xfrm>
+        <a:graphic>
+          <a:graphicData uri="http://schemas.openxmlformats.org/drawingml/2006/table">
+            <a:tbl>
+              <a:tblPr firstRow="1" bandRow="1">
+                <a:tableStyleId>{5C22544A-7EE6-4342-B048-85BDC9FD1C3A}</a:tableStyleId>
+              </a:tblPr>
+              <a:tblGrid>
+                <a:gridCol w="3300028">
+                  <a:extLst>
+                    <a:ext uri="{9D8B030D-6E8A-4147-A177-3AD203B41FA5}">
+                      <a16:colId xmlns:a16="http://schemas.microsoft.com/office/drawing/2014/main" val="3017139644"/>
+                    </a:ext>
+                  </a:extLst>
+                </a:gridCol>
+                <a:gridCol w="3300028">
+                  <a:extLst>
+                    <a:ext uri="{9D8B030D-6E8A-4147-A177-3AD203B41FA5}">
+                      <a16:colId xmlns:a16="http://schemas.microsoft.com/office/drawing/2014/main" val="2409217298"/>
+                    </a:ext>
+                  </a:extLst>
+                </a:gridCol>
+              </a:tblGrid>
+              <a:tr h="946273">
+                <a:tc>
+                  <a:txBody>
+                    <a:bodyPr/>
+                    <a:lstStyle/>
+                    <a:p>
+                      <a:pPr algn="ctr">
+                        <a:lnSpc>
+                          <a:spcPct val="100000"/>
+                        </a:lnSpc>
+                      </a:pPr>
+                      <a:r>
+                        <a:rPr lang="zh-TW" altLang="en-US" sz="2800" dirty="0" smtClean="0"/>
+                        <a:t>描述性項目</a:t>
+                      </a:r>
+                      <a:endParaRPr lang="zh-TW" altLang="en-US" sz="2800" dirty="0"/>
+                    </a:p>
+                  </a:txBody>
+                  <a:tcPr anchor="ctr"/>
+                </a:tc>
+                <a:tc>
+                  <a:txBody>
+                    <a:bodyPr/>
+                    <a:lstStyle/>
+                    <a:p>
+                      <a:pPr algn="ctr">
+                        <a:lnSpc>
+                          <a:spcPct val="100000"/>
+                        </a:lnSpc>
+                      </a:pPr>
+                      <a:r>
+                        <a:rPr lang="zh-TW" altLang="en-US" sz="2800" dirty="0" smtClean="0"/>
+                        <a:t>事件條列式</a:t>
+                      </a:r>
+                    </a:p>
+                  </a:txBody>
+                  <a:tcPr anchor="ctr"/>
+                </a:tc>
+                <a:extLst>
+                  <a:ext uri="{0D108BD9-81ED-4DB2-BD59-A6C34878D82A}">
+                    <a16:rowId xmlns:a16="http://schemas.microsoft.com/office/drawing/2014/main" val="779287462"/>
+                  </a:ext>
+                </a:extLst>
+              </a:tr>
+              <a:tr h="812632">
+                <a:tc>
+                  <a:txBody>
+                    <a:bodyPr/>
+                    <a:lstStyle/>
+                    <a:p>
+                      <a:pPr marL="378000" marR="0" indent="-457200" algn="l" defTabSz="914400" rtl="0" eaLnBrk="1" fontAlgn="auto" latinLnBrk="0" hangingPunct="1">
+                        <a:lnSpc>
+                          <a:spcPct val="100000"/>
+                        </a:lnSpc>
+                        <a:spcBef>
+                          <a:spcPts val="0"/>
+                        </a:spcBef>
+                        <a:spcAft>
+                          <a:spcPts val="0"/>
+                        </a:spcAft>
+                        <a:buClrTx/>
+                        <a:buSzTx/>
+                        <a:buFontTx/>
+                        <a:buNone/>
+                        <a:tabLst/>
+                        <a:defRPr/>
+                      </a:pPr>
+                      <a:r>
+                        <a:rPr lang="en-US" altLang="zh-TW" sz="2000" dirty="0" smtClean="0"/>
+                        <a:t>10. </a:t>
+                      </a:r>
+                      <a:r>
+                        <a:rPr lang="zh-TW" altLang="en-US" sz="2000" dirty="0" smtClean="0"/>
+                        <a:t>訂單完成後會在螢幕上顯示</a:t>
+                      </a:r>
+                    </a:p>
+                  </a:txBody>
+                  <a:tcPr anchor="ctr"/>
+                </a:tc>
+                <a:tc>
+                  <a:txBody>
+                    <a:bodyPr/>
+                    <a:lstStyle/>
+                    <a:p>
+                      <a:pPr>
+                        <a:lnSpc>
+                          <a:spcPct val="100000"/>
+                        </a:lnSpc>
+                      </a:pPr>
+                      <a:r>
+                        <a:rPr lang="zh-TW" altLang="en-US" sz="2000" dirty="0" smtClean="0"/>
+                        <a:t>用戶</a:t>
+                      </a:r>
+                      <a:r>
+                        <a:rPr lang="en-US" altLang="zh-TW" sz="2000" dirty="0" smtClean="0"/>
+                        <a:t>+</a:t>
+                      </a:r>
+                      <a:r>
+                        <a:rPr lang="zh-TW" altLang="en-US" sz="2000" dirty="0" smtClean="0"/>
+                        <a:t>確認</a:t>
+                      </a:r>
+                      <a:r>
+                        <a:rPr lang="en-US" altLang="zh-TW" sz="2000" dirty="0" smtClean="0"/>
+                        <a:t>+</a:t>
+                      </a:r>
+                      <a:r>
+                        <a:rPr lang="zh-TW" altLang="en-US" sz="2000" dirty="0" smtClean="0"/>
+                        <a:t>交易資料</a:t>
+                      </a:r>
+                      <a:endParaRPr lang="zh-TW" altLang="en-US" sz="2000" dirty="0"/>
+                    </a:p>
+                  </a:txBody>
+                  <a:tcPr anchor="ctr"/>
+                </a:tc>
+                <a:extLst>
+                  <a:ext uri="{0D108BD9-81ED-4DB2-BD59-A6C34878D82A}">
+                    <a16:rowId xmlns:a16="http://schemas.microsoft.com/office/drawing/2014/main" val="3696653689"/>
+                  </a:ext>
+                </a:extLst>
+              </a:tr>
+              <a:tr h="812632">
+                <a:tc>
+                  <a:txBody>
+                    <a:bodyPr/>
+                    <a:lstStyle/>
+                    <a:p>
+                      <a:pPr marL="378000" marR="0" indent="-457200" algn="l" defTabSz="914400" rtl="0" eaLnBrk="1" fontAlgn="auto" latinLnBrk="0" hangingPunct="1">
+                        <a:lnSpc>
+                          <a:spcPct val="100000"/>
+                        </a:lnSpc>
+                        <a:spcBef>
+                          <a:spcPts val="0"/>
+                        </a:spcBef>
+                        <a:spcAft>
+                          <a:spcPts val="0"/>
+                        </a:spcAft>
+                        <a:buClrTx/>
+                        <a:buSzTx/>
+                        <a:buFontTx/>
+                        <a:buNone/>
+                        <a:tabLst/>
+                        <a:defRPr/>
+                      </a:pPr>
+                      <a:r>
+                        <a:rPr lang="en-US" altLang="zh-TW" sz="2000" dirty="0" smtClean="0"/>
+                        <a:t>11.</a:t>
+                      </a:r>
+                      <a:r>
+                        <a:rPr lang="zh-TW" altLang="en-US" sz="2000" dirty="0" smtClean="0"/>
+                        <a:t> 系統發生故障時，需將電源關閉並重新開啟</a:t>
+                      </a:r>
+                    </a:p>
+                  </a:txBody>
+                  <a:tcPr anchor="ctr"/>
+                </a:tc>
+                <a:tc>
+                  <a:txBody>
+                    <a:bodyPr/>
+                    <a:lstStyle/>
+                    <a:p>
+                      <a:pPr>
+                        <a:lnSpc>
+                          <a:spcPct val="100000"/>
+                        </a:lnSpc>
+                      </a:pPr>
+                      <a:r>
+                        <a:rPr lang="zh-TW" altLang="en-US" sz="2000" dirty="0" smtClean="0"/>
+                        <a:t>用戶</a:t>
+                      </a:r>
+                      <a:r>
+                        <a:rPr lang="en-US" altLang="zh-TW" sz="2000" dirty="0" smtClean="0"/>
+                        <a:t>+</a:t>
+                      </a:r>
+                      <a:r>
+                        <a:rPr lang="zh-TW" altLang="en-US" sz="2000" dirty="0" smtClean="0"/>
+                        <a:t>重啟</a:t>
+                      </a:r>
+                      <a:r>
+                        <a:rPr lang="en-US" altLang="zh-TW" sz="2000" dirty="0" smtClean="0"/>
+                        <a:t>+</a:t>
+                      </a:r>
+                      <a:r>
+                        <a:rPr lang="zh-TW" altLang="en-US" sz="2000" dirty="0" smtClean="0"/>
+                        <a:t>重置清單</a:t>
+                      </a:r>
+                      <a:endParaRPr lang="zh-TW" altLang="en-US" sz="2000" dirty="0"/>
+                    </a:p>
+                  </a:txBody>
+                  <a:tcPr anchor="ctr"/>
+                </a:tc>
+                <a:extLst>
+                  <a:ext uri="{0D108BD9-81ED-4DB2-BD59-A6C34878D82A}">
+                    <a16:rowId xmlns:a16="http://schemas.microsoft.com/office/drawing/2014/main" val="1044804937"/>
+                  </a:ext>
+                </a:extLst>
+              </a:tr>
+            </a:tbl>
+          </a:graphicData>
+        </a:graphic>
+      </p:graphicFrame>
+    </p:spTree>
+    <p:extLst>
+      <p:ext uri="{BB962C8B-B14F-4D97-AF65-F5344CB8AC3E}">
+        <p14:creationId xmlns:p14="http://schemas.microsoft.com/office/powerpoint/2010/main" val="2597216454"/>
+      </p:ext>
+    </p:extLst>
+  </p:cSld>
+  <p:clrMapOvr>
+    <a:masterClrMapping/>
+  </p:clrMapOvr>
+  <mc:AlternateContent xmlns:mc="http://schemas.openxmlformats.org/markup-compatibility/2006" xmlns:p14="http://schemas.microsoft.com/office/powerpoint/2010/main">
+    <mc:Choice Requires="p14">
+      <p:transition p14:dur="10"/>
+    </mc:Choice>
+    <mc:Fallback xmlns="">
+      <p:transition/>
+    </mc:Fallback>
+  </mc:AlternateContent>
+  <p:timing>
+    <p:tnLst>
+      <p:par>
+        <p:cTn id="1" dur="indefinite" restart="never" nodeType="tmRoot">
+          <p:childTnLst>
+            <p:seq concurrent="1" nextAc="seek">
+              <p:cTn id="2" dur="indefinite" nodeType="mainSeq">
+                <p:childTnLst>
+                  <p:par>
+                    <p:cTn id="3" fill="hold">
+                      <p:stCondLst>
+                        <p:cond delay="indefinite"/>
+                        <p:cond evt="onBegin" delay="0">
+                          <p:tn val="2"/>
+                        </p:cond>
+                      </p:stCondLst>
+                      <p:childTnLst>
+                        <p:par>
+                          <p:cTn id="4" fill="hold">
+                            <p:stCondLst>
+                              <p:cond delay="0"/>
+                            </p:stCondLst>
+                            <p:childTnLst>
+                              <p:par>
+                                <p:cTn id="5" presetID="42" presetClass="entr" presetSubtype="0" fill="hold" grpId="0" nodeType="withEffect">
+                                  <p:stCondLst>
+                                    <p:cond delay="0"/>
+                                  </p:stCondLst>
+                                  <p:childTnLst>
+                                    <p:set>
+                                      <p:cBhvr>
+                                        <p:cTn id="6" dur="1" fill="hold">
+                                          <p:stCondLst>
+                                            <p:cond delay="0"/>
+                                          </p:stCondLst>
+                                        </p:cTn>
+                                        <p:tgtEl>
+                                          <p:spTgt spid="12"/>
+                                        </p:tgtEl>
+                                        <p:attrNameLst>
+                                          <p:attrName>style.visibility</p:attrName>
+                                        </p:attrNameLst>
+                                      </p:cBhvr>
+                                      <p:to>
+                                        <p:strVal val="visible"/>
+                                      </p:to>
+                                    </p:set>
+                                    <p:animEffect transition="in" filter="fade">
+                                      <p:cBhvr>
+                                        <p:cTn id="7" dur="1000"/>
+                                        <p:tgtEl>
+                                          <p:spTgt spid="12"/>
+                                        </p:tgtEl>
+                                      </p:cBhvr>
+                                    </p:animEffect>
+                                    <p:anim calcmode="lin" valueType="num">
+                                      <p:cBhvr>
+                                        <p:cTn id="8" dur="1000" fill="hold"/>
+                                        <p:tgtEl>
+                                          <p:spTgt spid="12"/>
+                                        </p:tgtEl>
+                                        <p:attrNameLst>
+                                          <p:attrName>ppt_x</p:attrName>
+                                        </p:attrNameLst>
+                                      </p:cBhvr>
+                                      <p:tavLst>
+                                        <p:tav tm="0">
+                                          <p:val>
+                                            <p:strVal val="#ppt_x"/>
+                                          </p:val>
+                                        </p:tav>
+                                        <p:tav tm="100000">
+                                          <p:val>
+                                            <p:strVal val="#ppt_x"/>
+                                          </p:val>
+                                        </p:tav>
+                                      </p:tavLst>
+                                    </p:anim>
+                                    <p:anim calcmode="lin" valueType="num">
+                                      <p:cBhvr>
+                                        <p:cTn id="9" dur="1000" fill="hold"/>
+                                        <p:tgtEl>
+                                          <p:spTgt spid="12"/>
+                                        </p:tgtEl>
+                                        <p:attrNameLst>
+                                          <p:attrName>ppt_y</p:attrName>
+                                        </p:attrNameLst>
+                                      </p:cBhvr>
+                                      <p:tavLst>
+                                        <p:tav tm="0">
+                                          <p:val>
+                                            <p:strVal val="#ppt_y+.1"/>
+                                          </p:val>
+                                        </p:tav>
+                                        <p:tav tm="100000">
+                                          <p:val>
+                                            <p:strVal val="#ppt_y"/>
+                                          </p:val>
+                                        </p:tav>
+                                      </p:tavLst>
+                                    </p:anim>
+                                  </p:childTnLst>
+                                </p:cTn>
+                              </p:par>
+                              <p:par>
+                                <p:cTn id="10" presetID="22" presetClass="entr" presetSubtype="8" fill="hold" grpId="0" nodeType="withEffect">
+                                  <p:stCondLst>
+                                    <p:cond delay="0"/>
+                                  </p:stCondLst>
+                                  <p:childTnLst>
+                                    <p:set>
+                                      <p:cBhvr>
+                                        <p:cTn id="11" dur="1" fill="hold">
+                                          <p:stCondLst>
+                                            <p:cond delay="0"/>
+                                          </p:stCondLst>
+                                        </p:cTn>
+                                        <p:tgtEl>
+                                          <p:spTgt spid="23"/>
+                                        </p:tgtEl>
+                                        <p:attrNameLst>
+                                          <p:attrName>style.visibility</p:attrName>
+                                        </p:attrNameLst>
+                                      </p:cBhvr>
+                                      <p:to>
+                                        <p:strVal val="visible"/>
+                                      </p:to>
+                                    </p:set>
+                                    <p:animEffect transition="in" filter="wipe(left)">
+                                      <p:cBhvr>
+                                        <p:cTn id="12" dur="500"/>
+                                        <p:tgtEl>
+                                          <p:spTgt spid="23"/>
+                                        </p:tgtEl>
+                                      </p:cBhvr>
+                                    </p:animEffect>
+                                  </p:childTnLst>
+                                </p:cTn>
+                              </p:par>
+                              <p:par>
+                                <p:cTn id="13" presetID="2" presetClass="entr" presetSubtype="1" fill="hold" grpId="0" nodeType="withEffect">
+                                  <p:stCondLst>
+                                    <p:cond delay="0"/>
+                                  </p:stCondLst>
+                                  <p:childTnLst>
+                                    <p:set>
+                                      <p:cBhvr>
+                                        <p:cTn id="14" dur="1" fill="hold">
+                                          <p:stCondLst>
+                                            <p:cond delay="0"/>
+                                          </p:stCondLst>
+                                        </p:cTn>
+                                        <p:tgtEl>
+                                          <p:spTgt spid="24"/>
+                                        </p:tgtEl>
+                                        <p:attrNameLst>
+                                          <p:attrName>style.visibility</p:attrName>
+                                        </p:attrNameLst>
+                                      </p:cBhvr>
+                                      <p:to>
+                                        <p:strVal val="visible"/>
+                                      </p:to>
+                                    </p:set>
+                                    <p:anim calcmode="lin" valueType="num">
+                                      <p:cBhvr additive="base">
+                                        <p:cTn id="15" dur="500" fill="hold"/>
+                                        <p:tgtEl>
+                                          <p:spTgt spid="24"/>
+                                        </p:tgtEl>
+                                        <p:attrNameLst>
+                                          <p:attrName>ppt_x</p:attrName>
+                                        </p:attrNameLst>
+                                      </p:cBhvr>
+                                      <p:tavLst>
+                                        <p:tav tm="0">
+                                          <p:val>
+                                            <p:strVal val="#ppt_x"/>
+                                          </p:val>
+                                        </p:tav>
+                                        <p:tav tm="100000">
+                                          <p:val>
+                                            <p:strVal val="#ppt_x"/>
+                                          </p:val>
+                                        </p:tav>
+                                      </p:tavLst>
+                                    </p:anim>
+                                    <p:anim calcmode="lin" valueType="num">
+                                      <p:cBhvr additive="base">
+                                        <p:cTn id="16" dur="500" fill="hold"/>
+                                        <p:tgtEl>
+                                          <p:spTgt spid="24"/>
+                                        </p:tgtEl>
+                                        <p:attrNameLst>
+                                          <p:attrName>ppt_y</p:attrName>
+                                        </p:attrNameLst>
+                                      </p:cBhvr>
+                                      <p:tavLst>
+                                        <p:tav tm="0">
+                                          <p:val>
+                                            <p:strVal val="0-#ppt_h/2"/>
+                                          </p:val>
+                                        </p:tav>
+                                        <p:tav tm="100000">
+                                          <p:val>
+                                            <p:strVal val="#ppt_y"/>
+                                          </p:val>
+                                        </p:tav>
+                                      </p:tavLst>
+                                    </p:anim>
+                                  </p:childTnLst>
+                                </p:cTn>
+                              </p:par>
+                              <p:par>
+                                <p:cTn id="17" presetID="14" presetClass="entr" presetSubtype="10" fill="hold" grpId="0" nodeType="withEffect">
+                                  <p:stCondLst>
+                                    <p:cond delay="0"/>
+                                  </p:stCondLst>
+                                  <p:childTnLst>
+                                    <p:set>
+                                      <p:cBhvr>
+                                        <p:cTn id="18" dur="1" fill="hold">
+                                          <p:stCondLst>
+                                            <p:cond delay="0"/>
+                                          </p:stCondLst>
+                                        </p:cTn>
+                                        <p:tgtEl>
+                                          <p:spTgt spid="22"/>
+                                        </p:tgtEl>
+                                        <p:attrNameLst>
+                                          <p:attrName>style.visibility</p:attrName>
+                                        </p:attrNameLst>
+                                      </p:cBhvr>
+                                      <p:to>
+                                        <p:strVal val="visible"/>
+                                      </p:to>
+                                    </p:set>
+                                    <p:animEffect transition="in" filter="randombar(horizontal)">
+                                      <p:cBhvr>
+                                        <p:cTn id="19" dur="500"/>
+                                        <p:tgtEl>
+                                          <p:spTgt spid="22"/>
+                                        </p:tgtEl>
+                                      </p:cBhvr>
+                                    </p:animEffect>
+                                  </p:childTnLst>
+                                </p:cTn>
+                              </p:par>
+                            </p:childTnLst>
+                          </p:cTn>
+                        </p:par>
+                      </p:childTnLst>
+                    </p:cTn>
+                  </p:par>
+                </p:childTnLst>
+              </p:cTn>
+              <p:prevCondLst>
+                <p:cond evt="onPrev" delay="0">
+                  <p:tgtEl>
+                    <p:sldTgt/>
+                  </p:tgtEl>
+                </p:cond>
+              </p:prevCondLst>
+              <p:nextCondLst>
+                <p:cond evt="onNext" delay="0">
+                  <p:tgtEl>
+                    <p:sldTgt/>
+                  </p:tgtEl>
+                </p:cond>
+              </p:nextCondLst>
+            </p:seq>
+          </p:childTnLst>
+        </p:cTn>
+      </p:par>
+    </p:tnLst>
+    <p:bldLst>
+      <p:bldP spid="24" grpId="0" animBg="1"/>
+      <p:bldP spid="12" grpId="0" animBg="1"/>
+      <p:bldP spid="22" grpId="0"/>
+      <p:bldP spid="23" grpId="0" animBg="1"/>
+    </p:bldLst>
+  </p:timing>
+</p:sld>
+</file>
+
+<file path=ppt/slides/slide9.xml><?xml version="1.0" encoding="utf-8"?>
 <p:sld xmlns:a="http://schemas.openxmlformats.org/drawingml/2006/main" xmlns:r="http://schemas.openxmlformats.org/officeDocument/2006/relationships" xmlns:p="http://schemas.openxmlformats.org/presentationml/2006/main">
   <p:cSld>
     <p:spTree>
@@ -13930,8 +16686,8 @@
           </p:nvSpPr>
           <p:spPr bwMode="auto">
             <a:xfrm>
-              <a:off x="495297" y="2208905"/>
-              <a:ext cx="2342678" cy="2417597"/>
+              <a:off x="495298" y="2208906"/>
+              <a:ext cx="2342678" cy="2417598"/>
             </a:xfrm>
             <a:custGeom>
               <a:avLst/>
@@ -14704,13 +17460,22 @@
                 <a:defRPr/>
               </a:pPr>
               <a:r>
+                <a:rPr lang="zh-TW" altLang="en-US" sz="1600" b="1" dirty="0" smtClean="0">
+                  <a:solidFill>
+                    <a:schemeClr val="accent1"/>
+                  </a:solidFill>
+                  <a:ea typeface="微软雅黑" panose="020B0503020204020204" pitchFamily="34" charset="-122"/>
+                </a:rPr>
+                <a:t>背景</a:t>
+              </a:r>
+              <a:r>
                 <a:rPr lang="zh-TW" altLang="en-US" sz="1600" b="1" dirty="0">
                   <a:solidFill>
                     <a:schemeClr val="accent1"/>
                   </a:solidFill>
                   <a:ea typeface="微软雅黑" panose="020B0503020204020204" pitchFamily="34" charset="-122"/>
                 </a:rPr>
-                <a:t>結語總結</a:t>
+                <a:t>趨勢</a:t>
               </a:r>
               <a:endParaRPr lang="en-US" altLang="zh-TW" sz="1600" b="1" dirty="0" smtClean="0">
                 <a:solidFill>
@@ -14720,27 +17485,24 @@
               </a:endParaRPr>
             </a:p>
             <a:p>
-              <a:pPr lvl="0" algn="ctr" defTabSz="914378">
+              <a:pPr algn="ctr" defTabSz="914378">
                 <a:lnSpc>
                   <a:spcPct val="110000"/>
                 </a:lnSpc>
-                <a:spcBef>
-                  <a:spcPct val="0"/>
-                </a:spcBef>
                 <a:defRPr/>
               </a:pPr>
               <a:r>
                 <a:rPr lang="zh-TW" altLang="en-US" sz="1600" b="1" dirty="0">
                   <a:solidFill>
-                    <a:schemeClr val="accent1"/>
+                    <a:schemeClr val="accent3"/>
                   </a:solidFill>
                   <a:ea typeface="微软雅黑" panose="020B0503020204020204" pitchFamily="34" charset="-122"/>
                 </a:rPr>
-                <a:t>上台報告</a:t>
+                <a:t>結語</a:t>
               </a:r>
-              <a:endParaRPr lang="en-US" altLang="zh-TW" sz="1600" b="1" dirty="0" smtClean="0">
+              <a:endParaRPr lang="en-US" altLang="zh-TW" sz="1600" b="1" dirty="0">
                 <a:solidFill>
-                  <a:schemeClr val="accent1"/>
+                  <a:schemeClr val="accent3"/>
                 </a:solidFill>
                 <a:ea typeface="微软雅黑" panose="020B0503020204020204" pitchFamily="34" charset="-122"/>
               </a:endParaRPr>
@@ -14982,8 +17744,8 @@
           </p:nvSpPr>
           <p:spPr bwMode="auto">
             <a:xfrm>
-              <a:off x="3448206" y="2208905"/>
-              <a:ext cx="2342678" cy="2417597"/>
+              <a:off x="3448207" y="2208906"/>
+              <a:ext cx="2342678" cy="2417598"/>
             </a:xfrm>
             <a:custGeom>
               <a:avLst/>
@@ -15762,7 +18524,7 @@
                   </a:solidFill>
                   <a:ea typeface="微软雅黑" panose="020B0503020204020204" pitchFamily="34" charset="-122"/>
                 </a:rPr>
-                <a:t>背景趨勢</a:t>
+                <a:t>上台報告</a:t>
               </a:r>
               <a:endParaRPr lang="en-US" altLang="zh-TW" sz="1600" b="1" dirty="0" smtClean="0">
                 <a:solidFill>
@@ -15776,11 +18538,17 @@
                 <a:lnSpc>
                   <a:spcPct val="110000"/>
                 </a:lnSpc>
-                <a:spcBef>
-                  <a:spcPct val="0"/>
-                </a:spcBef>
                 <a:defRPr/>
               </a:pPr>
+              <a:r>
+                <a:rPr lang="zh-TW" altLang="en-US" sz="1600" b="1" dirty="0" smtClean="0">
+                  <a:solidFill>
+                    <a:schemeClr val="accent2"/>
+                  </a:solidFill>
+                  <a:ea typeface="微软雅黑" panose="020B0503020204020204" pitchFamily="34" charset="-122"/>
+                </a:rPr>
+                <a:t>事件條</a:t>
+              </a:r>
               <a:r>
                 <a:rPr lang="zh-TW" altLang="en-US" sz="1600" b="1" dirty="0">
                   <a:solidFill>
@@ -15788,14 +18556,8 @@
                   </a:solidFill>
                   <a:ea typeface="微软雅黑" panose="020B0503020204020204" pitchFamily="34" charset="-122"/>
                 </a:rPr>
-                <a:t>動機目的</a:t>
+                <a:t>列式</a:t>
               </a:r>
-              <a:endParaRPr lang="en-US" altLang="zh-TW" sz="1600" b="1" dirty="0" smtClean="0">
-                <a:solidFill>
-                  <a:schemeClr val="accent2"/>
-                </a:solidFill>
-                <a:ea typeface="微软雅黑" panose="020B0503020204020204" pitchFamily="34" charset="-122"/>
-              </a:endParaRPr>
             </a:p>
             <a:p>
               <a:pPr lvl="0" algn="ctr" defTabSz="914378">
@@ -16808,67 +19570,15 @@
                 <a:defRPr/>
               </a:pPr>
               <a:r>
-                <a:rPr lang="zh-TW" altLang="en-US" sz="1600" b="1" dirty="0">
-                  <a:solidFill>
-                    <a:schemeClr val="accent3"/>
-                  </a:solidFill>
-                  <a:ea typeface="微软雅黑" panose="020B0503020204020204" pitchFamily="34" charset="-122"/>
-                </a:rPr>
-                <a:t>需求</a:t>
-              </a:r>
-              <a:r>
                 <a:rPr lang="zh-TW" altLang="en-US" sz="1600" b="1" dirty="0" smtClean="0">
                   <a:solidFill>
                     <a:schemeClr val="accent3"/>
                   </a:solidFill>
                   <a:ea typeface="微软雅黑" panose="020B0503020204020204" pitchFamily="34" charset="-122"/>
                 </a:rPr>
-                <a:t>分析</a:t>
+                <a:t>動機與目的</a:t>
               </a:r>
               <a:endParaRPr lang="en-US" altLang="zh-TW" sz="1600" b="1" dirty="0" smtClean="0">
-                <a:solidFill>
-                  <a:schemeClr val="accent3"/>
-                </a:solidFill>
-                <a:ea typeface="微软雅黑" panose="020B0503020204020204" pitchFamily="34" charset="-122"/>
-              </a:endParaRPr>
-            </a:p>
-            <a:p>
-              <a:pPr lvl="0" algn="ctr" defTabSz="914378">
-                <a:lnSpc>
-                  <a:spcPct val="110000"/>
-                </a:lnSpc>
-                <a:spcBef>
-                  <a:spcPct val="0"/>
-                </a:spcBef>
-                <a:defRPr/>
-              </a:pPr>
-              <a:r>
-                <a:rPr lang="zh-TW" altLang="en-US" sz="1600" b="1" dirty="0">
-                  <a:solidFill>
-                    <a:schemeClr val="accent3"/>
-                  </a:solidFill>
-                  <a:ea typeface="微软雅黑" panose="020B0503020204020204" pitchFamily="34" charset="-122"/>
-                </a:rPr>
-                <a:t>分工表</a:t>
-              </a:r>
-              <a:endParaRPr lang="en-US" altLang="zh-TW" sz="1600" b="1" dirty="0" smtClean="0">
-                <a:solidFill>
-                  <a:schemeClr val="accent3"/>
-                </a:solidFill>
-                <a:ea typeface="微软雅黑" panose="020B0503020204020204" pitchFamily="34" charset="-122"/>
-              </a:endParaRPr>
-            </a:p>
-            <a:p>
-              <a:pPr lvl="0" algn="ctr" defTabSz="914378">
-                <a:lnSpc>
-                  <a:spcPct val="110000"/>
-                </a:lnSpc>
-                <a:spcBef>
-                  <a:spcPct val="0"/>
-                </a:spcBef>
-                <a:defRPr/>
-              </a:pPr>
-              <a:endParaRPr lang="zh-CN" altLang="en-US" sz="1600" b="1" dirty="0">
                 <a:solidFill>
                   <a:schemeClr val="accent3"/>
                 </a:solidFill>
@@ -17418,1325 +20128,6 @@
       <p:bldP spid="12" grpId="0" animBg="1"/>
       <p:bldP spid="22" grpId="0"/>
       <p:bldP spid="23" grpId="0" animBg="1"/>
-    </p:bldLst>
-  </p:timing>
-</p:sld>
-</file>
-
-<file path=ppt/slides/slide8.xml><?xml version="1.0" encoding="utf-8"?>
-<p:sld xmlns:a="http://schemas.openxmlformats.org/drawingml/2006/main" xmlns:r="http://schemas.openxmlformats.org/officeDocument/2006/relationships" xmlns:p="http://schemas.openxmlformats.org/presentationml/2006/main">
-  <p:cSld>
-    <p:spTree>
-      <p:nvGrpSpPr>
-        <p:cNvPr id="1" name=""/>
-        <p:cNvGrpSpPr/>
-        <p:nvPr/>
-      </p:nvGrpSpPr>
-      <p:grpSpPr>
-        <a:xfrm>
-          <a:off x="0" y="0"/>
-          <a:ext cx="0" cy="0"/>
-          <a:chOff x="0" y="0"/>
-          <a:chExt cx="0" cy="0"/>
-        </a:xfrm>
-      </p:grpSpPr>
-      <p:sp>
-        <p:nvSpPr>
-          <p:cNvPr id="2" name="矩形 1">
-            <a:extLst>
-              <a:ext uri="{FF2B5EF4-FFF2-40B4-BE49-F238E27FC236}">
-                <a16:creationId xmlns:a16="http://schemas.microsoft.com/office/drawing/2014/main" id="{BCF36AA9-468E-47A2-B525-114DDEAA5E0D}"/>
-              </a:ext>
-            </a:extLst>
-          </p:cNvPr>
-          <p:cNvSpPr/>
-          <p:nvPr/>
-        </p:nvSpPr>
-        <p:spPr>
-          <a:xfrm>
-            <a:off x="0" y="0"/>
-            <a:ext cx="9144000" cy="5143500"/>
-          </a:xfrm>
-          <a:prstGeom prst="rect">
-            <a:avLst/>
-          </a:prstGeom>
-          <a:solidFill>
-            <a:schemeClr val="bg1"/>
-          </a:solidFill>
-          <a:ln>
-            <a:noFill/>
-          </a:ln>
-        </p:spPr>
-        <p:style>
-          <a:lnRef idx="2">
-            <a:schemeClr val="accent1">
-              <a:shade val="50000"/>
-            </a:schemeClr>
-          </a:lnRef>
-          <a:fillRef idx="1">
-            <a:schemeClr val="accent1"/>
-          </a:fillRef>
-          <a:effectRef idx="0">
-            <a:schemeClr val="accent1"/>
-          </a:effectRef>
-          <a:fontRef idx="minor">
-            <a:schemeClr val="lt1"/>
-          </a:fontRef>
-        </p:style>
-        <p:txBody>
-          <a:bodyPr rtlCol="0" anchor="ctr"/>
-          <a:lstStyle/>
-          <a:p>
-            <a:pPr algn="ctr"/>
-            <a:endParaRPr lang="zh-CN" altLang="en-US" dirty="0">
-              <a:ea typeface="微软雅黑" panose="020B0503020204020204" pitchFamily="34" charset="-122"/>
-            </a:endParaRPr>
-          </a:p>
-        </p:txBody>
-      </p:sp>
-      <p:sp>
-        <p:nvSpPr>
-          <p:cNvPr id="24" name="等腰三角形 23">
-            <a:extLst>
-              <a:ext uri="{FF2B5EF4-FFF2-40B4-BE49-F238E27FC236}">
-                <a16:creationId xmlns:a16="http://schemas.microsoft.com/office/drawing/2014/main" id="{8087D682-B836-4596-BB63-5A28F72470B4}"/>
-              </a:ext>
-            </a:extLst>
-          </p:cNvPr>
-          <p:cNvSpPr/>
-          <p:nvPr/>
-        </p:nvSpPr>
-        <p:spPr>
-          <a:xfrm rot="10800000">
-            <a:off x="6876255" y="-1"/>
-            <a:ext cx="2267743" cy="2330941"/>
-          </a:xfrm>
-          <a:prstGeom prst="triangle">
-            <a:avLst>
-              <a:gd name="adj" fmla="val 0"/>
-            </a:avLst>
-          </a:prstGeom>
-          <a:blipFill dpi="0" rotWithShape="1">
-            <a:blip r:embed="rId3">
-              <a:extLst>
-                <a:ext uri="{28A0092B-C50C-407E-A947-70E740481C1C}">
-                  <a14:useLocalDpi xmlns:a14="http://schemas.microsoft.com/office/drawing/2010/main" val="0"/>
-                </a:ext>
-              </a:extLst>
-            </a:blip>
-            <a:srcRect/>
-            <a:stretch>
-              <a:fillRect/>
-            </a:stretch>
-          </a:blipFill>
-          <a:ln>
-            <a:noFill/>
-          </a:ln>
-        </p:spPr>
-        <p:style>
-          <a:lnRef idx="2">
-            <a:schemeClr val="accent1">
-              <a:shade val="50000"/>
-            </a:schemeClr>
-          </a:lnRef>
-          <a:fillRef idx="1">
-            <a:schemeClr val="accent1"/>
-          </a:fillRef>
-          <a:effectRef idx="0">
-            <a:schemeClr val="accent1"/>
-          </a:effectRef>
-          <a:fontRef idx="minor">
-            <a:schemeClr val="lt1"/>
-          </a:fontRef>
-        </p:style>
-        <p:txBody>
-          <a:bodyPr rtlCol="0" anchor="ctr"/>
-          <a:lstStyle/>
-          <a:p>
-            <a:pPr algn="ctr"/>
-            <a:endParaRPr lang="zh-CN" altLang="en-US" dirty="0">
-              <a:ea typeface="微软雅黑" panose="020B0503020204020204" pitchFamily="34" charset="-122"/>
-            </a:endParaRPr>
-          </a:p>
-        </p:txBody>
-      </p:sp>
-      <p:sp>
-        <p:nvSpPr>
-          <p:cNvPr id="12" name="等腰三角形 11">
-            <a:extLst>
-              <a:ext uri="{FF2B5EF4-FFF2-40B4-BE49-F238E27FC236}">
-                <a16:creationId xmlns:a16="http://schemas.microsoft.com/office/drawing/2014/main" id="{FEE2F73E-2FF5-487D-9244-4EFDA0A0563D}"/>
-              </a:ext>
-            </a:extLst>
-          </p:cNvPr>
-          <p:cNvSpPr/>
-          <p:nvPr/>
-        </p:nvSpPr>
-        <p:spPr>
-          <a:xfrm>
-            <a:off x="0" y="0"/>
-            <a:ext cx="5004048" cy="5143500"/>
-          </a:xfrm>
-          <a:prstGeom prst="triangle">
-            <a:avLst>
-              <a:gd name="adj" fmla="val 0"/>
-            </a:avLst>
-          </a:prstGeom>
-          <a:solidFill>
-            <a:schemeClr val="bg1">
-              <a:lumMod val="95000"/>
-            </a:schemeClr>
-          </a:solidFill>
-          <a:ln>
-            <a:noFill/>
-          </a:ln>
-        </p:spPr>
-        <p:style>
-          <a:lnRef idx="2">
-            <a:schemeClr val="accent1">
-              <a:shade val="50000"/>
-            </a:schemeClr>
-          </a:lnRef>
-          <a:fillRef idx="1">
-            <a:schemeClr val="accent1"/>
-          </a:fillRef>
-          <a:effectRef idx="0">
-            <a:schemeClr val="accent1"/>
-          </a:effectRef>
-          <a:fontRef idx="minor">
-            <a:schemeClr val="lt1"/>
-          </a:fontRef>
-        </p:style>
-        <p:txBody>
-          <a:bodyPr rtlCol="0" anchor="ctr"/>
-          <a:lstStyle/>
-          <a:p>
-            <a:pPr algn="ctr"/>
-            <a:endParaRPr lang="zh-CN" altLang="en-US" dirty="0">
-              <a:ea typeface="微软雅黑" panose="020B0503020204020204" pitchFamily="34" charset="-122"/>
-            </a:endParaRPr>
-          </a:p>
-        </p:txBody>
-      </p:sp>
-      <p:sp>
-        <p:nvSpPr>
-          <p:cNvPr id="21" name="TextBox 7">
-            <a:extLst>
-              <a:ext uri="{FF2B5EF4-FFF2-40B4-BE49-F238E27FC236}">
-                <a16:creationId xmlns:a16="http://schemas.microsoft.com/office/drawing/2014/main" id="{DD1FF2C8-2F57-46BD-8AA8-E9BEF4EE2C43}"/>
-              </a:ext>
-            </a:extLst>
-          </p:cNvPr>
-          <p:cNvSpPr>
-            <a:spLocks noChangeArrowheads="1"/>
-          </p:cNvSpPr>
-          <p:nvPr/>
-        </p:nvSpPr>
-        <p:spPr bwMode="auto">
-          <a:xfrm>
-            <a:off x="1212578" y="1347614"/>
-            <a:ext cx="6288304" cy="2154436"/>
-          </a:xfrm>
-          <a:prstGeom prst="rect">
-            <a:avLst/>
-          </a:prstGeom>
-          <a:noFill/>
-          <a:ln>
-            <a:noFill/>
-          </a:ln>
-          <a:effectLst/>
-          <a:extLst>
-            <a:ext uri="{909E8E84-426E-40DD-AFC4-6F175D3DCCD1}">
-              <a14:hiddenFill xmlns:a14="http://schemas.microsoft.com/office/drawing/2010/main">
-                <a:solidFill>
-                  <a:srgbClr val="FFFFFF"/>
-                </a:solidFill>
-              </a14:hiddenFill>
-            </a:ext>
-            <a:ext uri="{91240B29-F687-4F45-9708-019B960494DF}">
-              <a14:hiddenLine xmlns:a14="http://schemas.microsoft.com/office/drawing/2010/main" w="9525">
-                <a:solidFill>
-                  <a:srgbClr val="000000"/>
-                </a:solidFill>
-                <a:miter lim="800000"/>
-                <a:headEnd/>
-                <a:tailEnd/>
-              </a14:hiddenLine>
-            </a:ext>
-          </a:extLst>
-        </p:spPr>
-        <p:txBody>
-          <a:bodyPr wrap="square" lIns="0" tIns="0" rIns="0" bIns="0">
-            <a:spAutoFit/>
-          </a:bodyPr>
-          <a:lstStyle/>
-          <a:p>
-            <a:pPr algn="just">
-              <a:defRPr/>
-            </a:pPr>
-            <a:r>
-              <a:rPr lang="zh-TW" altLang="en-US" sz="2800" b="1" dirty="0">
-                <a:solidFill>
-                  <a:srgbClr val="3B3B3B"/>
-                </a:solidFill>
-                <a:latin typeface="微软雅黑" panose="020B0503020204020204" pitchFamily="34" charset="-122"/>
-                <a:ea typeface="微软雅黑" panose="020B0503020204020204" pitchFamily="34" charset="-122"/>
-                <a:cs typeface="+mn-ea"/>
-                <a:sym typeface="+mn-lt"/>
-              </a:rPr>
-              <a:t>身為電通系的一員，除了具備一定的知識以外，更重要的是擁有足夠的科技意識。為了實現更加便捷的生活，發展的過程時刻觀察生活，真正的需求或許就隱藏在我們周遭。</a:t>
-            </a:r>
-            <a:endParaRPr lang="zh-CN" altLang="en-US" sz="2800" b="1" dirty="0">
-              <a:solidFill>
-                <a:srgbClr val="3B3B3B"/>
-              </a:solidFill>
-              <a:latin typeface="微软雅黑" panose="020B0503020204020204" pitchFamily="34" charset="-122"/>
-              <a:ea typeface="微软雅黑" panose="020B0503020204020204" pitchFamily="34" charset="-122"/>
-              <a:cs typeface="+mn-ea"/>
-              <a:sym typeface="+mn-lt"/>
-            </a:endParaRPr>
-          </a:p>
-        </p:txBody>
-      </p:sp>
-      <p:sp>
-        <p:nvSpPr>
-          <p:cNvPr id="22" name="矩形 21">
-            <a:extLst>
-              <a:ext uri="{FF2B5EF4-FFF2-40B4-BE49-F238E27FC236}">
-                <a16:creationId xmlns:a16="http://schemas.microsoft.com/office/drawing/2014/main" id="{10001072-4841-420C-B165-B7257D71E421}"/>
-              </a:ext>
-            </a:extLst>
-          </p:cNvPr>
-          <p:cNvSpPr/>
-          <p:nvPr/>
-        </p:nvSpPr>
-        <p:spPr>
-          <a:xfrm>
-            <a:off x="539552" y="475587"/>
-            <a:ext cx="3337092" cy="707886"/>
-          </a:xfrm>
-          <a:prstGeom prst="rect">
-            <a:avLst/>
-          </a:prstGeom>
-        </p:spPr>
-        <p:txBody>
-          <a:bodyPr wrap="square">
-            <a:spAutoFit/>
-          </a:bodyPr>
-          <a:lstStyle/>
-          <a:p>
-            <a:pPr fontAlgn="auto">
-              <a:spcBef>
-                <a:spcPts val="0"/>
-              </a:spcBef>
-              <a:spcAft>
-                <a:spcPts val="0"/>
-              </a:spcAft>
-              <a:defRPr/>
-            </a:pPr>
-            <a:r>
-              <a:rPr lang="zh-TW" altLang="en-US" sz="4000" spc="300" dirty="0" smtClean="0">
-                <a:solidFill>
-                  <a:srgbClr val="3B3B3B"/>
-                </a:solidFill>
-                <a:latin typeface="Bernard MT Condensed" panose="02050806060905020404" pitchFamily="18" charset="0"/>
-                <a:ea typeface="微软雅黑" panose="020B0503020204020204" pitchFamily="34" charset="-122"/>
-                <a:cs typeface="+mn-ea"/>
-                <a:sym typeface="+mn-lt"/>
-              </a:rPr>
-              <a:t>結語</a:t>
-            </a:r>
-            <a:endParaRPr lang="zh-CN" altLang="en-US" sz="4000" spc="300" dirty="0">
-              <a:solidFill>
-                <a:srgbClr val="3B3B3B"/>
-              </a:solidFill>
-              <a:latin typeface="Bernard MT Condensed" panose="02050806060905020404" pitchFamily="18" charset="0"/>
-              <a:ea typeface="微软雅黑" panose="020B0503020204020204" pitchFamily="34" charset="-122"/>
-              <a:cs typeface="+mn-ea"/>
-              <a:sym typeface="+mn-lt"/>
-            </a:endParaRPr>
-          </a:p>
-        </p:txBody>
-      </p:sp>
-      <p:sp>
-        <p:nvSpPr>
-          <p:cNvPr id="23" name="矩形 22">
-            <a:extLst>
-              <a:ext uri="{FF2B5EF4-FFF2-40B4-BE49-F238E27FC236}">
-                <a16:creationId xmlns:a16="http://schemas.microsoft.com/office/drawing/2014/main" id="{B3390856-A54F-47A8-9CF0-4D6BF200AA28}"/>
-              </a:ext>
-            </a:extLst>
-          </p:cNvPr>
-          <p:cNvSpPr/>
-          <p:nvPr/>
-        </p:nvSpPr>
-        <p:spPr>
-          <a:xfrm>
-            <a:off x="251520" y="267494"/>
-            <a:ext cx="8640960" cy="4608512"/>
-          </a:xfrm>
-          <a:prstGeom prst="rect">
-            <a:avLst/>
-          </a:prstGeom>
-          <a:noFill/>
-          <a:ln w="38100">
-            <a:solidFill>
-              <a:schemeClr val="tx1"/>
-            </a:solidFill>
-          </a:ln>
-        </p:spPr>
-        <p:style>
-          <a:lnRef idx="2">
-            <a:schemeClr val="accent1">
-              <a:shade val="50000"/>
-            </a:schemeClr>
-          </a:lnRef>
-          <a:fillRef idx="1">
-            <a:schemeClr val="accent1"/>
-          </a:fillRef>
-          <a:effectRef idx="0">
-            <a:schemeClr val="accent1"/>
-          </a:effectRef>
-          <a:fontRef idx="minor">
-            <a:schemeClr val="lt1"/>
-          </a:fontRef>
-        </p:style>
-        <p:txBody>
-          <a:bodyPr rtlCol="0" anchor="ctr"/>
-          <a:lstStyle/>
-          <a:p>
-            <a:pPr algn="ctr"/>
-            <a:endParaRPr lang="zh-CN" altLang="en-US" dirty="0">
-              <a:ea typeface="微软雅黑" panose="020B0503020204020204" pitchFamily="34" charset="-122"/>
-            </a:endParaRPr>
-          </a:p>
-        </p:txBody>
-      </p:sp>
-    </p:spTree>
-    <p:extLst>
-      <p:ext uri="{BB962C8B-B14F-4D97-AF65-F5344CB8AC3E}">
-        <p14:creationId xmlns:p14="http://schemas.microsoft.com/office/powerpoint/2010/main" val="1666640777"/>
-      </p:ext>
-    </p:extLst>
-  </p:cSld>
-  <p:clrMapOvr>
-    <a:masterClrMapping/>
-  </p:clrMapOvr>
-  <mc:AlternateContent xmlns:mc="http://schemas.openxmlformats.org/markup-compatibility/2006" xmlns:p14="http://schemas.microsoft.com/office/powerpoint/2010/main">
-    <mc:Choice Requires="p14">
-      <p:transition p14:dur="10"/>
-    </mc:Choice>
-    <mc:Fallback xmlns="">
-      <p:transition/>
-    </mc:Fallback>
-  </mc:AlternateContent>
-  <p:timing>
-    <p:tnLst>
-      <p:par>
-        <p:cTn id="1" dur="indefinite" restart="never" nodeType="tmRoot">
-          <p:childTnLst>
-            <p:seq concurrent="1" nextAc="seek">
-              <p:cTn id="2" dur="indefinite" nodeType="mainSeq">
-                <p:childTnLst>
-                  <p:par>
-                    <p:cTn id="3" fill="hold">
-                      <p:stCondLst>
-                        <p:cond delay="indefinite"/>
-                        <p:cond evt="onBegin" delay="0">
-                          <p:tn val="2"/>
-                        </p:cond>
-                      </p:stCondLst>
-                      <p:childTnLst>
-                        <p:par>
-                          <p:cTn id="4" fill="hold">
-                            <p:stCondLst>
-                              <p:cond delay="0"/>
-                            </p:stCondLst>
-                            <p:childTnLst>
-                              <p:par>
-                                <p:cTn id="5" presetID="42" presetClass="entr" presetSubtype="0" fill="hold" grpId="0" nodeType="withEffect">
-                                  <p:stCondLst>
-                                    <p:cond delay="0"/>
-                                  </p:stCondLst>
-                                  <p:childTnLst>
-                                    <p:set>
-                                      <p:cBhvr>
-                                        <p:cTn id="6" dur="1" fill="hold">
-                                          <p:stCondLst>
-                                            <p:cond delay="0"/>
-                                          </p:stCondLst>
-                                        </p:cTn>
-                                        <p:tgtEl>
-                                          <p:spTgt spid="12"/>
-                                        </p:tgtEl>
-                                        <p:attrNameLst>
-                                          <p:attrName>style.visibility</p:attrName>
-                                        </p:attrNameLst>
-                                      </p:cBhvr>
-                                      <p:to>
-                                        <p:strVal val="visible"/>
-                                      </p:to>
-                                    </p:set>
-                                    <p:animEffect transition="in" filter="fade">
-                                      <p:cBhvr>
-                                        <p:cTn id="7" dur="1000"/>
-                                        <p:tgtEl>
-                                          <p:spTgt spid="12"/>
-                                        </p:tgtEl>
-                                      </p:cBhvr>
-                                    </p:animEffect>
-                                    <p:anim calcmode="lin" valueType="num">
-                                      <p:cBhvr>
-                                        <p:cTn id="8" dur="1000" fill="hold"/>
-                                        <p:tgtEl>
-                                          <p:spTgt spid="12"/>
-                                        </p:tgtEl>
-                                        <p:attrNameLst>
-                                          <p:attrName>ppt_x</p:attrName>
-                                        </p:attrNameLst>
-                                      </p:cBhvr>
-                                      <p:tavLst>
-                                        <p:tav tm="0">
-                                          <p:val>
-                                            <p:strVal val="#ppt_x"/>
-                                          </p:val>
-                                        </p:tav>
-                                        <p:tav tm="100000">
-                                          <p:val>
-                                            <p:strVal val="#ppt_x"/>
-                                          </p:val>
-                                        </p:tav>
-                                      </p:tavLst>
-                                    </p:anim>
-                                    <p:anim calcmode="lin" valueType="num">
-                                      <p:cBhvr>
-                                        <p:cTn id="9" dur="1000" fill="hold"/>
-                                        <p:tgtEl>
-                                          <p:spTgt spid="12"/>
-                                        </p:tgtEl>
-                                        <p:attrNameLst>
-                                          <p:attrName>ppt_y</p:attrName>
-                                        </p:attrNameLst>
-                                      </p:cBhvr>
-                                      <p:tavLst>
-                                        <p:tav tm="0">
-                                          <p:val>
-                                            <p:strVal val="#ppt_y+.1"/>
-                                          </p:val>
-                                        </p:tav>
-                                        <p:tav tm="100000">
-                                          <p:val>
-                                            <p:strVal val="#ppt_y"/>
-                                          </p:val>
-                                        </p:tav>
-                                      </p:tavLst>
-                                    </p:anim>
-                                  </p:childTnLst>
-                                </p:cTn>
-                              </p:par>
-                              <p:par>
-                                <p:cTn id="10" presetID="22" presetClass="entr" presetSubtype="8" fill="hold" grpId="0" nodeType="withEffect">
-                                  <p:stCondLst>
-                                    <p:cond delay="0"/>
-                                  </p:stCondLst>
-                                  <p:childTnLst>
-                                    <p:set>
-                                      <p:cBhvr>
-                                        <p:cTn id="11" dur="1" fill="hold">
-                                          <p:stCondLst>
-                                            <p:cond delay="0"/>
-                                          </p:stCondLst>
-                                        </p:cTn>
-                                        <p:tgtEl>
-                                          <p:spTgt spid="23"/>
-                                        </p:tgtEl>
-                                        <p:attrNameLst>
-                                          <p:attrName>style.visibility</p:attrName>
-                                        </p:attrNameLst>
-                                      </p:cBhvr>
-                                      <p:to>
-                                        <p:strVal val="visible"/>
-                                      </p:to>
-                                    </p:set>
-                                    <p:animEffect transition="in" filter="wipe(left)">
-                                      <p:cBhvr>
-                                        <p:cTn id="12" dur="500"/>
-                                        <p:tgtEl>
-                                          <p:spTgt spid="23"/>
-                                        </p:tgtEl>
-                                      </p:cBhvr>
-                                    </p:animEffect>
-                                  </p:childTnLst>
-                                </p:cTn>
-                              </p:par>
-                              <p:par>
-                                <p:cTn id="13" presetID="2" presetClass="entr" presetSubtype="1" fill="hold" grpId="0" nodeType="withEffect">
-                                  <p:stCondLst>
-                                    <p:cond delay="0"/>
-                                  </p:stCondLst>
-                                  <p:childTnLst>
-                                    <p:set>
-                                      <p:cBhvr>
-                                        <p:cTn id="14" dur="1" fill="hold">
-                                          <p:stCondLst>
-                                            <p:cond delay="0"/>
-                                          </p:stCondLst>
-                                        </p:cTn>
-                                        <p:tgtEl>
-                                          <p:spTgt spid="24"/>
-                                        </p:tgtEl>
-                                        <p:attrNameLst>
-                                          <p:attrName>style.visibility</p:attrName>
-                                        </p:attrNameLst>
-                                      </p:cBhvr>
-                                      <p:to>
-                                        <p:strVal val="visible"/>
-                                      </p:to>
-                                    </p:set>
-                                    <p:anim calcmode="lin" valueType="num">
-                                      <p:cBhvr additive="base">
-                                        <p:cTn id="15" dur="500" fill="hold"/>
-                                        <p:tgtEl>
-                                          <p:spTgt spid="24"/>
-                                        </p:tgtEl>
-                                        <p:attrNameLst>
-                                          <p:attrName>ppt_x</p:attrName>
-                                        </p:attrNameLst>
-                                      </p:cBhvr>
-                                      <p:tavLst>
-                                        <p:tav tm="0">
-                                          <p:val>
-                                            <p:strVal val="#ppt_x"/>
-                                          </p:val>
-                                        </p:tav>
-                                        <p:tav tm="100000">
-                                          <p:val>
-                                            <p:strVal val="#ppt_x"/>
-                                          </p:val>
-                                        </p:tav>
-                                      </p:tavLst>
-                                    </p:anim>
-                                    <p:anim calcmode="lin" valueType="num">
-                                      <p:cBhvr additive="base">
-                                        <p:cTn id="16" dur="500" fill="hold"/>
-                                        <p:tgtEl>
-                                          <p:spTgt spid="24"/>
-                                        </p:tgtEl>
-                                        <p:attrNameLst>
-                                          <p:attrName>ppt_y</p:attrName>
-                                        </p:attrNameLst>
-                                      </p:cBhvr>
-                                      <p:tavLst>
-                                        <p:tav tm="0">
-                                          <p:val>
-                                            <p:strVal val="0-#ppt_h/2"/>
-                                          </p:val>
-                                        </p:tav>
-                                        <p:tav tm="100000">
-                                          <p:val>
-                                            <p:strVal val="#ppt_y"/>
-                                          </p:val>
-                                        </p:tav>
-                                      </p:tavLst>
-                                    </p:anim>
-                                  </p:childTnLst>
-                                </p:cTn>
-                              </p:par>
-                              <p:par>
-                                <p:cTn id="17" presetID="14" presetClass="entr" presetSubtype="10" fill="hold" grpId="0" nodeType="withEffect">
-                                  <p:stCondLst>
-                                    <p:cond delay="0"/>
-                                  </p:stCondLst>
-                                  <p:childTnLst>
-                                    <p:set>
-                                      <p:cBhvr>
-                                        <p:cTn id="18" dur="1" fill="hold">
-                                          <p:stCondLst>
-                                            <p:cond delay="0"/>
-                                          </p:stCondLst>
-                                        </p:cTn>
-                                        <p:tgtEl>
-                                          <p:spTgt spid="22"/>
-                                        </p:tgtEl>
-                                        <p:attrNameLst>
-                                          <p:attrName>style.visibility</p:attrName>
-                                        </p:attrNameLst>
-                                      </p:cBhvr>
-                                      <p:to>
-                                        <p:strVal val="visible"/>
-                                      </p:to>
-                                    </p:set>
-                                    <p:animEffect transition="in" filter="randombar(horizontal)">
-                                      <p:cBhvr>
-                                        <p:cTn id="19" dur="500"/>
-                                        <p:tgtEl>
-                                          <p:spTgt spid="22"/>
-                                        </p:tgtEl>
-                                      </p:cBhvr>
-                                    </p:animEffect>
-                                  </p:childTnLst>
-                                </p:cTn>
-                              </p:par>
-                            </p:childTnLst>
-                          </p:cTn>
-                        </p:par>
-                      </p:childTnLst>
-                    </p:cTn>
-                  </p:par>
-                  <p:par>
-                    <p:cTn id="20" fill="hold">
-                      <p:stCondLst>
-                        <p:cond delay="indefinite"/>
-                      </p:stCondLst>
-                      <p:childTnLst>
-                        <p:par>
-                          <p:cTn id="21" fill="hold">
-                            <p:stCondLst>
-                              <p:cond delay="0"/>
-                            </p:stCondLst>
-                            <p:childTnLst>
-                              <p:par>
-                                <p:cTn id="22" presetID="14" presetClass="entr" presetSubtype="10" fill="hold" grpId="0" nodeType="clickEffect">
-                                  <p:stCondLst>
-                                    <p:cond delay="0"/>
-                                  </p:stCondLst>
-                                  <p:childTnLst>
-                                    <p:set>
-                                      <p:cBhvr>
-                                        <p:cTn id="23" dur="1" fill="hold">
-                                          <p:stCondLst>
-                                            <p:cond delay="0"/>
-                                          </p:stCondLst>
-                                        </p:cTn>
-                                        <p:tgtEl>
-                                          <p:spTgt spid="21"/>
-                                        </p:tgtEl>
-                                        <p:attrNameLst>
-                                          <p:attrName>style.visibility</p:attrName>
-                                        </p:attrNameLst>
-                                      </p:cBhvr>
-                                      <p:to>
-                                        <p:strVal val="visible"/>
-                                      </p:to>
-                                    </p:set>
-                                    <p:animEffect transition="in" filter="randombar(horizontal)">
-                                      <p:cBhvr>
-                                        <p:cTn id="24" dur="500"/>
-                                        <p:tgtEl>
-                                          <p:spTgt spid="21"/>
-                                        </p:tgtEl>
-                                      </p:cBhvr>
-                                    </p:animEffect>
-                                  </p:childTnLst>
-                                </p:cTn>
-                              </p:par>
-                            </p:childTnLst>
-                          </p:cTn>
-                        </p:par>
-                      </p:childTnLst>
-                    </p:cTn>
-                  </p:par>
-                </p:childTnLst>
-              </p:cTn>
-              <p:prevCondLst>
-                <p:cond evt="onPrev" delay="0">
-                  <p:tgtEl>
-                    <p:sldTgt/>
-                  </p:tgtEl>
-                </p:cond>
-              </p:prevCondLst>
-              <p:nextCondLst>
-                <p:cond evt="onNext" delay="0">
-                  <p:tgtEl>
-                    <p:sldTgt/>
-                  </p:tgtEl>
-                </p:cond>
-              </p:nextCondLst>
-            </p:seq>
-          </p:childTnLst>
-        </p:cTn>
-      </p:par>
-    </p:tnLst>
-    <p:bldLst>
-      <p:bldP spid="24" grpId="0" animBg="1"/>
-      <p:bldP spid="12" grpId="0" animBg="1"/>
-      <p:bldP spid="21" grpId="0"/>
-      <p:bldP spid="22" grpId="0"/>
-      <p:bldP spid="23" grpId="0" animBg="1"/>
-    </p:bldLst>
-  </p:timing>
-</p:sld>
-</file>
-
-<file path=ppt/slides/slide9.xml><?xml version="1.0" encoding="utf-8"?>
-<p:sld xmlns:a="http://schemas.openxmlformats.org/drawingml/2006/main" xmlns:r="http://schemas.openxmlformats.org/officeDocument/2006/relationships" xmlns:p="http://schemas.openxmlformats.org/presentationml/2006/main">
-  <p:cSld>
-    <p:spTree>
-      <p:nvGrpSpPr>
-        <p:cNvPr id="1" name=""/>
-        <p:cNvGrpSpPr/>
-        <p:nvPr/>
-      </p:nvGrpSpPr>
-      <p:grpSpPr>
-        <a:xfrm>
-          <a:off x="0" y="0"/>
-          <a:ext cx="0" cy="0"/>
-          <a:chOff x="0" y="0"/>
-          <a:chExt cx="0" cy="0"/>
-        </a:xfrm>
-      </p:grpSpPr>
-      <p:sp>
-        <p:nvSpPr>
-          <p:cNvPr id="27" name="TextBox 26"/>
-          <p:cNvSpPr txBox="1"/>
-          <p:nvPr/>
-        </p:nvSpPr>
-        <p:spPr>
-          <a:xfrm>
-            <a:off x="10609990" y="6382589"/>
-            <a:ext cx="877163" cy="369332"/>
-          </a:xfrm>
-          <a:prstGeom prst="rect">
-            <a:avLst/>
-          </a:prstGeom>
-          <a:noFill/>
-        </p:spPr>
-        <p:txBody>
-          <a:bodyPr wrap="none" rtlCol="0">
-            <a:spAutoFit/>
-          </a:bodyPr>
-          <a:lstStyle/>
-          <a:p>
-            <a:r>
-              <a:rPr lang="zh-CN" altLang="en-US" dirty="0">
-                <a:ea typeface="微软雅黑" panose="020B0503020204020204" pitchFamily="34" charset="-122"/>
-              </a:rPr>
-              <a:t>延时符</a:t>
-            </a:r>
-          </a:p>
-        </p:txBody>
-      </p:sp>
-      <p:sp>
-        <p:nvSpPr>
-          <p:cNvPr id="19" name="等腰三角形 18">
-            <a:extLst>
-              <a:ext uri="{FF2B5EF4-FFF2-40B4-BE49-F238E27FC236}">
-                <a16:creationId xmlns:a16="http://schemas.microsoft.com/office/drawing/2014/main" id="{E17498E9-E604-42BA-A071-71FC27707E9C}"/>
-              </a:ext>
-            </a:extLst>
-          </p:cNvPr>
-          <p:cNvSpPr/>
-          <p:nvPr/>
-        </p:nvSpPr>
-        <p:spPr>
-          <a:xfrm>
-            <a:off x="0" y="0"/>
-            <a:ext cx="5004048" cy="5143500"/>
-          </a:xfrm>
-          <a:prstGeom prst="triangle">
-            <a:avLst>
-              <a:gd name="adj" fmla="val 0"/>
-            </a:avLst>
-          </a:prstGeom>
-          <a:blipFill dpi="0" rotWithShape="1">
-            <a:blip r:embed="rId5">
-              <a:extLst>
-                <a:ext uri="{28A0092B-C50C-407E-A947-70E740481C1C}">
-                  <a14:useLocalDpi xmlns:a14="http://schemas.microsoft.com/office/drawing/2010/main" val="0"/>
-                </a:ext>
-              </a:extLst>
-            </a:blip>
-            <a:srcRect/>
-            <a:stretch>
-              <a:fillRect l="-27090" r="-27090"/>
-            </a:stretch>
-          </a:blipFill>
-          <a:ln>
-            <a:noFill/>
-          </a:ln>
-        </p:spPr>
-        <p:style>
-          <a:lnRef idx="2">
-            <a:schemeClr val="accent1">
-              <a:shade val="50000"/>
-            </a:schemeClr>
-          </a:lnRef>
-          <a:fillRef idx="1">
-            <a:schemeClr val="accent1"/>
-          </a:fillRef>
-          <a:effectRef idx="0">
-            <a:schemeClr val="accent1"/>
-          </a:effectRef>
-          <a:fontRef idx="minor">
-            <a:schemeClr val="lt1"/>
-          </a:fontRef>
-        </p:style>
-        <p:txBody>
-          <a:bodyPr rtlCol="0" anchor="ctr"/>
-          <a:lstStyle/>
-          <a:p>
-            <a:pPr algn="ctr"/>
-            <a:endParaRPr lang="zh-CN" altLang="en-US" dirty="0">
-              <a:ea typeface="微软雅黑" panose="020B0503020204020204" pitchFamily="34" charset="-122"/>
-            </a:endParaRPr>
-          </a:p>
-        </p:txBody>
-      </p:sp>
-      <p:sp>
-        <p:nvSpPr>
-          <p:cNvPr id="20" name="矩形 19">
-            <a:extLst>
-              <a:ext uri="{FF2B5EF4-FFF2-40B4-BE49-F238E27FC236}">
-                <a16:creationId xmlns:a16="http://schemas.microsoft.com/office/drawing/2014/main" id="{43FDBE16-5EB1-435D-9BF8-591C3ED57218}"/>
-              </a:ext>
-            </a:extLst>
-          </p:cNvPr>
-          <p:cNvSpPr/>
-          <p:nvPr/>
-        </p:nvSpPr>
-        <p:spPr>
-          <a:xfrm>
-            <a:off x="251520" y="267494"/>
-            <a:ext cx="8640960" cy="4608512"/>
-          </a:xfrm>
-          <a:prstGeom prst="rect">
-            <a:avLst/>
-          </a:prstGeom>
-          <a:noFill/>
-          <a:ln w="38100">
-            <a:solidFill>
-              <a:schemeClr val="tx1"/>
-            </a:solidFill>
-          </a:ln>
-        </p:spPr>
-        <p:style>
-          <a:lnRef idx="2">
-            <a:schemeClr val="accent1">
-              <a:shade val="50000"/>
-            </a:schemeClr>
-          </a:lnRef>
-          <a:fillRef idx="1">
-            <a:schemeClr val="accent1"/>
-          </a:fillRef>
-          <a:effectRef idx="0">
-            <a:schemeClr val="accent1"/>
-          </a:effectRef>
-          <a:fontRef idx="minor">
-            <a:schemeClr val="lt1"/>
-          </a:fontRef>
-        </p:style>
-        <p:txBody>
-          <a:bodyPr rtlCol="0" anchor="ctr"/>
-          <a:lstStyle/>
-          <a:p>
-            <a:pPr algn="ctr"/>
-            <a:endParaRPr lang="zh-CN" altLang="en-US" dirty="0">
-              <a:ea typeface="微软雅黑" panose="020B0503020204020204" pitchFamily="34" charset="-122"/>
-            </a:endParaRPr>
-          </a:p>
-        </p:txBody>
-      </p:sp>
-      <p:cxnSp>
-        <p:nvCxnSpPr>
-          <p:cNvPr id="23" name="直接连接符 22">
-            <a:extLst>
-              <a:ext uri="{FF2B5EF4-FFF2-40B4-BE49-F238E27FC236}">
-                <a16:creationId xmlns:a16="http://schemas.microsoft.com/office/drawing/2014/main" id="{7899A7EC-0348-40F0-B2C7-11BC169FDBBE}"/>
-              </a:ext>
-            </a:extLst>
-          </p:cNvPr>
-          <p:cNvCxnSpPr>
-            <a:cxnSpLocks/>
-          </p:cNvCxnSpPr>
-          <p:nvPr/>
-        </p:nvCxnSpPr>
-        <p:spPr>
-          <a:xfrm>
-            <a:off x="5076056" y="2434859"/>
-            <a:ext cx="2448272" cy="0"/>
-          </a:xfrm>
-          <a:prstGeom prst="line">
-            <a:avLst/>
-          </a:prstGeom>
-          <a:ln w="28575">
-            <a:solidFill>
-              <a:srgbClr val="3B3B3B"/>
-            </a:solidFill>
-          </a:ln>
-        </p:spPr>
-        <p:style>
-          <a:lnRef idx="1">
-            <a:schemeClr val="accent1"/>
-          </a:lnRef>
-          <a:fillRef idx="0">
-            <a:schemeClr val="accent1"/>
-          </a:fillRef>
-          <a:effectRef idx="0">
-            <a:schemeClr val="accent1"/>
-          </a:effectRef>
-          <a:fontRef idx="minor">
-            <a:schemeClr val="tx1"/>
-          </a:fontRef>
-        </p:style>
-      </p:cxnSp>
-      <p:sp>
-        <p:nvSpPr>
-          <p:cNvPr id="24" name="文本框 23">
-            <a:extLst>
-              <a:ext uri="{FF2B5EF4-FFF2-40B4-BE49-F238E27FC236}">
-                <a16:creationId xmlns:a16="http://schemas.microsoft.com/office/drawing/2014/main" id="{08D4E9CB-AB84-4DF1-9822-59FD1C48A639}"/>
-              </a:ext>
-            </a:extLst>
-          </p:cNvPr>
-          <p:cNvSpPr txBox="1"/>
-          <p:nvPr/>
-        </p:nvSpPr>
-        <p:spPr>
-          <a:xfrm>
-            <a:off x="2267744" y="1452126"/>
-            <a:ext cx="6372701" cy="854080"/>
-          </a:xfrm>
-          <a:prstGeom prst="rect">
-            <a:avLst/>
-          </a:prstGeom>
-          <a:noFill/>
-        </p:spPr>
-        <p:txBody>
-          <a:bodyPr wrap="square" rtlCol="0">
-            <a:spAutoFit/>
-          </a:bodyPr>
-          <a:lstStyle/>
-          <a:p>
-            <a:pPr algn="ctr" fontAlgn="auto">
-              <a:lnSpc>
-                <a:spcPct val="100000"/>
-              </a:lnSpc>
-            </a:pPr>
-            <a:r>
-              <a:rPr lang="en-US" altLang="zh-CN" sz="4950" dirty="0">
-                <a:solidFill>
-                  <a:srgbClr val="3B3B3B"/>
-                </a:solidFill>
-                <a:latin typeface="华文细黑" panose="02010600040101010101" charset="-122"/>
-                <a:ea typeface="华文细黑" panose="02010600040101010101" charset="-122"/>
-              </a:rPr>
-              <a:t>THANK YOU</a:t>
-            </a:r>
-          </a:p>
-        </p:txBody>
-      </p:sp>
-    </p:spTree>
-    <p:custDataLst>
-      <p:tags r:id="rId2"/>
-    </p:custDataLst>
-    <p:extLst>
-      <p:ext uri="{BB962C8B-B14F-4D97-AF65-F5344CB8AC3E}">
-        <p14:creationId xmlns:p14="http://schemas.microsoft.com/office/powerpoint/2010/main" val="1228628852"/>
-      </p:ext>
-    </p:extLst>
-  </p:cSld>
-  <p:clrMapOvr>
-    <a:masterClrMapping/>
-  </p:clrMapOvr>
-  <mc:AlternateContent xmlns:mc="http://schemas.openxmlformats.org/markup-compatibility/2006" xmlns:p14="http://schemas.microsoft.com/office/powerpoint/2010/main">
-    <mc:Choice Requires="p14">
-      <p:transition p14:dur="10"/>
-    </mc:Choice>
-    <mc:Fallback xmlns="">
-      <p:transition/>
-    </mc:Fallback>
-  </mc:AlternateContent>
-  <p:timing>
-    <p:tnLst>
-      <p:par>
-        <p:cTn id="1" dur="indefinite" restart="never" nodeType="tmRoot">
-          <p:childTnLst>
-            <p:seq concurrent="1" nextAc="seek">
-              <p:cTn id="2" dur="indefinite" nodeType="mainSeq">
-                <p:childTnLst>
-                  <p:par>
-                    <p:cTn id="3" fill="hold">
-                      <p:stCondLst>
-                        <p:cond delay="indefinite"/>
-                        <p:cond evt="onBegin" delay="0">
-                          <p:tn val="2"/>
-                        </p:cond>
-                      </p:stCondLst>
-                      <p:childTnLst>
-                        <p:par>
-                          <p:cTn id="4" fill="hold">
-                            <p:stCondLst>
-                              <p:cond delay="0"/>
-                            </p:stCondLst>
-                            <p:childTnLst>
-                              <p:par>
-                                <p:cTn id="5" presetID="42" presetClass="entr" presetSubtype="0" fill="hold" grpId="0" nodeType="withEffect">
-                                  <p:stCondLst>
-                                    <p:cond delay="0"/>
-                                  </p:stCondLst>
-                                  <p:childTnLst>
-                                    <p:set>
-                                      <p:cBhvr>
-                                        <p:cTn id="6" dur="1" fill="hold">
-                                          <p:stCondLst>
-                                            <p:cond delay="0"/>
-                                          </p:stCondLst>
-                                        </p:cTn>
-                                        <p:tgtEl>
-                                          <p:spTgt spid="19"/>
-                                        </p:tgtEl>
-                                        <p:attrNameLst>
-                                          <p:attrName>style.visibility</p:attrName>
-                                        </p:attrNameLst>
-                                      </p:cBhvr>
-                                      <p:to>
-                                        <p:strVal val="visible"/>
-                                      </p:to>
-                                    </p:set>
-                                    <p:animEffect transition="in" filter="fade">
-                                      <p:cBhvr>
-                                        <p:cTn id="7" dur="1000"/>
-                                        <p:tgtEl>
-                                          <p:spTgt spid="19"/>
-                                        </p:tgtEl>
-                                      </p:cBhvr>
-                                    </p:animEffect>
-                                    <p:anim calcmode="lin" valueType="num">
-                                      <p:cBhvr>
-                                        <p:cTn id="8" dur="1000" fill="hold"/>
-                                        <p:tgtEl>
-                                          <p:spTgt spid="19"/>
-                                        </p:tgtEl>
-                                        <p:attrNameLst>
-                                          <p:attrName>ppt_x</p:attrName>
-                                        </p:attrNameLst>
-                                      </p:cBhvr>
-                                      <p:tavLst>
-                                        <p:tav tm="0">
-                                          <p:val>
-                                            <p:strVal val="#ppt_x"/>
-                                          </p:val>
-                                        </p:tav>
-                                        <p:tav tm="100000">
-                                          <p:val>
-                                            <p:strVal val="#ppt_x"/>
-                                          </p:val>
-                                        </p:tav>
-                                      </p:tavLst>
-                                    </p:anim>
-                                    <p:anim calcmode="lin" valueType="num">
-                                      <p:cBhvr>
-                                        <p:cTn id="9" dur="1000" fill="hold"/>
-                                        <p:tgtEl>
-                                          <p:spTgt spid="19"/>
-                                        </p:tgtEl>
-                                        <p:attrNameLst>
-                                          <p:attrName>ppt_y</p:attrName>
-                                        </p:attrNameLst>
-                                      </p:cBhvr>
-                                      <p:tavLst>
-                                        <p:tav tm="0">
-                                          <p:val>
-                                            <p:strVal val="#ppt_y+.1"/>
-                                          </p:val>
-                                        </p:tav>
-                                        <p:tav tm="100000">
-                                          <p:val>
-                                            <p:strVal val="#ppt_y"/>
-                                          </p:val>
-                                        </p:tav>
-                                      </p:tavLst>
-                                    </p:anim>
-                                  </p:childTnLst>
-                                </p:cTn>
-                              </p:par>
-                              <p:par>
-                                <p:cTn id="10" presetID="22" presetClass="entr" presetSubtype="8" fill="hold" grpId="0" nodeType="withEffect">
-                                  <p:stCondLst>
-                                    <p:cond delay="0"/>
-                                  </p:stCondLst>
-                                  <p:childTnLst>
-                                    <p:set>
-                                      <p:cBhvr>
-                                        <p:cTn id="11" dur="1" fill="hold">
-                                          <p:stCondLst>
-                                            <p:cond delay="0"/>
-                                          </p:stCondLst>
-                                        </p:cTn>
-                                        <p:tgtEl>
-                                          <p:spTgt spid="20"/>
-                                        </p:tgtEl>
-                                        <p:attrNameLst>
-                                          <p:attrName>style.visibility</p:attrName>
-                                        </p:attrNameLst>
-                                      </p:cBhvr>
-                                      <p:to>
-                                        <p:strVal val="visible"/>
-                                      </p:to>
-                                    </p:set>
-                                    <p:animEffect transition="in" filter="wipe(left)">
-                                      <p:cBhvr>
-                                        <p:cTn id="12" dur="500"/>
-                                        <p:tgtEl>
-                                          <p:spTgt spid="20"/>
-                                        </p:tgtEl>
-                                      </p:cBhvr>
-                                    </p:animEffect>
-                                  </p:childTnLst>
-                                </p:cTn>
-                              </p:par>
-                              <p:par>
-                                <p:cTn id="13" presetID="29" presetClass="entr" presetSubtype="0" fill="hold" grpId="2" nodeType="withEffect">
-                                  <p:stCondLst>
-                                    <p:cond delay="0"/>
-                                  </p:stCondLst>
-                                  <p:iterate type="lt">
-                                    <p:tmPct val="0"/>
-                                  </p:iterate>
-                                  <p:childTnLst>
-                                    <p:set>
-                                      <p:cBhvr>
-                                        <p:cTn id="14" dur="1" fill="hold">
-                                          <p:stCondLst>
-                                            <p:cond delay="0"/>
-                                          </p:stCondLst>
-                                        </p:cTn>
-                                        <p:tgtEl>
-                                          <p:spTgt spid="24"/>
-                                        </p:tgtEl>
-                                        <p:attrNameLst>
-                                          <p:attrName>style.visibility</p:attrName>
-                                        </p:attrNameLst>
-                                      </p:cBhvr>
-                                      <p:to>
-                                        <p:strVal val="visible"/>
-                                      </p:to>
-                                    </p:set>
-                                    <p:anim calcmode="lin" valueType="num">
-                                      <p:cBhvr>
-                                        <p:cTn id="15" dur="500" fill="hold"/>
-                                        <p:tgtEl>
-                                          <p:spTgt spid="24"/>
-                                        </p:tgtEl>
-                                        <p:attrNameLst>
-                                          <p:attrName>ppt_x</p:attrName>
-                                        </p:attrNameLst>
-                                      </p:cBhvr>
-                                      <p:tavLst>
-                                        <p:tav tm="0">
-                                          <p:val>
-                                            <p:strVal val="#ppt_x-.2"/>
-                                          </p:val>
-                                        </p:tav>
-                                        <p:tav tm="100000">
-                                          <p:val>
-                                            <p:strVal val="#ppt_x"/>
-                                          </p:val>
-                                        </p:tav>
-                                      </p:tavLst>
-                                    </p:anim>
-                                    <p:anim calcmode="lin" valueType="num">
-                                      <p:cBhvr>
-                                        <p:cTn id="16" dur="500" fill="hold"/>
-                                        <p:tgtEl>
-                                          <p:spTgt spid="24"/>
-                                        </p:tgtEl>
-                                        <p:attrNameLst>
-                                          <p:attrName>ppt_y</p:attrName>
-                                        </p:attrNameLst>
-                                      </p:cBhvr>
-                                      <p:tavLst>
-                                        <p:tav tm="0">
-                                          <p:val>
-                                            <p:strVal val="#ppt_y"/>
-                                          </p:val>
-                                        </p:tav>
-                                        <p:tav tm="100000">
-                                          <p:val>
-                                            <p:strVal val="#ppt_y"/>
-                                          </p:val>
-                                        </p:tav>
-                                      </p:tavLst>
-                                    </p:anim>
-                                    <p:animEffect transition="in" filter="wipe(right)" prLst="gradientSize: 0.1">
-                                      <p:cBhvr>
-                                        <p:cTn id="17" dur="500"/>
-                                        <p:tgtEl>
-                                          <p:spTgt spid="24"/>
-                                        </p:tgtEl>
-                                      </p:cBhvr>
-                                    </p:animEffect>
-                                  </p:childTnLst>
-                                </p:cTn>
-                              </p:par>
-                              <p:par>
-                                <p:cTn id="18" presetID="16" presetClass="entr" presetSubtype="21" fill="hold" nodeType="withEffect">
-                                  <p:stCondLst>
-                                    <p:cond delay="0"/>
-                                  </p:stCondLst>
-                                  <p:childTnLst>
-                                    <p:set>
-                                      <p:cBhvr>
-                                        <p:cTn id="19" dur="1" fill="hold">
-                                          <p:stCondLst>
-                                            <p:cond delay="0"/>
-                                          </p:stCondLst>
-                                        </p:cTn>
-                                        <p:tgtEl>
-                                          <p:spTgt spid="23"/>
-                                        </p:tgtEl>
-                                        <p:attrNameLst>
-                                          <p:attrName>style.visibility</p:attrName>
-                                        </p:attrNameLst>
-                                      </p:cBhvr>
-                                      <p:to>
-                                        <p:strVal val="visible"/>
-                                      </p:to>
-                                    </p:set>
-                                    <p:animEffect transition="in" filter="barn(inVertical)">
-                                      <p:cBhvr>
-                                        <p:cTn id="20" dur="500"/>
-                                        <p:tgtEl>
-                                          <p:spTgt spid="23"/>
-                                        </p:tgtEl>
-                                      </p:cBhvr>
-                                    </p:animEffect>
-                                  </p:childTnLst>
-                                </p:cTn>
-                              </p:par>
-                            </p:childTnLst>
-                          </p:cTn>
-                        </p:par>
-                      </p:childTnLst>
-                    </p:cTn>
-                  </p:par>
-                </p:childTnLst>
-              </p:cTn>
-              <p:prevCondLst>
-                <p:cond evt="onPrev" delay="0">
-                  <p:tgtEl>
-                    <p:sldTgt/>
-                  </p:tgtEl>
-                </p:cond>
-              </p:prevCondLst>
-              <p:nextCondLst>
-                <p:cond evt="onNext" delay="0">
-                  <p:tgtEl>
-                    <p:sldTgt/>
-                  </p:tgtEl>
-                </p:cond>
-              </p:nextCondLst>
-            </p:seq>
-          </p:childTnLst>
-        </p:cTn>
-      </p:par>
-    </p:tnLst>
-    <p:bldLst>
-      <p:bldP spid="19" grpId="0" animBg="1"/>
-      <p:bldP spid="20" grpId="0" animBg="1"/>
-      <p:bldP spid="24" grpId="0"/>
-      <p:bldP spid="24" grpId="1"/>
-      <p:bldP spid="24" grpId="2"/>
     </p:bldLst>
   </p:timing>
 </p:sld>

--- a/軟體工程_期中報告.pptx
+++ b/軟體工程_期中報告.pptx
@@ -1000,7 +1000,11 @@
           <a:bodyPr/>
           <a:lstStyle/>
           <a:p>
-            <a:endParaRPr lang="zh-CN" altLang="en-US"/>
+            <a:r>
+              <a:rPr lang="zh-TW" altLang="en-US" dirty="0" smtClean="0"/>
+              <a:t>動機與目的 不夠明確，缺自動化</a:t>
+            </a:r>
+            <a:endParaRPr lang="zh-CN" altLang="en-US" dirty="0"/>
           </a:p>
         </p:txBody>
       </p:sp>
@@ -1170,7 +1174,11 @@
           <a:bodyPr/>
           <a:lstStyle/>
           <a:p>
-            <a:endParaRPr lang="zh-CN" altLang="en-US"/>
+            <a:r>
+              <a:rPr lang="zh-TW" altLang="en-US" dirty="0" smtClean="0"/>
+              <a:t>事件條列式修改，分項描述</a:t>
+            </a:r>
+            <a:endParaRPr lang="zh-CN" altLang="en-US" dirty="0"/>
           </a:p>
         </p:txBody>
       </p:sp>
@@ -1255,7 +1263,11 @@
           <a:bodyPr/>
           <a:lstStyle/>
           <a:p>
-            <a:endParaRPr lang="zh-CN" altLang="en-US"/>
+            <a:r>
+              <a:rPr lang="zh-TW" altLang="en-US" smtClean="0"/>
+              <a:t>對象與描述性項目的操作方式要更明確</a:t>
+            </a:r>
+            <a:endParaRPr lang="zh-CN" altLang="en-US" dirty="0"/>
           </a:p>
         </p:txBody>
       </p:sp>

--- a/軟體工程_期中報告.pptx
+++ b/軟體工程_期中報告.pptx
@@ -270,7 +270,7 @@
             <a:fld id="{673B58EF-4ABD-40F4-ACA4-FE81D742E6DD}" type="datetimeFigureOut">
               <a:rPr lang="zh-CN" altLang="en-US" smtClean="0"/>
               <a:pPr/>
-              <a:t>2019/12/17</a:t>
+              <a:t>2019/12/18</a:t>
             </a:fld>
             <a:endParaRPr lang="zh-CN" altLang="en-US" dirty="0"/>
           </a:p>
@@ -26721,8 +26721,16 @@
           <a:p>
             <a:pPr algn="l"/>
             <a:r>
+              <a:rPr lang="zh-TW" altLang="en-US" sz="2400"/>
+              <a:t>供</a:t>
+            </a:r>
+            <a:r>
+              <a:rPr lang="zh-TW" altLang="en-US" sz="2400" smtClean="0"/>
+              <a:t>消費者取餐，以減少</a:t>
+            </a:r>
+            <a:r>
               <a:rPr lang="zh-TW" altLang="en-US" sz="2400" dirty="0"/>
-              <a:t>供消費者領取餐點來減少人力資源的浪費</a:t>
+              <a:t>人力資源的浪費</a:t>
             </a:r>
             <a:endParaRPr lang="en-US" altLang="zh-TW" sz="2400" dirty="0"/>
           </a:p>

--- a/軟體工程_期中報告.pptx
+++ b/軟體工程_期中報告.pptx
@@ -188,6 +188,7 @@
     <p1510:client id="{37012C09-473E-4DA0-B2EB-F598ECE70F82}" v="4" dt="2020-01-07T14:34:52.130"/>
     <p1510:client id="{3BA07B18-949B-4B1F-9EF7-7A4A18E53CEB}" v="16" dt="2020-01-07T14:33:32.493"/>
     <p1510:client id="{6D7DF95A-695B-4A21-B579-3B22B228B15E}" v="685" dt="2020-01-07T15:29:42.077"/>
+    <p1510:client id="{CD36183C-4B64-4E28-83E4-68EC3BC7E638}" v="12" dt="2020-01-07T16:13:35.995"/>
     <p1510:client id="{FE36BC53-BAF1-4698-BD47-EDEF266789F9}" v="137" dt="2020-01-07T15:08:09.379"/>
   </p1510:revLst>
 </p1510:revInfo>
@@ -873,7 +874,7 @@
             <a:fld id="{A11FC198-2D83-4DFC-8CDD-7D23AF44D411}" type="slidenum">
               <a:rPr lang="zh-CN" altLang="en-US" smtClean="0"/>
               <a:pPr/>
-              <a:t>11</a:t>
+              <a:t>12</a:t>
             </a:fld>
             <a:endParaRPr lang="zh-CN" altLang="en-US" dirty="0"/>
           </a:p>
@@ -958,7 +959,7 @@
             <a:fld id="{A11FC198-2D83-4DFC-8CDD-7D23AF44D411}" type="slidenum">
               <a:rPr lang="zh-CN" altLang="en-US" smtClean="0"/>
               <a:pPr/>
-              <a:t>11</a:t>
+              <a:t>13</a:t>
             </a:fld>
             <a:endParaRPr lang="zh-CN" altLang="en-US" dirty="0"/>
           </a:p>
@@ -1043,7 +1044,7 @@
             <a:fld id="{A11FC198-2D83-4DFC-8CDD-7D23AF44D411}" type="slidenum">
               <a:rPr lang="zh-CN" altLang="en-US" smtClean="0"/>
               <a:pPr/>
-              <a:t>12</a:t>
+              <a:t>14</a:t>
             </a:fld>
             <a:endParaRPr lang="zh-CN" altLang="en-US" dirty="0"/>
           </a:p>
@@ -1128,7 +1129,7 @@
             <a:fld id="{A11FC198-2D83-4DFC-8CDD-7D23AF44D411}" type="slidenum">
               <a:rPr lang="zh-CN" altLang="en-US" smtClean="0"/>
               <a:pPr/>
-              <a:t>13</a:t>
+              <a:t>15</a:t>
             </a:fld>
             <a:endParaRPr lang="zh-CN" altLang="en-US" dirty="0"/>
           </a:p>
@@ -1213,7 +1214,7 @@
             <a:fld id="{A11FC198-2D83-4DFC-8CDD-7D23AF44D411}" type="slidenum">
               <a:rPr lang="zh-CN" altLang="en-US" smtClean="0"/>
               <a:pPr/>
-              <a:t>14</a:t>
+              <a:t>16</a:t>
             </a:fld>
             <a:endParaRPr lang="zh-CN" altLang="en-US" dirty="0"/>
           </a:p>
@@ -1298,7 +1299,7 @@
             <a:fld id="{A11FC198-2D83-4DFC-8CDD-7D23AF44D411}" type="slidenum">
               <a:rPr lang="zh-CN" altLang="en-US" smtClean="0"/>
               <a:pPr/>
-              <a:t>15</a:t>
+              <a:t>17</a:t>
             </a:fld>
             <a:endParaRPr lang="zh-CN" altLang="en-US" dirty="0"/>
           </a:p>
@@ -1383,7 +1384,7 @@
             <a:fld id="{A11FC198-2D83-4DFC-8CDD-7D23AF44D411}" type="slidenum">
               <a:rPr lang="zh-CN" altLang="en-US" smtClean="0"/>
               <a:pPr/>
-              <a:t>16</a:t>
+              <a:t>18</a:t>
             </a:fld>
             <a:endParaRPr lang="zh-CN" altLang="en-US" dirty="0"/>
           </a:p>
@@ -1468,7 +1469,7 @@
             <a:fld id="{A11FC198-2D83-4DFC-8CDD-7D23AF44D411}" type="slidenum">
               <a:rPr lang="zh-CN" altLang="en-US" smtClean="0"/>
               <a:pPr/>
-              <a:t>17</a:t>
+              <a:t>19</a:t>
             </a:fld>
             <a:endParaRPr lang="zh-CN" altLang="en-US" dirty="0"/>
           </a:p>
@@ -1638,7 +1639,7 @@
             <a:fld id="{A11FC198-2D83-4DFC-8CDD-7D23AF44D411}" type="slidenum">
               <a:rPr lang="zh-CN" altLang="en-US" smtClean="0"/>
               <a:pPr/>
-              <a:t>18</a:t>
+              <a:t>20</a:t>
             </a:fld>
             <a:endParaRPr lang="zh-CN" altLang="en-US" dirty="0"/>
           </a:p>
@@ -1723,7 +1724,7 @@
             <a:fld id="{A11FC198-2D83-4DFC-8CDD-7D23AF44D411}" type="slidenum">
               <a:rPr lang="zh-CN" altLang="en-US" smtClean="0"/>
               <a:pPr/>
-              <a:t>19</a:t>
+              <a:t>21</a:t>
             </a:fld>
             <a:endParaRPr lang="zh-CN" altLang="en-US" dirty="0"/>
           </a:p>
@@ -1808,7 +1809,7 @@
             <a:fld id="{A11FC198-2D83-4DFC-8CDD-7D23AF44D411}" type="slidenum">
               <a:rPr lang="zh-CN" altLang="en-US" smtClean="0"/>
               <a:pPr/>
-              <a:t>20</a:t>
+              <a:t>22</a:t>
             </a:fld>
             <a:endParaRPr lang="zh-CN" altLang="en-US" dirty="0"/>
           </a:p>
@@ -1893,7 +1894,7 @@
             <a:fld id="{A11FC198-2D83-4DFC-8CDD-7D23AF44D411}" type="slidenum">
               <a:rPr lang="zh-CN" altLang="en-US" smtClean="0"/>
               <a:pPr/>
-              <a:t>21</a:t>
+              <a:t>23</a:t>
             </a:fld>
             <a:endParaRPr lang="zh-CN" altLang="en-US" dirty="0"/>
           </a:p>
@@ -1977,7 +1978,7 @@
           <a:p>
             <a:fld id="{621F41D1-EB0D-4857-8E93-8C1C831E6153}" type="slidenum">
               <a:rPr lang="zh-CN" altLang="en-US" smtClean="0"/>
-              <a:t>22</a:t>
+              <a:t>24</a:t>
             </a:fld>
             <a:endParaRPr lang="zh-CN" altLang="en-US"/>
           </a:p>
@@ -6001,11 +6002,11 @@
   <p:clrMapOvr>
     <a:masterClrMapping/>
   </p:clrMapOvr>
-  <mc:AlternateContent xmlns:mc="http://schemas.openxmlformats.org/markup-compatibility/2006">
-    <mc:Choice xmlns:p14="http://schemas.microsoft.com/office/powerpoint/2010/main" Requires="p14">
+  <mc:AlternateContent xmlns:mc="http://schemas.openxmlformats.org/markup-compatibility/2006" xmlns:p14="http://schemas.microsoft.com/office/powerpoint/2010/main">
+    <mc:Choice Requires="p14">
       <p:transition p14:dur="10"/>
     </mc:Choice>
-    <mc:Fallback>
+    <mc:Fallback xmlns="">
       <p:transition/>
     </mc:Fallback>
   </mc:AlternateContent>
@@ -6741,11 +6742,11 @@
   <p:clrMapOvr>
     <a:masterClrMapping/>
   </p:clrMapOvr>
-  <mc:AlternateContent xmlns:mc="http://schemas.openxmlformats.org/markup-compatibility/2006">
-    <mc:Choice xmlns:p14="http://schemas.microsoft.com/office/powerpoint/2010/main" Requires="p14">
+  <mc:AlternateContent xmlns:mc="http://schemas.openxmlformats.org/markup-compatibility/2006" xmlns:p14="http://schemas.microsoft.com/office/powerpoint/2010/main">
+    <mc:Choice Requires="p14">
       <p:transition p14:dur="10"/>
     </mc:Choice>
-    <mc:Fallback>
+    <mc:Fallback xmlns="">
       <p:transition/>
     </mc:Fallback>
   </mc:AlternateContent>
@@ -21787,7 +21788,7 @@
           <p:nvPr>
             <p:extLst>
               <p:ext uri="{D42A27DB-BD31-4B8C-83A1-F6EECF244321}">
-                <p14:modId xmlns:p14="http://schemas.microsoft.com/office/powerpoint/2010/main" val="1471061892"/>
+                <p14:modId xmlns:p14="http://schemas.microsoft.com/office/powerpoint/2010/main" val="1441456836"/>
               </p:ext>
             </p:extLst>
           </p:nvPr>
@@ -21954,7 +21955,54 @@
                     <a:bodyPr/>
                     <a:lstStyle/>
                     <a:p>
-                      <a:pPr marL="0" marR="0" indent="0" algn="l" defTabSz="914400" rtl="0" eaLnBrk="1" fontAlgn="auto" latinLnBrk="0" hangingPunct="1">
+                      <a:pPr marL="0" marR="0" lvl="0" indent="0" algn="l" defTabSz="914400">
+                        <a:lnSpc>
+                          <a:spcPct val="150000"/>
+                        </a:lnSpc>
+                        <a:spcBef>
+                          <a:spcPts val="0"/>
+                        </a:spcBef>
+                        <a:spcAft>
+                          <a:spcPts val="0"/>
+                        </a:spcAft>
+                        <a:buClrTx/>
+                        <a:buSzTx/>
+                        <a:buNone/>
+                        <a:tabLst/>
+                        <a:defRPr/>
+                      </a:pPr>
+                      <a:r>
+                        <a:rPr lang="en-US" altLang="zh-TW" sz="1600" dirty="0"/>
+                        <a:t>1. </a:t>
+                      </a:r>
+                      <a:r>
+                        <a:rPr lang="zh-TW" altLang="en-US" sz="1600" u="sng">
+                          <a:solidFill>
+                            <a:srgbClr val="C00000"/>
+                          </a:solidFill>
+                        </a:rPr>
+                        <a:t>店員</a:t>
+                      </a:r>
+                      <a:r>
+                        <a:rPr lang="zh-TW" altLang="en-US" sz="1600"/>
+                        <a:t>可</a:t>
+                      </a:r>
+                      <a:r>
+                        <a:rPr lang="zh-TW" altLang="en-US" sz="1600" u="sng">
+                          <a:solidFill>
+                            <a:srgbClr val="C00000"/>
+                          </a:solidFill>
+                        </a:rPr>
+                        <a:t>讀取清單內容</a:t>
+                      </a:r>
+                      <a:r>
+                        <a:rPr lang="zh-TW" altLang="en-US" sz="1600"/>
+                        <a:t>，確認剩餘飲品</a:t>
+                      </a:r>
+                      <a:endParaRPr lang="en-US" altLang="zh-TW" sz="1600"/>
+                    </a:p>
+                    <a:p>
+                      <a:pPr marL="205105" marR="0" indent="-457200" algn="l" defTabSz="914400" rtl="0" eaLnBrk="1" fontAlgn="auto" latinLnBrk="0" hangingPunct="1">
                         <a:lnSpc>
                           <a:spcPct val="150000"/>
                         </a:lnSpc>
@@ -21973,106 +22021,14 @@
                       </a:pPr>
                       <a:r>
                         <a:rPr lang="en-US" altLang="zh-TW" sz="1600" dirty="0"/>
-                        <a:t>1. </a:t>
-                      </a:r>
-                      <a:r>
-                        <a:rPr lang="zh-TW" altLang="en-US" sz="1600" dirty="0"/>
-                        <a:t>系統自動量測飲品存量</a:t>
-                      </a:r>
-                      <a:endParaRPr lang="en-US" altLang="zh-TW" sz="1600" dirty="0"/>
-                    </a:p>
-                    <a:p>
-                      <a:pPr>
-                        <a:lnSpc>
-                          <a:spcPct val="150000"/>
-                        </a:lnSpc>
-                      </a:pPr>
-                      <a:r>
-                        <a:rPr lang="en-US" altLang="zh-TW" sz="1600" dirty="0"/>
                         <a:t>2.</a:t>
                       </a:r>
                       <a:r>
-                        <a:rPr lang="zh-TW" altLang="en-US" sz="1600" dirty="0"/>
-                        <a:t> 系統自動紀錄每筆交易紀錄</a:t>
-                      </a:r>
-                      <a:endParaRPr lang="en-US" altLang="zh-TW" sz="1600" dirty="0"/>
-                    </a:p>
-                    <a:p>
-                      <a:pPr marL="205200" marR="0" indent="-457200" algn="l" defTabSz="914400" rtl="0" eaLnBrk="1" fontAlgn="auto" latinLnBrk="0" hangingPunct="1">
-                        <a:lnSpc>
-                          <a:spcPct val="150000"/>
-                        </a:lnSpc>
-                        <a:spcBef>
-                          <a:spcPts val="0"/>
-                        </a:spcBef>
-                        <a:spcAft>
-                          <a:spcPts val="0"/>
-                        </a:spcAft>
-                        <a:buClrTx/>
-                        <a:buSzTx/>
-                        <a:buFontTx/>
-                        <a:buNone/>
-                        <a:tabLst/>
-                        <a:defRPr/>
-                      </a:pPr>
-                      <a:r>
-                        <a:rPr lang="en-US" altLang="zh-TW" sz="1600" dirty="0"/>
-                        <a:t>3. </a:t>
-                      </a:r>
-                      <a:r>
-                        <a:rPr lang="zh-TW" altLang="en-US" sz="1600" u="sng" dirty="0">
-                          <a:solidFill>
-                            <a:srgbClr val="C00000"/>
-                          </a:solidFill>
-                        </a:rPr>
-                        <a:t>店員</a:t>
-                      </a:r>
-                      <a:r>
-                        <a:rPr lang="zh-TW" altLang="en-US" sz="1600" dirty="0"/>
-                        <a:t>可</a:t>
-                      </a:r>
-                      <a:r>
-                        <a:rPr lang="zh-TW" altLang="en-US" sz="1600" u="sng" dirty="0">
-                          <a:solidFill>
-                            <a:srgbClr val="C00000"/>
-                          </a:solidFill>
-                        </a:rPr>
-                        <a:t>讀取清單內容</a:t>
-                      </a:r>
-                      <a:r>
-                        <a:rPr lang="zh-TW" altLang="en-US" sz="1600" dirty="0"/>
-                        <a:t>，確認剩餘飲品</a:t>
-                      </a:r>
-                      <a:endParaRPr lang="en-US" altLang="zh-TW" sz="1600" dirty="0"/>
-                    </a:p>
-                    <a:p>
-                      <a:pPr marL="205200" marR="0" indent="-457200" algn="l" defTabSz="914400" rtl="0" eaLnBrk="1" fontAlgn="auto" latinLnBrk="0" hangingPunct="1">
-                        <a:lnSpc>
-                          <a:spcPct val="150000"/>
-                        </a:lnSpc>
-                        <a:spcBef>
-                          <a:spcPts val="0"/>
-                        </a:spcBef>
-                        <a:spcAft>
-                          <a:spcPts val="0"/>
-                        </a:spcAft>
-                        <a:buClrTx/>
-                        <a:buSzTx/>
-                        <a:buFontTx/>
-                        <a:buNone/>
-                        <a:tabLst/>
-                        <a:defRPr/>
-                      </a:pPr>
-                      <a:r>
-                        <a:rPr lang="en-US" altLang="zh-TW" sz="1600" dirty="0"/>
-                        <a:t>4.</a:t>
-                      </a:r>
-                      <a:r>
-                        <a:rPr lang="zh-TW" altLang="en-US" sz="1600" dirty="0"/>
+                        <a:rPr lang="zh-TW" altLang="en-US" sz="1600"/>
                         <a:t> </a:t>
                       </a:r>
                       <a:r>
-                        <a:rPr lang="zh-TW" altLang="en-US" sz="1600" u="sng" dirty="0">
+                        <a:rPr lang="zh-TW" altLang="en-US" sz="1600" u="sng">
                           <a:solidFill>
                             <a:srgbClr val="0070C0"/>
                           </a:solidFill>
@@ -22080,11 +22036,11 @@
                         <a:t>店員</a:t>
                       </a:r>
                       <a:r>
-                        <a:rPr lang="zh-TW" altLang="en-US" sz="1600" dirty="0"/>
+                        <a:rPr lang="zh-TW" altLang="en-US" sz="1600"/>
                         <a:t>可</a:t>
                       </a:r>
                       <a:r>
-                        <a:rPr lang="zh-TW" altLang="en-US" sz="1600" u="sng" dirty="0">
+                        <a:rPr lang="zh-TW" altLang="en-US" sz="1600" u="sng">
                           <a:solidFill>
                             <a:srgbClr val="0070C0"/>
                           </a:solidFill>
@@ -22092,10 +22048,10 @@
                         <a:t>讀取交易紀錄</a:t>
                       </a:r>
                       <a:r>
-                        <a:rPr lang="zh-TW" altLang="en-US" sz="1600" dirty="0"/>
+                        <a:rPr lang="zh-TW" altLang="en-US" sz="1600"/>
                         <a:t>，確認歷史消費</a:t>
                       </a:r>
-                      <a:endParaRPr lang="en-US" altLang="zh-TW" sz="1600" dirty="0"/>
+                      <a:endParaRPr lang="en-US" altLang="zh-TW" sz="1600"/>
                     </a:p>
                   </a:txBody>
                   <a:tcPr anchor="ctr">
